--- a/Design Pattern.pptx
+++ b/Design Pattern.pptx
@@ -1,16 +1,17 @@
 
 <file path=ppt/presentation.xml><?xml version="1.0" encoding="utf-8"?>
-<p:presentation xmlns:a="http://schemas.openxmlformats.org/drawingml/2006/main" xmlns:r="http://schemas.openxmlformats.org/officeDocument/2006/relationships" xmlns:p="http://schemas.openxmlformats.org/presentationml/2006/main" saveSubsetFonts="1">
+<p:presentation xmlns:a="http://schemas.openxmlformats.org/drawingml/2006/main" xmlns:r="http://schemas.openxmlformats.org/officeDocument/2006/relationships" xmlns:p="http://schemas.openxmlformats.org/presentationml/2006/main">
   <p:sldMasterIdLst>
-    <p:sldMasterId id="2147483678" r:id="rId1"/>
+    <p:sldMasterId id="2147483648" r:id="rId1"/>
   </p:sldMasterIdLst>
   <p:sldIdLst>
-    <p:sldId id="256" r:id="rId2"/>
-    <p:sldId id="257" r:id="rId3"/>
-    <p:sldId id="258" r:id="rId4"/>
-    <p:sldId id="260" r:id="rId5"/>
-    <p:sldId id="259" r:id="rId6"/>
-    <p:sldId id="261" r:id="rId7"/>
+    <p:sldId id="256" r:id="rId3"/>
+    <p:sldId id="257" r:id="rId4"/>
+    <p:sldId id="258" r:id="rId5"/>
+    <p:sldId id="260" r:id="rId6"/>
+    <p:sldId id="264" r:id="rId7"/>
+    <p:sldId id="259" r:id="rId8"/>
+    <p:sldId id="261" r:id="rId9"/>
   </p:sldIdLst>
   <p:sldSz cx="12192000" cy="6858000"/>
   <p:notesSz cx="6858000" cy="9144000"/>
@@ -109,16 +110,11 @@
       </a:defRPr>
     </a:lvl9pPr>
   </p:defaultTextStyle>
-  <p:extLst>
-    <p:ext uri="{EFAFB233-063F-42B5-8137-9DF3F51BA10A}">
-      <p15:sldGuideLst xmlns:p15="http://schemas.microsoft.com/office/powerpoint/2012/main"/>
-    </p:ext>
-  </p:extLst>
 </p:presentation>
 </file>
 
 <file path=ppt/slideLayouts/slideLayout1.xml><?xml version="1.0" encoding="utf-8"?>
-<p:sldLayout xmlns:a="http://schemas.openxmlformats.org/drawingml/2006/main" xmlns:r="http://schemas.openxmlformats.org/officeDocument/2006/relationships" xmlns:p="http://schemas.openxmlformats.org/presentationml/2006/main" showMasterSp="0" type="title" preserve="1">
+<p:sldLayout xmlns:a="http://schemas.openxmlformats.org/drawingml/2006/main" xmlns:r="http://schemas.openxmlformats.org/officeDocument/2006/relationships" xmlns:p="http://schemas.openxmlformats.org/presentationml/2006/main" type="title" preserve="1" showMasterSp="0">
   <p:cSld name="标题幻灯片">
     <p:spTree>
       <p:nvGrpSpPr>
@@ -839,7 +835,6 @@
           <a:p>
             <a:fld id="{1DE13C8E-C6AE-4632-B4A4-5BFE243CF5CC}" type="datetimeFigureOut">
               <a:rPr lang="zh-CN" altLang="en-US" smtClean="0"/>
-              <a:t>2020/2/2</a:t>
             </a:fld>
             <a:endParaRPr lang="zh-CN" altLang="en-US"/>
           </a:p>
@@ -881,18 +876,12 @@
           <a:p>
             <a:fld id="{6114B45B-4BFA-47DC-BFB9-D6C02A51C277}" type="slidenum">
               <a:rPr lang="zh-CN" altLang="en-US" smtClean="0"/>
-              <a:t>‹#›</a:t>
             </a:fld>
             <a:endParaRPr lang="zh-CN" altLang="en-US"/>
           </a:p>
         </p:txBody>
       </p:sp>
     </p:spTree>
-    <p:extLst>
-      <p:ext uri="{BB962C8B-B14F-4D97-AF65-F5344CB8AC3E}">
-        <p14:creationId xmlns:p14="http://schemas.microsoft.com/office/powerpoint/2010/main" val="3202867986"/>
-      </p:ext>
-    </p:extLst>
   </p:cSld>
   <p:clrMapOvr>
     <a:masterClrMapping/>
@@ -1070,6 +1059,7 @@
               <a:rPr lang="zh-CN" altLang="en-US"/>
               <a:t>单击此处编辑母版文本样式</a:t>
             </a:r>
+            <a:endParaRPr lang="zh-CN" altLang="en-US"/>
           </a:p>
         </p:txBody>
       </p:sp>
@@ -1090,7 +1080,6 @@
           <a:p>
             <a:fld id="{1DE13C8E-C6AE-4632-B4A4-5BFE243CF5CC}" type="datetimeFigureOut">
               <a:rPr lang="zh-CN" altLang="en-US" smtClean="0"/>
-              <a:t>2020/2/2</a:t>
             </a:fld>
             <a:endParaRPr lang="zh-CN" altLang="en-US"/>
           </a:p>
@@ -1132,18 +1121,12 @@
           <a:p>
             <a:fld id="{6114B45B-4BFA-47DC-BFB9-D6C02A51C277}" type="slidenum">
               <a:rPr lang="zh-CN" altLang="en-US" smtClean="0"/>
-              <a:t>‹#›</a:t>
             </a:fld>
             <a:endParaRPr lang="zh-CN" altLang="en-US"/>
           </a:p>
         </p:txBody>
       </p:sp>
     </p:spTree>
-    <p:extLst>
-      <p:ext uri="{BB962C8B-B14F-4D97-AF65-F5344CB8AC3E}">
-        <p14:creationId xmlns:p14="http://schemas.microsoft.com/office/powerpoint/2010/main" val="2197619542"/>
-      </p:ext>
-    </p:extLst>
   </p:cSld>
   <p:clrMapOvr>
     <a:masterClrMapping/>
@@ -1262,6 +1245,7 @@
               <a:rPr lang="zh-CN" altLang="en-US"/>
               <a:t>单击此处编辑母版文本样式</a:t>
             </a:r>
+            <a:endParaRPr lang="zh-CN" altLang="en-US"/>
           </a:p>
         </p:txBody>
       </p:sp>
@@ -1384,6 +1368,7 @@
               <a:rPr lang="zh-CN" altLang="en-US"/>
               <a:t>单击此处编辑母版文本样式</a:t>
             </a:r>
+            <a:endParaRPr lang="zh-CN" altLang="en-US"/>
           </a:p>
         </p:txBody>
       </p:sp>
@@ -1404,7 +1389,6 @@
           <a:p>
             <a:fld id="{1DE13C8E-C6AE-4632-B4A4-5BFE243CF5CC}" type="datetimeFigureOut">
               <a:rPr lang="zh-CN" altLang="en-US" smtClean="0"/>
-              <a:t>2020/2/2</a:t>
             </a:fld>
             <a:endParaRPr lang="zh-CN" altLang="en-US"/>
           </a:p>
@@ -1446,7 +1430,6 @@
           <a:p>
             <a:fld id="{6114B45B-4BFA-47DC-BFB9-D6C02A51C277}" type="slidenum">
               <a:rPr lang="zh-CN" altLang="en-US" smtClean="0"/>
-              <a:t>‹#›</a:t>
             </a:fld>
             <a:endParaRPr lang="zh-CN" altLang="en-US"/>
           </a:p>
@@ -1486,10 +1469,23 @@
                   </a:schemeClr>
                 </a:solidFill>
                 <a:effectLst/>
-                <a:latin typeface="Arial"/>
+                <a:latin typeface="Arial" panose="020B0604020202020204"/>
               </a:rPr>
               <a:t>“</a:t>
             </a:r>
+            <a:endParaRPr lang="en-US" sz="8000" baseline="0" dirty="0">
+              <a:ln w="3175" cmpd="sng">
+                <a:noFill/>
+              </a:ln>
+              <a:solidFill>
+                <a:schemeClr val="accent1">
+                  <a:lumMod val="60000"/>
+                  <a:lumOff val="40000"/>
+                </a:schemeClr>
+              </a:solidFill>
+              <a:effectLst/>
+              <a:latin typeface="Arial" panose="020B0604020202020204"/>
+            </a:endParaRPr>
           </a:p>
         </p:txBody>
       </p:sp>
@@ -1526,7 +1522,7 @@
                     <a:lumOff val="40000"/>
                   </a:schemeClr>
                 </a:solidFill>
-                <a:latin typeface="Arial"/>
+                <a:latin typeface="Arial" panose="020B0604020202020204"/>
               </a:rPr>
               <a:t>”</a:t>
             </a:r>
@@ -1537,17 +1533,12 @@
                   <a:lumOff val="40000"/>
                 </a:schemeClr>
               </a:solidFill>
-              <a:latin typeface="Arial"/>
+              <a:latin typeface="Arial" panose="020B0604020202020204"/>
             </a:endParaRPr>
           </a:p>
         </p:txBody>
       </p:sp>
     </p:spTree>
-    <p:extLst>
-      <p:ext uri="{BB962C8B-B14F-4D97-AF65-F5344CB8AC3E}">
-        <p14:creationId xmlns:p14="http://schemas.microsoft.com/office/powerpoint/2010/main" val="1679725732"/>
-      </p:ext>
-    </p:extLst>
   </p:cSld>
   <p:clrMapOvr>
     <a:masterClrMapping/>
@@ -1725,6 +1716,7 @@
               <a:rPr lang="zh-CN" altLang="en-US"/>
               <a:t>单击此处编辑母版文本样式</a:t>
             </a:r>
+            <a:endParaRPr lang="zh-CN" altLang="en-US"/>
           </a:p>
         </p:txBody>
       </p:sp>
@@ -1745,7 +1737,6 @@
           <a:p>
             <a:fld id="{1DE13C8E-C6AE-4632-B4A4-5BFE243CF5CC}" type="datetimeFigureOut">
               <a:rPr lang="zh-CN" altLang="en-US" smtClean="0"/>
-              <a:t>2020/2/2</a:t>
             </a:fld>
             <a:endParaRPr lang="zh-CN" altLang="en-US"/>
           </a:p>
@@ -1787,18 +1778,12 @@
           <a:p>
             <a:fld id="{6114B45B-4BFA-47DC-BFB9-D6C02A51C277}" type="slidenum">
               <a:rPr lang="zh-CN" altLang="en-US" smtClean="0"/>
-              <a:t>‹#›</a:t>
             </a:fld>
             <a:endParaRPr lang="zh-CN" altLang="en-US"/>
           </a:p>
         </p:txBody>
       </p:sp>
     </p:spTree>
-    <p:extLst>
-      <p:ext uri="{BB962C8B-B14F-4D97-AF65-F5344CB8AC3E}">
-        <p14:creationId xmlns:p14="http://schemas.microsoft.com/office/powerpoint/2010/main" val="84467469"/>
-      </p:ext>
-    </p:extLst>
   </p:cSld>
   <p:clrMapOvr>
     <a:masterClrMapping/>
@@ -1917,6 +1902,7 @@
               <a:rPr lang="zh-CN" altLang="en-US"/>
               <a:t>单击此处编辑母版文本样式</a:t>
             </a:r>
+            <a:endParaRPr lang="zh-CN" altLang="en-US"/>
           </a:p>
         </p:txBody>
       </p:sp>
@@ -2039,6 +2025,7 @@
               <a:rPr lang="zh-CN" altLang="en-US"/>
               <a:t>单击此处编辑母版文本样式</a:t>
             </a:r>
+            <a:endParaRPr lang="zh-CN" altLang="en-US"/>
           </a:p>
         </p:txBody>
       </p:sp>
@@ -2059,7 +2046,6 @@
           <a:p>
             <a:fld id="{1DE13C8E-C6AE-4632-B4A4-5BFE243CF5CC}" type="datetimeFigureOut">
               <a:rPr lang="zh-CN" altLang="en-US" smtClean="0"/>
-              <a:t>2020/2/2</a:t>
             </a:fld>
             <a:endParaRPr lang="zh-CN" altLang="en-US"/>
           </a:p>
@@ -2101,7 +2087,6 @@
           <a:p>
             <a:fld id="{6114B45B-4BFA-47DC-BFB9-D6C02A51C277}" type="slidenum">
               <a:rPr lang="zh-CN" altLang="en-US" smtClean="0"/>
-              <a:t>‹#›</a:t>
             </a:fld>
             <a:endParaRPr lang="zh-CN" altLang="en-US"/>
           </a:p>
@@ -2141,10 +2126,23 @@
                   </a:schemeClr>
                 </a:solidFill>
                 <a:effectLst/>
-                <a:latin typeface="Arial"/>
+                <a:latin typeface="Arial" panose="020B0604020202020204"/>
               </a:rPr>
               <a:t>“</a:t>
             </a:r>
+            <a:endParaRPr lang="en-US" sz="8000" baseline="0" dirty="0">
+              <a:ln w="3175" cmpd="sng">
+                <a:noFill/>
+              </a:ln>
+              <a:solidFill>
+                <a:schemeClr val="accent1">
+                  <a:lumMod val="60000"/>
+                  <a:lumOff val="40000"/>
+                </a:schemeClr>
+              </a:solidFill>
+              <a:effectLst/>
+              <a:latin typeface="Arial" panose="020B0604020202020204"/>
+            </a:endParaRPr>
           </a:p>
         </p:txBody>
       </p:sp>
@@ -2182,19 +2180,27 @@
                   </a:schemeClr>
                 </a:solidFill>
                 <a:effectLst/>
-                <a:latin typeface="Arial"/>
+                <a:latin typeface="Arial" panose="020B0604020202020204"/>
               </a:rPr>
               <a:t>”</a:t>
             </a:r>
+            <a:endParaRPr lang="en-US" sz="8000" baseline="0" dirty="0">
+              <a:ln w="3175" cmpd="sng">
+                <a:noFill/>
+              </a:ln>
+              <a:solidFill>
+                <a:schemeClr val="accent1">
+                  <a:lumMod val="60000"/>
+                  <a:lumOff val="40000"/>
+                </a:schemeClr>
+              </a:solidFill>
+              <a:effectLst/>
+              <a:latin typeface="Arial" panose="020B0604020202020204"/>
+            </a:endParaRPr>
           </a:p>
         </p:txBody>
       </p:sp>
     </p:spTree>
-    <p:extLst>
-      <p:ext uri="{BB962C8B-B14F-4D97-AF65-F5344CB8AC3E}">
-        <p14:creationId xmlns:p14="http://schemas.microsoft.com/office/powerpoint/2010/main" val="1202597734"/>
-      </p:ext>
-    </p:extLst>
   </p:cSld>
   <p:clrMapOvr>
     <a:masterClrMapping/>
@@ -2310,6 +2316,7 @@
               <a:rPr lang="zh-CN" altLang="en-US"/>
               <a:t>单击此处编辑母版文本样式</a:t>
             </a:r>
+            <a:endParaRPr lang="zh-CN" altLang="en-US"/>
           </a:p>
         </p:txBody>
       </p:sp>
@@ -2432,6 +2439,7 @@
               <a:rPr lang="zh-CN" altLang="en-US"/>
               <a:t>单击此处编辑母版文本样式</a:t>
             </a:r>
+            <a:endParaRPr lang="zh-CN" altLang="en-US"/>
           </a:p>
         </p:txBody>
       </p:sp>
@@ -2452,7 +2460,6 @@
           <a:p>
             <a:fld id="{1DE13C8E-C6AE-4632-B4A4-5BFE243CF5CC}" type="datetimeFigureOut">
               <a:rPr lang="zh-CN" altLang="en-US" smtClean="0"/>
-              <a:t>2020/2/2</a:t>
             </a:fld>
             <a:endParaRPr lang="zh-CN" altLang="en-US"/>
           </a:p>
@@ -2494,18 +2501,12 @@
           <a:p>
             <a:fld id="{6114B45B-4BFA-47DC-BFB9-D6C02A51C277}" type="slidenum">
               <a:rPr lang="zh-CN" altLang="en-US" smtClean="0"/>
-              <a:t>‹#›</a:t>
             </a:fld>
             <a:endParaRPr lang="zh-CN" altLang="en-US"/>
           </a:p>
         </p:txBody>
       </p:sp>
     </p:spTree>
-    <p:extLst>
-      <p:ext uri="{BB962C8B-B14F-4D97-AF65-F5344CB8AC3E}">
-        <p14:creationId xmlns:p14="http://schemas.microsoft.com/office/powerpoint/2010/main" val="3014821169"/>
-      </p:ext>
-    </p:extLst>
   </p:cSld>
   <p:clrMapOvr>
     <a:masterClrMapping/>
@@ -2573,6 +2574,7 @@
               <a:rPr lang="zh-CN" altLang="en-US"/>
               <a:t>单击此处编辑母版文本样式</a:t>
             </a:r>
+            <a:endParaRPr lang="zh-CN" altLang="en-US"/>
           </a:p>
           <a:p>
             <a:pPr lvl="1"/>
@@ -2580,6 +2582,7 @@
               <a:rPr lang="zh-CN" altLang="en-US"/>
               <a:t>二级</a:t>
             </a:r>
+            <a:endParaRPr lang="zh-CN" altLang="en-US"/>
           </a:p>
           <a:p>
             <a:pPr lvl="2"/>
@@ -2587,6 +2590,7 @@
               <a:rPr lang="zh-CN" altLang="en-US"/>
               <a:t>三级</a:t>
             </a:r>
+            <a:endParaRPr lang="zh-CN" altLang="en-US"/>
           </a:p>
           <a:p>
             <a:pPr lvl="3"/>
@@ -2594,6 +2598,7 @@
               <a:rPr lang="zh-CN" altLang="en-US"/>
               <a:t>四级</a:t>
             </a:r>
+            <a:endParaRPr lang="zh-CN" altLang="en-US"/>
           </a:p>
           <a:p>
             <a:pPr lvl="4"/>
@@ -2622,7 +2627,6 @@
           <a:p>
             <a:fld id="{1DE13C8E-C6AE-4632-B4A4-5BFE243CF5CC}" type="datetimeFigureOut">
               <a:rPr lang="zh-CN" altLang="en-US" smtClean="0"/>
-              <a:t>2020/2/2</a:t>
             </a:fld>
             <a:endParaRPr lang="zh-CN" altLang="en-US"/>
           </a:p>
@@ -2664,18 +2668,12 @@
           <a:p>
             <a:fld id="{6114B45B-4BFA-47DC-BFB9-D6C02A51C277}" type="slidenum">
               <a:rPr lang="zh-CN" altLang="en-US" smtClean="0"/>
-              <a:t>‹#›</a:t>
             </a:fld>
             <a:endParaRPr lang="zh-CN" altLang="en-US"/>
           </a:p>
         </p:txBody>
       </p:sp>
     </p:spTree>
-    <p:extLst>
-      <p:ext uri="{BB962C8B-B14F-4D97-AF65-F5344CB8AC3E}">
-        <p14:creationId xmlns:p14="http://schemas.microsoft.com/office/powerpoint/2010/main" val="820943224"/>
-      </p:ext>
-    </p:extLst>
   </p:cSld>
   <p:clrMapOvr>
     <a:masterClrMapping/>
@@ -2753,6 +2751,7 @@
               <a:rPr lang="zh-CN" altLang="en-US"/>
               <a:t>单击此处编辑母版文本样式</a:t>
             </a:r>
+            <a:endParaRPr lang="zh-CN" altLang="en-US"/>
           </a:p>
           <a:p>
             <a:pPr lvl="1"/>
@@ -2760,6 +2759,7 @@
               <a:rPr lang="zh-CN" altLang="en-US"/>
               <a:t>二级</a:t>
             </a:r>
+            <a:endParaRPr lang="zh-CN" altLang="en-US"/>
           </a:p>
           <a:p>
             <a:pPr lvl="2"/>
@@ -2767,6 +2767,7 @@
               <a:rPr lang="zh-CN" altLang="en-US"/>
               <a:t>三级</a:t>
             </a:r>
+            <a:endParaRPr lang="zh-CN" altLang="en-US"/>
           </a:p>
           <a:p>
             <a:pPr lvl="3"/>
@@ -2774,6 +2775,7 @@
               <a:rPr lang="zh-CN" altLang="en-US"/>
               <a:t>四级</a:t>
             </a:r>
+            <a:endParaRPr lang="zh-CN" altLang="en-US"/>
           </a:p>
           <a:p>
             <a:pPr lvl="4"/>
@@ -2802,7 +2804,6 @@
           <a:p>
             <a:fld id="{1DE13C8E-C6AE-4632-B4A4-5BFE243CF5CC}" type="datetimeFigureOut">
               <a:rPr lang="zh-CN" altLang="en-US" smtClean="0"/>
-              <a:t>2020/2/2</a:t>
             </a:fld>
             <a:endParaRPr lang="zh-CN" altLang="en-US"/>
           </a:p>
@@ -2844,18 +2845,12 @@
           <a:p>
             <a:fld id="{6114B45B-4BFA-47DC-BFB9-D6C02A51C277}" type="slidenum">
               <a:rPr lang="zh-CN" altLang="en-US" smtClean="0"/>
-              <a:t>‹#›</a:t>
             </a:fld>
             <a:endParaRPr lang="zh-CN" altLang="en-US"/>
           </a:p>
         </p:txBody>
       </p:sp>
     </p:spTree>
-    <p:extLst>
-      <p:ext uri="{BB962C8B-B14F-4D97-AF65-F5344CB8AC3E}">
-        <p14:creationId xmlns:p14="http://schemas.microsoft.com/office/powerpoint/2010/main" val="4186395393"/>
-      </p:ext>
-    </p:extLst>
   </p:cSld>
   <p:clrMapOvr>
     <a:masterClrMapping/>
@@ -2929,6 +2924,7 @@
               <a:rPr lang="zh-CN" altLang="en-US"/>
               <a:t>单击此处编辑母版文本样式</a:t>
             </a:r>
+            <a:endParaRPr lang="zh-CN" altLang="en-US"/>
           </a:p>
           <a:p>
             <a:pPr lvl="1"/>
@@ -2936,6 +2932,7 @@
               <a:rPr lang="zh-CN" altLang="en-US"/>
               <a:t>二级</a:t>
             </a:r>
+            <a:endParaRPr lang="zh-CN" altLang="en-US"/>
           </a:p>
           <a:p>
             <a:pPr lvl="2"/>
@@ -2943,6 +2940,7 @@
               <a:rPr lang="zh-CN" altLang="en-US"/>
               <a:t>三级</a:t>
             </a:r>
+            <a:endParaRPr lang="zh-CN" altLang="en-US"/>
           </a:p>
           <a:p>
             <a:pPr lvl="3"/>
@@ -2950,6 +2948,7 @@
               <a:rPr lang="zh-CN" altLang="en-US"/>
               <a:t>四级</a:t>
             </a:r>
+            <a:endParaRPr lang="zh-CN" altLang="en-US"/>
           </a:p>
           <a:p>
             <a:pPr lvl="4"/>
@@ -2978,7 +2977,6 @@
           <a:p>
             <a:fld id="{1DE13C8E-C6AE-4632-B4A4-5BFE243CF5CC}" type="datetimeFigureOut">
               <a:rPr lang="zh-CN" altLang="en-US" smtClean="0"/>
-              <a:t>2020/2/2</a:t>
             </a:fld>
             <a:endParaRPr lang="zh-CN" altLang="en-US"/>
           </a:p>
@@ -3020,18 +3018,12 @@
           <a:p>
             <a:fld id="{6114B45B-4BFA-47DC-BFB9-D6C02A51C277}" type="slidenum">
               <a:rPr lang="zh-CN" altLang="en-US" smtClean="0"/>
-              <a:t>‹#›</a:t>
             </a:fld>
             <a:endParaRPr lang="zh-CN" altLang="en-US"/>
           </a:p>
         </p:txBody>
       </p:sp>
     </p:spTree>
-    <p:extLst>
-      <p:ext uri="{BB962C8B-B14F-4D97-AF65-F5344CB8AC3E}">
-        <p14:creationId xmlns:p14="http://schemas.microsoft.com/office/powerpoint/2010/main" val="3132516157"/>
-      </p:ext>
-    </p:extLst>
   </p:cSld>
   <p:clrMapOvr>
     <a:masterClrMapping/>
@@ -3205,6 +3197,7 @@
               <a:rPr lang="zh-CN" altLang="en-US"/>
               <a:t>单击此处编辑母版文本样式</a:t>
             </a:r>
+            <a:endParaRPr lang="zh-CN" altLang="en-US"/>
           </a:p>
         </p:txBody>
       </p:sp>
@@ -3225,7 +3218,6 @@
           <a:p>
             <a:fld id="{1DE13C8E-C6AE-4632-B4A4-5BFE243CF5CC}" type="datetimeFigureOut">
               <a:rPr lang="zh-CN" altLang="en-US" smtClean="0"/>
-              <a:t>2020/2/2</a:t>
             </a:fld>
             <a:endParaRPr lang="zh-CN" altLang="en-US"/>
           </a:p>
@@ -3267,18 +3259,12 @@
           <a:p>
             <a:fld id="{6114B45B-4BFA-47DC-BFB9-D6C02A51C277}" type="slidenum">
               <a:rPr lang="zh-CN" altLang="en-US" smtClean="0"/>
-              <a:t>‹#›</a:t>
             </a:fld>
             <a:endParaRPr lang="zh-CN" altLang="en-US"/>
           </a:p>
         </p:txBody>
       </p:sp>
     </p:spTree>
-    <p:extLst>
-      <p:ext uri="{BB962C8B-B14F-4D97-AF65-F5344CB8AC3E}">
-        <p14:creationId xmlns:p14="http://schemas.microsoft.com/office/powerpoint/2010/main" val="2017723814"/>
-      </p:ext>
-    </p:extLst>
   </p:cSld>
   <p:clrMapOvr>
     <a:masterClrMapping/>
@@ -3351,6 +3337,7 @@
               <a:rPr lang="zh-CN" altLang="en-US"/>
               <a:t>单击此处编辑母版文本样式</a:t>
             </a:r>
+            <a:endParaRPr lang="zh-CN" altLang="en-US"/>
           </a:p>
           <a:p>
             <a:pPr lvl="1"/>
@@ -3358,6 +3345,7 @@
               <a:rPr lang="zh-CN" altLang="en-US"/>
               <a:t>二级</a:t>
             </a:r>
+            <a:endParaRPr lang="zh-CN" altLang="en-US"/>
           </a:p>
           <a:p>
             <a:pPr lvl="2"/>
@@ -3365,6 +3353,7 @@
               <a:rPr lang="zh-CN" altLang="en-US"/>
               <a:t>三级</a:t>
             </a:r>
+            <a:endParaRPr lang="zh-CN" altLang="en-US"/>
           </a:p>
           <a:p>
             <a:pPr lvl="3"/>
@@ -3372,6 +3361,7 @@
               <a:rPr lang="zh-CN" altLang="en-US"/>
               <a:t>四级</a:t>
             </a:r>
+            <a:endParaRPr lang="zh-CN" altLang="en-US"/>
           </a:p>
           <a:p>
             <a:pPr lvl="4"/>
@@ -3408,6 +3398,7 @@
               <a:rPr lang="zh-CN" altLang="en-US"/>
               <a:t>单击此处编辑母版文本样式</a:t>
             </a:r>
+            <a:endParaRPr lang="zh-CN" altLang="en-US"/>
           </a:p>
           <a:p>
             <a:pPr lvl="1"/>
@@ -3415,6 +3406,7 @@
               <a:rPr lang="zh-CN" altLang="en-US"/>
               <a:t>二级</a:t>
             </a:r>
+            <a:endParaRPr lang="zh-CN" altLang="en-US"/>
           </a:p>
           <a:p>
             <a:pPr lvl="2"/>
@@ -3422,6 +3414,7 @@
               <a:rPr lang="zh-CN" altLang="en-US"/>
               <a:t>三级</a:t>
             </a:r>
+            <a:endParaRPr lang="zh-CN" altLang="en-US"/>
           </a:p>
           <a:p>
             <a:pPr lvl="3"/>
@@ -3429,6 +3422,7 @@
               <a:rPr lang="zh-CN" altLang="en-US"/>
               <a:t>四级</a:t>
             </a:r>
+            <a:endParaRPr lang="zh-CN" altLang="en-US"/>
           </a:p>
           <a:p>
             <a:pPr lvl="4"/>
@@ -3457,7 +3451,6 @@
           <a:p>
             <a:fld id="{1DE13C8E-C6AE-4632-B4A4-5BFE243CF5CC}" type="datetimeFigureOut">
               <a:rPr lang="zh-CN" altLang="en-US" smtClean="0"/>
-              <a:t>2020/2/2</a:t>
             </a:fld>
             <a:endParaRPr lang="zh-CN" altLang="en-US"/>
           </a:p>
@@ -3499,18 +3492,12 @@
           <a:p>
             <a:fld id="{6114B45B-4BFA-47DC-BFB9-D6C02A51C277}" type="slidenum">
               <a:rPr lang="zh-CN" altLang="en-US" smtClean="0"/>
-              <a:t>‹#›</a:t>
             </a:fld>
             <a:endParaRPr lang="zh-CN" altLang="en-US"/>
           </a:p>
         </p:txBody>
       </p:sp>
     </p:spTree>
-    <p:extLst>
-      <p:ext uri="{BB962C8B-B14F-4D97-AF65-F5344CB8AC3E}">
-        <p14:creationId xmlns:p14="http://schemas.microsoft.com/office/powerpoint/2010/main" val="1469146353"/>
-      </p:ext>
-    </p:extLst>
   </p:cSld>
   <p:clrMapOvr>
     <a:masterClrMapping/>
@@ -3626,6 +3613,7 @@
               <a:rPr lang="zh-CN" altLang="en-US"/>
               <a:t>单击此处编辑母版文本样式</a:t>
             </a:r>
+            <a:endParaRPr lang="zh-CN" altLang="en-US"/>
           </a:p>
         </p:txBody>
       </p:sp>
@@ -3656,6 +3644,7 @@
               <a:rPr lang="zh-CN" altLang="en-US"/>
               <a:t>单击此处编辑母版文本样式</a:t>
             </a:r>
+            <a:endParaRPr lang="zh-CN" altLang="en-US"/>
           </a:p>
           <a:p>
             <a:pPr lvl="1"/>
@@ -3663,6 +3652,7 @@
               <a:rPr lang="zh-CN" altLang="en-US"/>
               <a:t>二级</a:t>
             </a:r>
+            <a:endParaRPr lang="zh-CN" altLang="en-US"/>
           </a:p>
           <a:p>
             <a:pPr lvl="2"/>
@@ -3670,6 +3660,7 @@
               <a:rPr lang="zh-CN" altLang="en-US"/>
               <a:t>三级</a:t>
             </a:r>
+            <a:endParaRPr lang="zh-CN" altLang="en-US"/>
           </a:p>
           <a:p>
             <a:pPr lvl="3"/>
@@ -3677,6 +3668,7 @@
               <a:rPr lang="zh-CN" altLang="en-US"/>
               <a:t>四级</a:t>
             </a:r>
+            <a:endParaRPr lang="zh-CN" altLang="en-US"/>
           </a:p>
           <a:p>
             <a:pPr lvl="4"/>
@@ -3752,6 +3744,7 @@
               <a:rPr lang="zh-CN" altLang="en-US"/>
               <a:t>单击此处编辑母版文本样式</a:t>
             </a:r>
+            <a:endParaRPr lang="zh-CN" altLang="en-US"/>
           </a:p>
         </p:txBody>
       </p:sp>
@@ -3782,6 +3775,7 @@
               <a:rPr lang="zh-CN" altLang="en-US"/>
               <a:t>单击此处编辑母版文本样式</a:t>
             </a:r>
+            <a:endParaRPr lang="zh-CN" altLang="en-US"/>
           </a:p>
           <a:p>
             <a:pPr lvl="1"/>
@@ -3789,6 +3783,7 @@
               <a:rPr lang="zh-CN" altLang="en-US"/>
               <a:t>二级</a:t>
             </a:r>
+            <a:endParaRPr lang="zh-CN" altLang="en-US"/>
           </a:p>
           <a:p>
             <a:pPr lvl="2"/>
@@ -3796,6 +3791,7 @@
               <a:rPr lang="zh-CN" altLang="en-US"/>
               <a:t>三级</a:t>
             </a:r>
+            <a:endParaRPr lang="zh-CN" altLang="en-US"/>
           </a:p>
           <a:p>
             <a:pPr lvl="3"/>
@@ -3803,6 +3799,7 @@
               <a:rPr lang="zh-CN" altLang="en-US"/>
               <a:t>四级</a:t>
             </a:r>
+            <a:endParaRPr lang="zh-CN" altLang="en-US"/>
           </a:p>
           <a:p>
             <a:pPr lvl="4"/>
@@ -3831,7 +3828,6 @@
           <a:p>
             <a:fld id="{1DE13C8E-C6AE-4632-B4A4-5BFE243CF5CC}" type="datetimeFigureOut">
               <a:rPr lang="zh-CN" altLang="en-US" smtClean="0"/>
-              <a:t>2020/2/2</a:t>
             </a:fld>
             <a:endParaRPr lang="zh-CN" altLang="en-US"/>
           </a:p>
@@ -3873,18 +3869,12 @@
           <a:p>
             <a:fld id="{6114B45B-4BFA-47DC-BFB9-D6C02A51C277}" type="slidenum">
               <a:rPr lang="zh-CN" altLang="en-US" smtClean="0"/>
-              <a:t>‹#›</a:t>
             </a:fld>
             <a:endParaRPr lang="zh-CN" altLang="en-US"/>
           </a:p>
         </p:txBody>
       </p:sp>
     </p:spTree>
-    <p:extLst>
-      <p:ext uri="{BB962C8B-B14F-4D97-AF65-F5344CB8AC3E}">
-        <p14:creationId xmlns:p14="http://schemas.microsoft.com/office/powerpoint/2010/main" val="1776089880"/>
-      </p:ext>
-    </p:extLst>
   </p:cSld>
   <p:clrMapOvr>
     <a:masterClrMapping/>
@@ -3954,7 +3944,6 @@
           <a:p>
             <a:fld id="{1DE13C8E-C6AE-4632-B4A4-5BFE243CF5CC}" type="datetimeFigureOut">
               <a:rPr lang="zh-CN" altLang="en-US" smtClean="0"/>
-              <a:t>2020/2/2</a:t>
             </a:fld>
             <a:endParaRPr lang="zh-CN" altLang="en-US"/>
           </a:p>
@@ -3996,18 +3985,12 @@
           <a:p>
             <a:fld id="{6114B45B-4BFA-47DC-BFB9-D6C02A51C277}" type="slidenum">
               <a:rPr lang="zh-CN" altLang="en-US" smtClean="0"/>
-              <a:t>‹#›</a:t>
             </a:fld>
             <a:endParaRPr lang="zh-CN" altLang="en-US"/>
           </a:p>
         </p:txBody>
       </p:sp>
     </p:spTree>
-    <p:extLst>
-      <p:ext uri="{BB962C8B-B14F-4D97-AF65-F5344CB8AC3E}">
-        <p14:creationId xmlns:p14="http://schemas.microsoft.com/office/powerpoint/2010/main" val="2331885677"/>
-      </p:ext>
-    </p:extLst>
   </p:cSld>
   <p:clrMapOvr>
     <a:masterClrMapping/>
@@ -4049,7 +4032,6 @@
           <a:p>
             <a:fld id="{1DE13C8E-C6AE-4632-B4A4-5BFE243CF5CC}" type="datetimeFigureOut">
               <a:rPr lang="zh-CN" altLang="en-US" smtClean="0"/>
-              <a:t>2020/2/2</a:t>
             </a:fld>
             <a:endParaRPr lang="zh-CN" altLang="en-US"/>
           </a:p>
@@ -4091,18 +4073,12 @@
           <a:p>
             <a:fld id="{6114B45B-4BFA-47DC-BFB9-D6C02A51C277}" type="slidenum">
               <a:rPr lang="zh-CN" altLang="en-US" smtClean="0"/>
-              <a:t>‹#›</a:t>
             </a:fld>
             <a:endParaRPr lang="zh-CN" altLang="en-US"/>
           </a:p>
         </p:txBody>
       </p:sp>
     </p:spTree>
-    <p:extLst>
-      <p:ext uri="{BB962C8B-B14F-4D97-AF65-F5344CB8AC3E}">
-        <p14:creationId xmlns:p14="http://schemas.microsoft.com/office/powerpoint/2010/main" val="3160425705"/>
-      </p:ext>
-    </p:extLst>
   </p:cSld>
   <p:clrMapOvr>
     <a:masterClrMapping/>
@@ -4188,6 +4164,7 @@
               <a:rPr lang="zh-CN" altLang="en-US"/>
               <a:t>单击此处编辑母版文本样式</a:t>
             </a:r>
+            <a:endParaRPr lang="zh-CN" altLang="en-US"/>
           </a:p>
           <a:p>
             <a:pPr lvl="1"/>
@@ -4195,6 +4172,7 @@
               <a:rPr lang="zh-CN" altLang="en-US"/>
               <a:t>二级</a:t>
             </a:r>
+            <a:endParaRPr lang="zh-CN" altLang="en-US"/>
           </a:p>
           <a:p>
             <a:pPr lvl="2"/>
@@ -4202,6 +4180,7 @@
               <a:rPr lang="zh-CN" altLang="en-US"/>
               <a:t>三级</a:t>
             </a:r>
+            <a:endParaRPr lang="zh-CN" altLang="en-US"/>
           </a:p>
           <a:p>
             <a:pPr lvl="3"/>
@@ -4209,6 +4188,7 @@
               <a:rPr lang="zh-CN" altLang="en-US"/>
               <a:t>四级</a:t>
             </a:r>
+            <a:endParaRPr lang="zh-CN" altLang="en-US"/>
           </a:p>
           <a:p>
             <a:pPr lvl="4"/>
@@ -4245,35 +4225,35 @@
               <a:buNone/>
               <a:defRPr sz="1400"/>
             </a:lvl1pPr>
-            <a:lvl2pPr marL="457063" indent="0">
+            <a:lvl2pPr marL="457200" indent="0">
               <a:buNone/>
               <a:defRPr sz="1400"/>
             </a:lvl2pPr>
-            <a:lvl3pPr marL="914126" indent="0">
+            <a:lvl3pPr marL="914400" indent="0">
               <a:buNone/>
               <a:defRPr sz="1200"/>
             </a:lvl3pPr>
-            <a:lvl4pPr marL="1371189" indent="0">
+            <a:lvl4pPr marL="1370965" indent="0">
               <a:buNone/>
               <a:defRPr sz="1000"/>
             </a:lvl4pPr>
-            <a:lvl5pPr marL="1828251" indent="0">
+            <a:lvl5pPr marL="1828165" indent="0">
               <a:buNone/>
               <a:defRPr sz="1000"/>
             </a:lvl5pPr>
-            <a:lvl6pPr marL="2285314" indent="0">
+            <a:lvl6pPr marL="2285365" indent="0">
               <a:buNone/>
               <a:defRPr sz="1000"/>
             </a:lvl6pPr>
-            <a:lvl7pPr marL="2742377" indent="0">
+            <a:lvl7pPr marL="2742565" indent="0">
               <a:buNone/>
               <a:defRPr sz="1000"/>
             </a:lvl7pPr>
-            <a:lvl8pPr marL="3199440" indent="0">
+            <a:lvl8pPr marL="3199130" indent="0">
               <a:buNone/>
               <a:defRPr sz="1000"/>
             </a:lvl8pPr>
-            <a:lvl9pPr marL="3656503" indent="0">
+            <a:lvl9pPr marL="3656330" indent="0">
               <a:buNone/>
               <a:defRPr sz="1000"/>
             </a:lvl9pPr>
@@ -4284,6 +4264,7 @@
               <a:rPr lang="zh-CN" altLang="en-US"/>
               <a:t>单击此处编辑母版文本样式</a:t>
             </a:r>
+            <a:endParaRPr lang="zh-CN" altLang="en-US"/>
           </a:p>
         </p:txBody>
       </p:sp>
@@ -4304,7 +4285,6 @@
           <a:p>
             <a:fld id="{1DE13C8E-C6AE-4632-B4A4-5BFE243CF5CC}" type="datetimeFigureOut">
               <a:rPr lang="zh-CN" altLang="en-US" smtClean="0"/>
-              <a:t>2020/2/2</a:t>
             </a:fld>
             <a:endParaRPr lang="zh-CN" altLang="en-US"/>
           </a:p>
@@ -4346,18 +4326,12 @@
           <a:p>
             <a:fld id="{6114B45B-4BFA-47DC-BFB9-D6C02A51C277}" type="slidenum">
               <a:rPr lang="zh-CN" altLang="en-US" smtClean="0"/>
-              <a:t>‹#›</a:t>
             </a:fld>
             <a:endParaRPr lang="zh-CN" altLang="en-US"/>
           </a:p>
         </p:txBody>
       </p:sp>
     </p:spTree>
-    <p:extLst>
-      <p:ext uri="{BB962C8B-B14F-4D97-AF65-F5344CB8AC3E}">
-        <p14:creationId xmlns:p14="http://schemas.microsoft.com/office/powerpoint/2010/main" val="582225519"/>
-      </p:ext>
-    </p:extLst>
   </p:cSld>
   <p:clrMapOvr>
     <a:masterClrMapping/>
@@ -4547,6 +4521,7 @@
               <a:rPr lang="zh-CN" altLang="en-US"/>
               <a:t>单击此处编辑母版文本样式</a:t>
             </a:r>
+            <a:endParaRPr lang="zh-CN" altLang="en-US"/>
           </a:p>
         </p:txBody>
       </p:sp>
@@ -4567,7 +4542,6 @@
           <a:p>
             <a:fld id="{1DE13C8E-C6AE-4632-B4A4-5BFE243CF5CC}" type="datetimeFigureOut">
               <a:rPr lang="zh-CN" altLang="en-US" smtClean="0"/>
-              <a:t>2020/2/2</a:t>
             </a:fld>
             <a:endParaRPr lang="zh-CN" altLang="en-US"/>
           </a:p>
@@ -4609,18 +4583,12 @@
           <a:p>
             <a:fld id="{6114B45B-4BFA-47DC-BFB9-D6C02A51C277}" type="slidenum">
               <a:rPr lang="zh-CN" altLang="en-US" smtClean="0"/>
-              <a:t>‹#›</a:t>
             </a:fld>
             <a:endParaRPr lang="zh-CN" altLang="en-US"/>
           </a:p>
         </p:txBody>
       </p:sp>
     </p:spTree>
-    <p:extLst>
-      <p:ext uri="{BB962C8B-B14F-4D97-AF65-F5344CB8AC3E}">
-        <p14:creationId xmlns:p14="http://schemas.microsoft.com/office/powerpoint/2010/main" val="574794947"/>
-      </p:ext>
-    </p:extLst>
   </p:cSld>
   <p:clrMapOvr>
     <a:masterClrMapping/>
@@ -5243,6 +5211,7 @@
               <a:rPr lang="zh-CN" altLang="en-US"/>
               <a:t>单击此处编辑母版文本样式</a:t>
             </a:r>
+            <a:endParaRPr lang="zh-CN" altLang="en-US"/>
           </a:p>
           <a:p>
             <a:pPr lvl="1"/>
@@ -5250,6 +5219,7 @@
               <a:rPr lang="zh-CN" altLang="en-US"/>
               <a:t>二级</a:t>
             </a:r>
+            <a:endParaRPr lang="zh-CN" altLang="en-US"/>
           </a:p>
           <a:p>
             <a:pPr lvl="2"/>
@@ -5257,6 +5227,7 @@
               <a:rPr lang="zh-CN" altLang="en-US"/>
               <a:t>三级</a:t>
             </a:r>
+            <a:endParaRPr lang="zh-CN" altLang="en-US"/>
           </a:p>
           <a:p>
             <a:pPr lvl="3"/>
@@ -5264,6 +5235,7 @@
               <a:rPr lang="zh-CN" altLang="en-US"/>
               <a:t>四级</a:t>
             </a:r>
+            <a:endParaRPr lang="zh-CN" altLang="en-US"/>
           </a:p>
           <a:p>
             <a:pPr lvl="4"/>
@@ -5310,7 +5282,6 @@
           <a:p>
             <a:fld id="{1DE13C8E-C6AE-4632-B4A4-5BFE243CF5CC}" type="datetimeFigureOut">
               <a:rPr lang="zh-CN" altLang="en-US" smtClean="0"/>
-              <a:t>2020/2/2</a:t>
             </a:fld>
             <a:endParaRPr lang="zh-CN" altLang="en-US"/>
           </a:p>
@@ -5386,37 +5357,31 @@
           <a:p>
             <a:fld id="{6114B45B-4BFA-47DC-BFB9-D6C02A51C277}" type="slidenum">
               <a:rPr lang="zh-CN" altLang="en-US" smtClean="0"/>
-              <a:t>‹#›</a:t>
             </a:fld>
             <a:endParaRPr lang="zh-CN" altLang="en-US"/>
           </a:p>
         </p:txBody>
       </p:sp>
     </p:spTree>
-    <p:extLst>
-      <p:ext uri="{BB962C8B-B14F-4D97-AF65-F5344CB8AC3E}">
-        <p14:creationId xmlns:p14="http://schemas.microsoft.com/office/powerpoint/2010/main" val="726185675"/>
-      </p:ext>
-    </p:extLst>
   </p:cSld>
   <p:clrMap bg1="lt1" tx1="dk1" bg2="lt2" tx2="dk2" accent1="accent1" accent2="accent2" accent3="accent3" accent4="accent4" accent5="accent5" accent6="accent6" hlink="hlink" folHlink="folHlink"/>
   <p:sldLayoutIdLst>
-    <p:sldLayoutId id="2147483679" r:id="rId1"/>
-    <p:sldLayoutId id="2147483680" r:id="rId2"/>
-    <p:sldLayoutId id="2147483681" r:id="rId3"/>
-    <p:sldLayoutId id="2147483682" r:id="rId4"/>
-    <p:sldLayoutId id="2147483683" r:id="rId5"/>
-    <p:sldLayoutId id="2147483684" r:id="rId6"/>
-    <p:sldLayoutId id="2147483685" r:id="rId7"/>
-    <p:sldLayoutId id="2147483686" r:id="rId8"/>
-    <p:sldLayoutId id="2147483687" r:id="rId9"/>
-    <p:sldLayoutId id="2147483688" r:id="rId10"/>
-    <p:sldLayoutId id="2147483689" r:id="rId11"/>
-    <p:sldLayoutId id="2147483690" r:id="rId12"/>
-    <p:sldLayoutId id="2147483691" r:id="rId13"/>
-    <p:sldLayoutId id="2147483692" r:id="rId14"/>
-    <p:sldLayoutId id="2147483693" r:id="rId15"/>
-    <p:sldLayoutId id="2147483694" r:id="rId16"/>
+    <p:sldLayoutId id="2147483649" r:id="rId1"/>
+    <p:sldLayoutId id="2147483650" r:id="rId2"/>
+    <p:sldLayoutId id="2147483651" r:id="rId3"/>
+    <p:sldLayoutId id="2147483652" r:id="rId4"/>
+    <p:sldLayoutId id="2147483653" r:id="rId5"/>
+    <p:sldLayoutId id="2147483654" r:id="rId6"/>
+    <p:sldLayoutId id="2147483655" r:id="rId7"/>
+    <p:sldLayoutId id="2147483656" r:id="rId8"/>
+    <p:sldLayoutId id="2147483657" r:id="rId9"/>
+    <p:sldLayoutId id="2147483658" r:id="rId10"/>
+    <p:sldLayoutId id="2147483659" r:id="rId11"/>
+    <p:sldLayoutId id="2147483660" r:id="rId12"/>
+    <p:sldLayoutId id="2147483661" r:id="rId13"/>
+    <p:sldLayoutId id="2147483662" r:id="rId14"/>
+    <p:sldLayoutId id="2147483663" r:id="rId15"/>
+    <p:sldLayoutId id="2147483664" r:id="rId16"/>
   </p:sldLayoutIdLst>
   <p:txStyles>
     <p:titleStyle>
@@ -5503,7 +5468,7 @@
           <a:schemeClr val="accent1"/>
         </a:buClr>
         <a:buSzPct val="80000"/>
-        <a:buFont typeface="Wingdings 3" charset="2"/>
+        <a:buFont typeface="Wingdings 3" panose="05040102010807070707" charset="2"/>
         <a:buChar char=""/>
         <a:defRPr sz="1800" kern="1200">
           <a:solidFill>
@@ -5528,7 +5493,7 @@
           <a:schemeClr val="accent1"/>
         </a:buClr>
         <a:buSzPct val="80000"/>
-        <a:buFont typeface="Wingdings 3" charset="2"/>
+        <a:buFont typeface="Wingdings 3" panose="05040102010807070707" charset="2"/>
         <a:buChar char=""/>
         <a:defRPr sz="1600" kern="1200">
           <a:solidFill>
@@ -5553,7 +5518,7 @@
           <a:schemeClr val="accent1"/>
         </a:buClr>
         <a:buSzPct val="80000"/>
-        <a:buFont typeface="Wingdings 3" charset="2"/>
+        <a:buFont typeface="Wingdings 3" panose="05040102010807070707" charset="2"/>
         <a:buChar char=""/>
         <a:defRPr sz="1400" kern="1200">
           <a:solidFill>
@@ -5578,7 +5543,7 @@
           <a:schemeClr val="accent1"/>
         </a:buClr>
         <a:buSzPct val="80000"/>
-        <a:buFont typeface="Wingdings 3" charset="2"/>
+        <a:buFont typeface="Wingdings 3" panose="05040102010807070707" charset="2"/>
         <a:buChar char=""/>
         <a:defRPr sz="1200" kern="1200">
           <a:solidFill>
@@ -5603,7 +5568,7 @@
           <a:schemeClr val="accent1"/>
         </a:buClr>
         <a:buSzPct val="80000"/>
-        <a:buFont typeface="Wingdings 3" charset="2"/>
+        <a:buFont typeface="Wingdings 3" panose="05040102010807070707" charset="2"/>
         <a:buChar char=""/>
         <a:defRPr sz="1200" kern="1200">
           <a:solidFill>
@@ -5628,7 +5593,7 @@
           <a:schemeClr val="accent1"/>
         </a:buClr>
         <a:buSzPct val="80000"/>
-        <a:buFont typeface="Wingdings 3" charset="2"/>
+        <a:buFont typeface="Wingdings 3" panose="05040102010807070707" charset="2"/>
         <a:buChar char=""/>
         <a:defRPr sz="1200" kern="1200">
           <a:solidFill>
@@ -5653,7 +5618,7 @@
           <a:schemeClr val="accent1"/>
         </a:buClr>
         <a:buSzPct val="80000"/>
-        <a:buFont typeface="Wingdings 3" charset="2"/>
+        <a:buFont typeface="Wingdings 3" panose="05040102010807070707" charset="2"/>
         <a:buChar char=""/>
         <a:defRPr sz="1200" kern="1200">
           <a:solidFill>
@@ -5678,7 +5643,7 @@
           <a:schemeClr val="accent1"/>
         </a:buClr>
         <a:buSzPct val="80000"/>
-        <a:buFont typeface="Wingdings 3" charset="2"/>
+        <a:buFont typeface="Wingdings 3" panose="05040102010807070707" charset="2"/>
         <a:buChar char=""/>
         <a:defRPr sz="1200" kern="1200">
           <a:solidFill>
@@ -5703,7 +5668,7 @@
           <a:schemeClr val="accent1"/>
         </a:buClr>
         <a:buSzPct val="80000"/>
-        <a:buFont typeface="Wingdings 3" charset="2"/>
+        <a:buFont typeface="Wingdings 3" panose="05040102010807070707" charset="2"/>
         <a:buChar char=""/>
         <a:defRPr sz="1200" kern="1200">
           <a:solidFill>
@@ -5836,13 +5801,7 @@
       </p:grpSpPr>
       <p:sp>
         <p:nvSpPr>
-          <p:cNvPr id="2" name="标题 1">
-            <a:extLst>
-              <a:ext uri="{FF2B5EF4-FFF2-40B4-BE49-F238E27FC236}">
-                <a16:creationId xmlns:a16="http://schemas.microsoft.com/office/drawing/2014/main" id="{E5392B38-1482-4CC6-9850-33DE3E23530A}"/>
-              </a:ext>
-            </a:extLst>
-          </p:cNvPr>
+          <p:cNvPr id="2" name="标题 1"/>
           <p:cNvSpPr>
             <a:spLocks noGrp="1"/>
           </p:cNvSpPr>
@@ -5865,15 +5824,11 @@
               <a:rPr lang="zh-CN" altLang="en-US" dirty="0"/>
               <a:t>设计模式</a:t>
             </a:r>
+            <a:endParaRPr lang="zh-CN" altLang="en-US" dirty="0"/>
           </a:p>
         </p:txBody>
       </p:sp>
     </p:spTree>
-    <p:extLst>
-      <p:ext uri="{BB962C8B-B14F-4D97-AF65-F5344CB8AC3E}">
-        <p14:creationId xmlns:p14="http://schemas.microsoft.com/office/powerpoint/2010/main" val="2980788935"/>
-      </p:ext>
-    </p:extLst>
   </p:cSld>
   <p:clrMapOvr>
     <a:masterClrMapping/>
@@ -5900,13 +5855,7 @@
       </p:grpSpPr>
       <p:sp>
         <p:nvSpPr>
-          <p:cNvPr id="2" name="标题 1">
-            <a:extLst>
-              <a:ext uri="{FF2B5EF4-FFF2-40B4-BE49-F238E27FC236}">
-                <a16:creationId xmlns:a16="http://schemas.microsoft.com/office/drawing/2014/main" id="{D8C7EDD8-AAD2-4C2B-8AFE-1C5839D80553}"/>
-              </a:ext>
-            </a:extLst>
-          </p:cNvPr>
+          <p:cNvPr id="2" name="标题 1"/>
           <p:cNvSpPr>
             <a:spLocks noGrp="1"/>
           </p:cNvSpPr>
@@ -5923,18 +5872,13 @@
               <a:rPr lang="zh-CN" altLang="en-US" dirty="0"/>
               <a:t>一、分类</a:t>
             </a:r>
-          </a:p>
-        </p:txBody>
-      </p:sp>
-      <p:sp>
-        <p:nvSpPr>
-          <p:cNvPr id="3" name="内容占位符 2">
-            <a:extLst>
-              <a:ext uri="{FF2B5EF4-FFF2-40B4-BE49-F238E27FC236}">
-                <a16:creationId xmlns:a16="http://schemas.microsoft.com/office/drawing/2014/main" id="{B1AA72AC-5C44-4885-8FEC-DE46058946B7}"/>
-              </a:ext>
-            </a:extLst>
-          </p:cNvPr>
+            <a:endParaRPr lang="zh-CN" altLang="en-US" dirty="0"/>
+          </a:p>
+        </p:txBody>
+      </p:sp>
+      <p:sp>
+        <p:nvSpPr>
+          <p:cNvPr id="3" name="内容占位符 2"/>
           <p:cNvSpPr>
             <a:spLocks noGrp="1"/>
           </p:cNvSpPr>
@@ -6002,11 +5946,6 @@
         </p:txBody>
       </p:sp>
     </p:spTree>
-    <p:extLst>
-      <p:ext uri="{BB962C8B-B14F-4D97-AF65-F5344CB8AC3E}">
-        <p14:creationId xmlns:p14="http://schemas.microsoft.com/office/powerpoint/2010/main" val="1247939043"/>
-      </p:ext>
-    </p:extLst>
   </p:cSld>
   <p:clrMapOvr>
     <a:masterClrMapping/>
@@ -6033,13 +5972,7 @@
       </p:grpSpPr>
       <p:sp>
         <p:nvSpPr>
-          <p:cNvPr id="2" name="标题 1">
-            <a:extLst>
-              <a:ext uri="{FF2B5EF4-FFF2-40B4-BE49-F238E27FC236}">
-                <a16:creationId xmlns:a16="http://schemas.microsoft.com/office/drawing/2014/main" id="{A6D537F1-8EFF-40F2-A6BB-010CDE3CD450}"/>
-              </a:ext>
-            </a:extLst>
-          </p:cNvPr>
+          <p:cNvPr id="2" name="标题 1"/>
           <p:cNvSpPr>
             <a:spLocks noGrp="1"/>
           </p:cNvSpPr>
@@ -6056,18 +5989,13 @@
               <a:rPr lang="zh-CN" altLang="en-US" dirty="0"/>
               <a:t>二、设计原则</a:t>
             </a:r>
-          </a:p>
-        </p:txBody>
-      </p:sp>
-      <p:sp>
-        <p:nvSpPr>
-          <p:cNvPr id="3" name="内容占位符 2">
-            <a:extLst>
-              <a:ext uri="{FF2B5EF4-FFF2-40B4-BE49-F238E27FC236}">
-                <a16:creationId xmlns:a16="http://schemas.microsoft.com/office/drawing/2014/main" id="{C89298DB-21D2-4F0F-B85A-7C2DB9581635}"/>
-              </a:ext>
-            </a:extLst>
-          </p:cNvPr>
+            <a:endParaRPr lang="zh-CN" altLang="en-US" dirty="0"/>
+          </a:p>
+        </p:txBody>
+      </p:sp>
+      <p:sp>
+        <p:nvSpPr>
+          <p:cNvPr id="3" name="内容占位符 2"/>
           <p:cNvSpPr>
             <a:spLocks noGrp="1"/>
           </p:cNvSpPr>
@@ -6131,11 +6059,6 @@
         </p:txBody>
       </p:sp>
     </p:spTree>
-    <p:extLst>
-      <p:ext uri="{BB962C8B-B14F-4D97-AF65-F5344CB8AC3E}">
-        <p14:creationId xmlns:p14="http://schemas.microsoft.com/office/powerpoint/2010/main" val="867377168"/>
-      </p:ext>
-    </p:extLst>
   </p:cSld>
   <p:clrMapOvr>
     <a:masterClrMapping/>
@@ -6162,13 +6085,7 @@
       </p:grpSpPr>
       <p:sp>
         <p:nvSpPr>
-          <p:cNvPr id="2" name="标题 1">
-            <a:extLst>
-              <a:ext uri="{FF2B5EF4-FFF2-40B4-BE49-F238E27FC236}">
-                <a16:creationId xmlns:a16="http://schemas.microsoft.com/office/drawing/2014/main" id="{7001166E-B8ED-4C5D-AC4C-CE19D0623576}"/>
-              </a:ext>
-            </a:extLst>
-          </p:cNvPr>
+          <p:cNvPr id="2" name="标题 1"/>
           <p:cNvSpPr>
             <a:spLocks noGrp="1"/>
           </p:cNvSpPr>
@@ -6185,18 +6102,13 @@
               <a:rPr lang="zh-CN" altLang="en-US" dirty="0"/>
               <a:t>三、模式介绍</a:t>
             </a:r>
-          </a:p>
-        </p:txBody>
-      </p:sp>
-      <p:sp>
-        <p:nvSpPr>
-          <p:cNvPr id="3" name="内容占位符 2">
-            <a:extLst>
-              <a:ext uri="{FF2B5EF4-FFF2-40B4-BE49-F238E27FC236}">
-                <a16:creationId xmlns:a16="http://schemas.microsoft.com/office/drawing/2014/main" id="{DC7E21A0-B39A-40F8-8685-8FDC750B7C09}"/>
-              </a:ext>
-            </a:extLst>
-          </p:cNvPr>
+            <a:endParaRPr lang="zh-CN" altLang="en-US" dirty="0"/>
+          </a:p>
+        </p:txBody>
+      </p:sp>
+      <p:sp>
+        <p:nvSpPr>
+          <p:cNvPr id="3" name="内容占位符 2"/>
           <p:cNvSpPr>
             <a:spLocks noGrp="1"/>
           </p:cNvSpPr>
@@ -6216,15 +6128,11 @@
               <a:rPr lang="zh-CN" altLang="en-US" dirty="0"/>
               <a:t>接下来的章节将逐一介绍各个设计模式</a:t>
             </a:r>
+            <a:endParaRPr lang="zh-CN" altLang="en-US" dirty="0"/>
           </a:p>
         </p:txBody>
       </p:sp>
     </p:spTree>
-    <p:extLst>
-      <p:ext uri="{BB962C8B-B14F-4D97-AF65-F5344CB8AC3E}">
-        <p14:creationId xmlns:p14="http://schemas.microsoft.com/office/powerpoint/2010/main" val="18122652"/>
-      </p:ext>
-    </p:extLst>
   </p:cSld>
   <p:clrMapOvr>
     <a:masterClrMapping/>
@@ -6241,23 +6149,38 @@
         <p:cNvGrpSpPr/>
         <p:nvPr/>
       </p:nvGrpSpPr>
-      <p:grpSpPr>
-        <a:xfrm>
-          <a:off x="0" y="0"/>
-          <a:ext cx="0" cy="0"/>
-          <a:chOff x="0" y="0"/>
-          <a:chExt cx="0" cy="0"/>
-        </a:xfrm>
-      </p:grpSpPr>
-      <p:sp>
-        <p:nvSpPr>
-          <p:cNvPr id="2" name="标题 1">
-            <a:extLst>
-              <a:ext uri="{FF2B5EF4-FFF2-40B4-BE49-F238E27FC236}">
-                <a16:creationId xmlns:a16="http://schemas.microsoft.com/office/drawing/2014/main" id="{43F8B242-C1E6-4693-8517-2018DE2A5CE0}"/>
-              </a:ext>
-            </a:extLst>
-          </p:cNvPr>
+      <p:grpSpPr/>
+      <p:pic>
+        <p:nvPicPr>
+          <p:cNvPr id="4" name="图片 3"/>
+          <p:cNvPicPr>
+            <a:picLocks noChangeAspect="1"/>
+          </p:cNvPicPr>
+          <p:nvPr>
+            <p:custDataLst>
+              <p:tags r:id="rId1"/>
+            </p:custDataLst>
+          </p:nvPr>
+        </p:nvPicPr>
+        <p:blipFill>
+          <a:blip r:embed="rId2"/>
+          <a:stretch>
+            <a:fillRect/>
+          </a:stretch>
+        </p:blipFill>
+        <p:spPr>
+          <a:xfrm>
+            <a:off x="677545" y="2272665"/>
+            <a:ext cx="7206615" cy="4345305"/>
+          </a:xfrm>
+          <a:prstGeom prst="rect">
+            <a:avLst/>
+          </a:prstGeom>
+        </p:spPr>
+      </p:pic>
+      <p:sp>
+        <p:nvSpPr>
+          <p:cNvPr id="2" name="标题 1"/>
           <p:cNvSpPr>
             <a:spLocks noGrp="1"/>
           </p:cNvSpPr>
@@ -6265,45 +6188,34 @@
             <p:ph type="title"/>
           </p:nvPr>
         </p:nvSpPr>
-        <p:spPr/>
-        <p:txBody>
-          <a:bodyPr>
-            <a:normAutofit fontScale="90000"/>
-          </a:bodyPr>
-          <a:lstStyle/>
-          <a:p>
-            <a:r>
-              <a:rPr lang="zh-CN" altLang="en-US" dirty="0"/>
-              <a:t>享元模式（</a:t>
-            </a:r>
-            <a:r>
-              <a:rPr lang="en-US" altLang="zh-CN" dirty="0"/>
-              <a:t>Flyweight</a:t>
-            </a:r>
-            <a:r>
-              <a:rPr lang="zh-CN" altLang="en-US" dirty="0"/>
-              <a:t>）</a:t>
-            </a:r>
-            <a:r>
-              <a:rPr lang="zh-CN" altLang="en-US" sz="1800" dirty="0"/>
-              <a:t>  运用共享技术有效地支持大量细粒度的对象</a:t>
-            </a:r>
-            <a:br>
-              <a:rPr lang="zh-CN" altLang="en-US" dirty="0"/>
-            </a:br>
-            <a:endParaRPr lang="zh-CN" altLang="en-US" dirty="0"/>
-          </a:p>
-        </p:txBody>
-      </p:sp>
-      <p:sp>
-        <p:nvSpPr>
-          <p:cNvPr id="3" name="内容占位符 2">
-            <a:extLst>
-              <a:ext uri="{FF2B5EF4-FFF2-40B4-BE49-F238E27FC236}">
-                <a16:creationId xmlns:a16="http://schemas.microsoft.com/office/drawing/2014/main" id="{6FE7B4B4-27A2-47E6-B5EE-C20E52931671}"/>
-              </a:ext>
-            </a:extLst>
-          </p:cNvPr>
+        <p:spPr>
+          <a:xfrm>
+            <a:off x="677545" y="609600"/>
+            <a:ext cx="8596630" cy="742315"/>
+          </a:xfrm>
+        </p:spPr>
+        <p:txBody>
+          <a:bodyPr/>
+          <a:p>
+            <a:r>
+              <a:rPr lang="zh-CN" altLang="en-US"/>
+              <a:t>外观模式</a:t>
+            </a:r>
+            <a:r>
+              <a:rPr lang="en-US" altLang="zh-CN"/>
+              <a:t>(</a:t>
+            </a:r>
+            <a:r>
+              <a:rPr lang="en-US" altLang="zh-CN"/>
+              <a:t>Facade)</a:t>
+            </a:r>
+            <a:endParaRPr lang="en-US" altLang="zh-CN"/>
+          </a:p>
+        </p:txBody>
+      </p:sp>
+      <p:sp>
+        <p:nvSpPr>
+          <p:cNvPr id="3" name="内容占位符 2"/>
           <p:cNvSpPr>
             <a:spLocks noGrp="1"/>
           </p:cNvSpPr>
@@ -6311,21 +6223,27 @@
             <p:ph idx="1"/>
           </p:nvPr>
         </p:nvSpPr>
-        <p:spPr/>
+        <p:spPr>
+          <a:xfrm>
+            <a:off x="677545" y="1483360"/>
+            <a:ext cx="9020175" cy="1101090"/>
+          </a:xfrm>
+        </p:spPr>
         <p:txBody>
           <a:bodyPr/>
-          <a:lstStyle/>
-          <a:p>
-            <a:endParaRPr lang="zh-CN" altLang="en-US" dirty="0"/>
+          <a:p>
+            <a:pPr marL="0" indent="0">
+              <a:buNone/>
+            </a:pPr>
+            <a:r>
+              <a:rPr lang="zh-CN" altLang="en-US" sz="2000"/>
+              <a:t>定义：为子系统中给的一组接口提供一个一致的界面，此模式定义了一个高层接口，这个接口使得这一子系统更加容易使用。</a:t>
+            </a:r>
+            <a:endParaRPr lang="zh-CN" altLang="en-US" sz="2000"/>
           </a:p>
         </p:txBody>
       </p:sp>
     </p:spTree>
-    <p:extLst>
-      <p:ext uri="{BB962C8B-B14F-4D97-AF65-F5344CB8AC3E}">
-        <p14:creationId xmlns:p14="http://schemas.microsoft.com/office/powerpoint/2010/main" val="2862239295"/>
-      </p:ext>
-    </p:extLst>
   </p:cSld>
   <p:clrMapOvr>
     <a:masterClrMapping/>
@@ -6352,13 +6270,7 @@
       </p:grpSpPr>
       <p:sp>
         <p:nvSpPr>
-          <p:cNvPr id="2" name="标题 1">
-            <a:extLst>
-              <a:ext uri="{FF2B5EF4-FFF2-40B4-BE49-F238E27FC236}">
-                <a16:creationId xmlns:a16="http://schemas.microsoft.com/office/drawing/2014/main" id="{7E331119-DF99-4EFB-A739-62DBFC33AC22}"/>
-              </a:ext>
-            </a:extLst>
-          </p:cNvPr>
+          <p:cNvPr id="2" name="标题 1"/>
           <p:cNvSpPr>
             <a:spLocks noGrp="1"/>
           </p:cNvSpPr>
@@ -6368,37 +6280,37 @@
         </p:nvSpPr>
         <p:spPr/>
         <p:txBody>
-          <a:bodyPr/>
+          <a:bodyPr>
+            <a:normAutofit fontScale="90000"/>
+          </a:bodyPr>
           <a:lstStyle/>
           <a:p>
             <a:r>
               <a:rPr lang="zh-CN" altLang="en-US" dirty="0"/>
-              <a:t>访问者模式（</a:t>
+              <a:t>享元模式（</a:t>
             </a:r>
             <a:r>
               <a:rPr lang="en-US" altLang="zh-CN" dirty="0"/>
-              <a:t>Visitor</a:t>
+              <a:t>Flyweight</a:t>
             </a:r>
             <a:r>
               <a:rPr lang="zh-CN" altLang="en-US" dirty="0"/>
               <a:t>）</a:t>
             </a:r>
             <a:r>
-              <a:rPr lang="zh-CN" altLang="en-US" sz="1600" dirty="0"/>
-              <a:t>表示一个作用于某对象结构中的各元素的操作。它使你可以在不改变各元素的类的前提下定义作用于这些元素的新操作。</a:t>
-            </a:r>
-          </a:p>
-        </p:txBody>
-      </p:sp>
-      <p:sp>
-        <p:nvSpPr>
-          <p:cNvPr id="3" name="内容占位符 2">
-            <a:extLst>
-              <a:ext uri="{FF2B5EF4-FFF2-40B4-BE49-F238E27FC236}">
-                <a16:creationId xmlns:a16="http://schemas.microsoft.com/office/drawing/2014/main" id="{2F2FD887-39CB-48BF-85F0-114C432D8284}"/>
-              </a:ext>
-            </a:extLst>
-          </p:cNvPr>
+              <a:rPr lang="zh-CN" altLang="en-US" sz="1800" dirty="0"/>
+              <a:t>  运用共享技术有效地支持大量细粒度的对象</a:t>
+            </a:r>
+            <a:br>
+              <a:rPr lang="zh-CN" altLang="en-US" dirty="0"/>
+            </a:br>
+            <a:endParaRPr lang="zh-CN" altLang="en-US" dirty="0"/>
+          </a:p>
+        </p:txBody>
+      </p:sp>
+      <p:sp>
+        <p:nvSpPr>
+          <p:cNvPr id="3" name="内容占位符 2"/>
           <p:cNvSpPr>
             <a:spLocks noGrp="1"/>
           </p:cNvSpPr>
@@ -6411,49 +6323,130 @@
           <a:bodyPr/>
           <a:lstStyle/>
           <a:p>
-            <a:r>
-              <a:rPr lang="zh-CN" altLang="en-US" dirty="0"/>
-              <a:t>作用于数据结构相对稳定的系统。</a:t>
-            </a:r>
-            <a:endParaRPr lang="en-US" altLang="zh-CN" dirty="0"/>
-          </a:p>
-          <a:p>
-            <a:r>
-              <a:rPr lang="zh-CN" altLang="en-US" dirty="0"/>
-              <a:t>如男人和女人对于某类行为的不同表现。</a:t>
-            </a:r>
-            <a:endParaRPr lang="en-US" altLang="zh-CN" dirty="0"/>
-          </a:p>
-          <a:p>
-            <a:r>
-              <a:rPr lang="zh-CN" altLang="en-US" dirty="0"/>
-              <a:t>某类行为就是访问者。后期添加对这种行为的不同表现比较容易。</a:t>
-            </a:r>
-            <a:endParaRPr lang="en-US" altLang="zh-CN" dirty="0"/>
-          </a:p>
-          <a:p>
-            <a:r>
-              <a:rPr lang="zh-CN" altLang="en-US" dirty="0"/>
-              <a:t>人的性别这种结构，比较少的类别才适合采用此模式。如果类别较多，不适合采用此模式了。</a:t>
-            </a:r>
-            <a:endParaRPr lang="en-US" altLang="zh-CN" dirty="0"/>
-          </a:p>
-          <a:p>
             <a:endParaRPr lang="zh-CN" altLang="en-US" dirty="0"/>
           </a:p>
         </p:txBody>
       </p:sp>
     </p:spTree>
-    <p:extLst>
-      <p:ext uri="{BB962C8B-B14F-4D97-AF65-F5344CB8AC3E}">
-        <p14:creationId xmlns:p14="http://schemas.microsoft.com/office/powerpoint/2010/main" val="1557701920"/>
-      </p:ext>
-    </p:extLst>
   </p:cSld>
   <p:clrMapOvr>
     <a:masterClrMapping/>
   </p:clrMapOvr>
 </p:sld>
+</file>
+
+<file path=ppt/slides/slide7.xml><?xml version="1.0" encoding="utf-8"?>
+<p:sld xmlns:a="http://schemas.openxmlformats.org/drawingml/2006/main" xmlns:r="http://schemas.openxmlformats.org/officeDocument/2006/relationships" xmlns:p="http://schemas.openxmlformats.org/presentationml/2006/main">
+  <p:cSld>
+    <p:spTree>
+      <p:nvGrpSpPr>
+        <p:cNvPr id="1" name=""/>
+        <p:cNvGrpSpPr/>
+        <p:nvPr/>
+      </p:nvGrpSpPr>
+      <p:grpSpPr>
+        <a:xfrm>
+          <a:off x="0" y="0"/>
+          <a:ext cx="0" cy="0"/>
+          <a:chOff x="0" y="0"/>
+          <a:chExt cx="0" cy="0"/>
+        </a:xfrm>
+      </p:grpSpPr>
+      <p:sp>
+        <p:nvSpPr>
+          <p:cNvPr id="2" name="标题 1"/>
+          <p:cNvSpPr>
+            <a:spLocks noGrp="1"/>
+          </p:cNvSpPr>
+          <p:nvPr>
+            <p:ph type="title"/>
+          </p:nvPr>
+        </p:nvSpPr>
+        <p:spPr/>
+        <p:txBody>
+          <a:bodyPr/>
+          <a:lstStyle/>
+          <a:p>
+            <a:r>
+              <a:rPr lang="zh-CN" altLang="en-US" dirty="0"/>
+              <a:t>访问者模式（</a:t>
+            </a:r>
+            <a:r>
+              <a:rPr lang="en-US" altLang="zh-CN" dirty="0"/>
+              <a:t>Visitor</a:t>
+            </a:r>
+            <a:r>
+              <a:rPr lang="zh-CN" altLang="en-US" dirty="0"/>
+              <a:t>）</a:t>
+            </a:r>
+            <a:r>
+              <a:rPr lang="zh-CN" altLang="en-US" sz="1600" dirty="0"/>
+              <a:t>表示一个作用于某对象结构中的各元素的操作。它使你可以在不改变各元素的类的前提下定义作用于这些元素的新操作。</a:t>
+            </a:r>
+            <a:endParaRPr lang="zh-CN" altLang="en-US" sz="1600" dirty="0"/>
+          </a:p>
+        </p:txBody>
+      </p:sp>
+      <p:sp>
+        <p:nvSpPr>
+          <p:cNvPr id="3" name="内容占位符 2"/>
+          <p:cNvSpPr>
+            <a:spLocks noGrp="1"/>
+          </p:cNvSpPr>
+          <p:nvPr>
+            <p:ph idx="1"/>
+          </p:nvPr>
+        </p:nvSpPr>
+        <p:spPr/>
+        <p:txBody>
+          <a:bodyPr/>
+          <a:lstStyle/>
+          <a:p>
+            <a:r>
+              <a:rPr lang="zh-CN" altLang="en-US" dirty="0"/>
+              <a:t>作用于数据结构相对稳定的系统。</a:t>
+            </a:r>
+            <a:endParaRPr lang="en-US" altLang="zh-CN" dirty="0"/>
+          </a:p>
+          <a:p>
+            <a:r>
+              <a:rPr lang="zh-CN" altLang="en-US" dirty="0"/>
+              <a:t>如男人和女人对于某类行为的不同表现。</a:t>
+            </a:r>
+            <a:endParaRPr lang="en-US" altLang="zh-CN" dirty="0"/>
+          </a:p>
+          <a:p>
+            <a:r>
+              <a:rPr lang="zh-CN" altLang="en-US" dirty="0"/>
+              <a:t>某类行为就是访问者。后期添加对这种行为的不同表现比较容易。</a:t>
+            </a:r>
+            <a:endParaRPr lang="en-US" altLang="zh-CN" dirty="0"/>
+          </a:p>
+          <a:p>
+            <a:r>
+              <a:rPr lang="zh-CN" altLang="en-US" dirty="0"/>
+              <a:t>人的性别这种结构，比较少的类别才适合采用此模式。如果类别较多，不适合采用此模式了。</a:t>
+            </a:r>
+            <a:endParaRPr lang="en-US" altLang="zh-CN" dirty="0"/>
+          </a:p>
+          <a:p>
+            <a:endParaRPr lang="zh-CN" altLang="en-US" dirty="0"/>
+          </a:p>
+        </p:txBody>
+      </p:sp>
+    </p:spTree>
+  </p:cSld>
+  <p:clrMapOvr>
+    <a:masterClrMapping/>
+  </p:clrMapOvr>
+</p:sld>
+</file>
+
+<file path=ppt/tags/tag1.xml><?xml version="1.0" encoding="utf-8"?>
+<p:tagLst xmlns:p="http://schemas.openxmlformats.org/presentationml/2006/main">
+  <p:tag name="REFSHAPE" val="497523772"/>
+  <p:tag name="KSO_WM_UNIT_PLACING_PICTURE_USER_VIEWPORT" val="{&quot;height&quot;:7245,&quot;width&quot;:12015}"/>
+</p:tagLst>
 </file>
 
 <file path=ppt/theme/theme1.xml><?xml version="1.0" encoding="utf-8"?>
@@ -6499,7 +6492,7 @@
     </a:clrScheme>
     <a:fontScheme name="平面">
       <a:majorFont>
-        <a:latin typeface="Trebuchet MS" panose="020B0603020202020204"/>
+        <a:latin typeface="Trebuchet MS"/>
         <a:ea typeface=""/>
         <a:cs typeface=""/>
         <a:font script="Jpan" typeface="メイリオ"/>
@@ -6534,7 +6527,7 @@
         <a:font script="Geor" typeface="Sylfaen"/>
       </a:majorFont>
       <a:minorFont>
-        <a:latin typeface="Trebuchet MS" panose="020B0603020202020204"/>
+        <a:latin typeface="Trebuchet MS"/>
         <a:ea typeface=""/>
         <a:cs typeface=""/>
         <a:font script="Jpan" typeface="メイリオ"/>
@@ -6703,11 +6696,9 @@
       </a:bgFillStyleLst>
     </a:fmtScheme>
   </a:themeElements>
-  <a:objectDefaults/>
-  <a:extraClrSchemeLst/>
   <a:extLst>
     <a:ext uri="{05A4C25C-085E-4340-85A3-A5531E510DB2}">
-      <thm15:themeFamily xmlns:thm15="http://schemas.microsoft.com/office/thememl/2012/main" name="Facet" id="{C0C680CD-088A-49FC-A102-D699147F32B2}" vid="{CFBC31BA-B70F-4F30-BCAA-4F3011E16C4D}"/>
+      <thm15:themeFamily xmlns:thm15="http://schemas.microsoft.com/office/thememl/2012/main" name="Office Theme" id="{62F939B6-93AF-4DB8-9C6B-D6C7DFDC589F}" vid="{4A3C46E8-61CC-4603-A589-7422A47A8E4A}"/>
     </a:ext>
   </a:extLst>
 </a:theme>

--- a/Design Pattern.pptx
+++ b/Design Pattern.pptx
@@ -5,11 +5,12 @@
     <p:sldMasterId id="2147483648" r:id="rId1"/>
   </p:sldMasterIdLst>
   <p:sldIdLst>
-    <p:sldId id="256" r:id="rId3"/>
-    <p:sldId id="257" r:id="rId4"/>
-    <p:sldId id="258" r:id="rId5"/>
-    <p:sldId id="260" r:id="rId6"/>
-    <p:sldId id="264" r:id="rId7"/>
+    <p:sldId id="256" r:id="rId2"/>
+    <p:sldId id="257" r:id="rId3"/>
+    <p:sldId id="258" r:id="rId4"/>
+    <p:sldId id="260" r:id="rId5"/>
+    <p:sldId id="264" r:id="rId6"/>
+    <p:sldId id="265" r:id="rId7"/>
     <p:sldId id="259" r:id="rId8"/>
     <p:sldId id="261" r:id="rId9"/>
   </p:sldIdLst>
@@ -110,11 +111,16 @@
       </a:defRPr>
     </a:lvl9pPr>
   </p:defaultTextStyle>
+  <p:extLst>
+    <p:ext uri="{EFAFB233-063F-42B5-8137-9DF3F51BA10A}">
+      <p15:sldGuideLst xmlns:p15="http://schemas.microsoft.com/office/powerpoint/2012/main"/>
+    </p:ext>
+  </p:extLst>
 </p:presentation>
 </file>
 
 <file path=ppt/slideLayouts/slideLayout1.xml><?xml version="1.0" encoding="utf-8"?>
-<p:sldLayout xmlns:a="http://schemas.openxmlformats.org/drawingml/2006/main" xmlns:r="http://schemas.openxmlformats.org/officeDocument/2006/relationships" xmlns:p="http://schemas.openxmlformats.org/presentationml/2006/main" type="title" preserve="1" showMasterSp="0">
+<p:sldLayout xmlns:a="http://schemas.openxmlformats.org/drawingml/2006/main" xmlns:r="http://schemas.openxmlformats.org/officeDocument/2006/relationships" xmlns:p="http://schemas.openxmlformats.org/presentationml/2006/main" showMasterSp="0" type="title" preserve="1">
   <p:cSld name="标题幻灯片">
     <p:spTree>
       <p:nvGrpSpPr>
@@ -835,6 +841,7 @@
           <a:p>
             <a:fld id="{1DE13C8E-C6AE-4632-B4A4-5BFE243CF5CC}" type="datetimeFigureOut">
               <a:rPr lang="zh-CN" altLang="en-US" smtClean="0"/>
+              <a:t>2020/3/18</a:t>
             </a:fld>
             <a:endParaRPr lang="zh-CN" altLang="en-US"/>
           </a:p>
@@ -876,6 +883,7 @@
           <a:p>
             <a:fld id="{6114B45B-4BFA-47DC-BFB9-D6C02A51C277}" type="slidenum">
               <a:rPr lang="zh-CN" altLang="en-US" smtClean="0"/>
+              <a:t>‹#›</a:t>
             </a:fld>
             <a:endParaRPr lang="zh-CN" altLang="en-US"/>
           </a:p>
@@ -1059,7 +1067,6 @@
               <a:rPr lang="zh-CN" altLang="en-US"/>
               <a:t>单击此处编辑母版文本样式</a:t>
             </a:r>
-            <a:endParaRPr lang="zh-CN" altLang="en-US"/>
           </a:p>
         </p:txBody>
       </p:sp>
@@ -1080,6 +1087,7 @@
           <a:p>
             <a:fld id="{1DE13C8E-C6AE-4632-B4A4-5BFE243CF5CC}" type="datetimeFigureOut">
               <a:rPr lang="zh-CN" altLang="en-US" smtClean="0"/>
+              <a:t>2020/3/18</a:t>
             </a:fld>
             <a:endParaRPr lang="zh-CN" altLang="en-US"/>
           </a:p>
@@ -1121,6 +1129,7 @@
           <a:p>
             <a:fld id="{6114B45B-4BFA-47DC-BFB9-D6C02A51C277}" type="slidenum">
               <a:rPr lang="zh-CN" altLang="en-US" smtClean="0"/>
+              <a:t>‹#›</a:t>
             </a:fld>
             <a:endParaRPr lang="zh-CN" altLang="en-US"/>
           </a:p>
@@ -1245,7 +1254,6 @@
               <a:rPr lang="zh-CN" altLang="en-US"/>
               <a:t>单击此处编辑母版文本样式</a:t>
             </a:r>
-            <a:endParaRPr lang="zh-CN" altLang="en-US"/>
           </a:p>
         </p:txBody>
       </p:sp>
@@ -1368,7 +1376,6 @@
               <a:rPr lang="zh-CN" altLang="en-US"/>
               <a:t>单击此处编辑母版文本样式</a:t>
             </a:r>
-            <a:endParaRPr lang="zh-CN" altLang="en-US"/>
           </a:p>
         </p:txBody>
       </p:sp>
@@ -1389,6 +1396,7 @@
           <a:p>
             <a:fld id="{1DE13C8E-C6AE-4632-B4A4-5BFE243CF5CC}" type="datetimeFigureOut">
               <a:rPr lang="zh-CN" altLang="en-US" smtClean="0"/>
+              <a:t>2020/3/18</a:t>
             </a:fld>
             <a:endParaRPr lang="zh-CN" altLang="en-US"/>
           </a:p>
@@ -1430,6 +1438,7 @@
           <a:p>
             <a:fld id="{6114B45B-4BFA-47DC-BFB9-D6C02A51C277}" type="slidenum">
               <a:rPr lang="zh-CN" altLang="en-US" smtClean="0"/>
+              <a:t>‹#›</a:t>
             </a:fld>
             <a:endParaRPr lang="zh-CN" altLang="en-US"/>
           </a:p>
@@ -1473,19 +1482,6 @@
               </a:rPr>
               <a:t>“</a:t>
             </a:r>
-            <a:endParaRPr lang="en-US" sz="8000" baseline="0" dirty="0">
-              <a:ln w="3175" cmpd="sng">
-                <a:noFill/>
-              </a:ln>
-              <a:solidFill>
-                <a:schemeClr val="accent1">
-                  <a:lumMod val="60000"/>
-                  <a:lumOff val="40000"/>
-                </a:schemeClr>
-              </a:solidFill>
-              <a:effectLst/>
-              <a:latin typeface="Arial" panose="020B0604020202020204"/>
-            </a:endParaRPr>
           </a:p>
         </p:txBody>
       </p:sp>
@@ -1716,7 +1712,6 @@
               <a:rPr lang="zh-CN" altLang="en-US"/>
               <a:t>单击此处编辑母版文本样式</a:t>
             </a:r>
-            <a:endParaRPr lang="zh-CN" altLang="en-US"/>
           </a:p>
         </p:txBody>
       </p:sp>
@@ -1737,6 +1732,7 @@
           <a:p>
             <a:fld id="{1DE13C8E-C6AE-4632-B4A4-5BFE243CF5CC}" type="datetimeFigureOut">
               <a:rPr lang="zh-CN" altLang="en-US" smtClean="0"/>
+              <a:t>2020/3/18</a:t>
             </a:fld>
             <a:endParaRPr lang="zh-CN" altLang="en-US"/>
           </a:p>
@@ -1778,6 +1774,7 @@
           <a:p>
             <a:fld id="{6114B45B-4BFA-47DC-BFB9-D6C02A51C277}" type="slidenum">
               <a:rPr lang="zh-CN" altLang="en-US" smtClean="0"/>
+              <a:t>‹#›</a:t>
             </a:fld>
             <a:endParaRPr lang="zh-CN" altLang="en-US"/>
           </a:p>
@@ -1902,7 +1899,6 @@
               <a:rPr lang="zh-CN" altLang="en-US"/>
               <a:t>单击此处编辑母版文本样式</a:t>
             </a:r>
-            <a:endParaRPr lang="zh-CN" altLang="en-US"/>
           </a:p>
         </p:txBody>
       </p:sp>
@@ -2025,7 +2021,6 @@
               <a:rPr lang="zh-CN" altLang="en-US"/>
               <a:t>单击此处编辑母版文本样式</a:t>
             </a:r>
-            <a:endParaRPr lang="zh-CN" altLang="en-US"/>
           </a:p>
         </p:txBody>
       </p:sp>
@@ -2046,6 +2041,7 @@
           <a:p>
             <a:fld id="{1DE13C8E-C6AE-4632-B4A4-5BFE243CF5CC}" type="datetimeFigureOut">
               <a:rPr lang="zh-CN" altLang="en-US" smtClean="0"/>
+              <a:t>2020/3/18</a:t>
             </a:fld>
             <a:endParaRPr lang="zh-CN" altLang="en-US"/>
           </a:p>
@@ -2087,6 +2083,7 @@
           <a:p>
             <a:fld id="{6114B45B-4BFA-47DC-BFB9-D6C02A51C277}" type="slidenum">
               <a:rPr lang="zh-CN" altLang="en-US" smtClean="0"/>
+              <a:t>‹#›</a:t>
             </a:fld>
             <a:endParaRPr lang="zh-CN" altLang="en-US"/>
           </a:p>
@@ -2130,19 +2127,6 @@
               </a:rPr>
               <a:t>“</a:t>
             </a:r>
-            <a:endParaRPr lang="en-US" sz="8000" baseline="0" dirty="0">
-              <a:ln w="3175" cmpd="sng">
-                <a:noFill/>
-              </a:ln>
-              <a:solidFill>
-                <a:schemeClr val="accent1">
-                  <a:lumMod val="60000"/>
-                  <a:lumOff val="40000"/>
-                </a:schemeClr>
-              </a:solidFill>
-              <a:effectLst/>
-              <a:latin typeface="Arial" panose="020B0604020202020204"/>
-            </a:endParaRPr>
           </a:p>
         </p:txBody>
       </p:sp>
@@ -2184,19 +2168,6 @@
               </a:rPr>
               <a:t>”</a:t>
             </a:r>
-            <a:endParaRPr lang="en-US" sz="8000" baseline="0" dirty="0">
-              <a:ln w="3175" cmpd="sng">
-                <a:noFill/>
-              </a:ln>
-              <a:solidFill>
-                <a:schemeClr val="accent1">
-                  <a:lumMod val="60000"/>
-                  <a:lumOff val="40000"/>
-                </a:schemeClr>
-              </a:solidFill>
-              <a:effectLst/>
-              <a:latin typeface="Arial" panose="020B0604020202020204"/>
-            </a:endParaRPr>
           </a:p>
         </p:txBody>
       </p:sp>
@@ -2316,7 +2287,6 @@
               <a:rPr lang="zh-CN" altLang="en-US"/>
               <a:t>单击此处编辑母版文本样式</a:t>
             </a:r>
-            <a:endParaRPr lang="zh-CN" altLang="en-US"/>
           </a:p>
         </p:txBody>
       </p:sp>
@@ -2439,7 +2409,6 @@
               <a:rPr lang="zh-CN" altLang="en-US"/>
               <a:t>单击此处编辑母版文本样式</a:t>
             </a:r>
-            <a:endParaRPr lang="zh-CN" altLang="en-US"/>
           </a:p>
         </p:txBody>
       </p:sp>
@@ -2460,6 +2429,7 @@
           <a:p>
             <a:fld id="{1DE13C8E-C6AE-4632-B4A4-5BFE243CF5CC}" type="datetimeFigureOut">
               <a:rPr lang="zh-CN" altLang="en-US" smtClean="0"/>
+              <a:t>2020/3/18</a:t>
             </a:fld>
             <a:endParaRPr lang="zh-CN" altLang="en-US"/>
           </a:p>
@@ -2501,6 +2471,7 @@
           <a:p>
             <a:fld id="{6114B45B-4BFA-47DC-BFB9-D6C02A51C277}" type="slidenum">
               <a:rPr lang="zh-CN" altLang="en-US" smtClean="0"/>
+              <a:t>‹#›</a:t>
             </a:fld>
             <a:endParaRPr lang="zh-CN" altLang="en-US"/>
           </a:p>
@@ -2574,7 +2545,6 @@
               <a:rPr lang="zh-CN" altLang="en-US"/>
               <a:t>单击此处编辑母版文本样式</a:t>
             </a:r>
-            <a:endParaRPr lang="zh-CN" altLang="en-US"/>
           </a:p>
           <a:p>
             <a:pPr lvl="1"/>
@@ -2582,7 +2552,6 @@
               <a:rPr lang="zh-CN" altLang="en-US"/>
               <a:t>二级</a:t>
             </a:r>
-            <a:endParaRPr lang="zh-CN" altLang="en-US"/>
           </a:p>
           <a:p>
             <a:pPr lvl="2"/>
@@ -2590,7 +2559,6 @@
               <a:rPr lang="zh-CN" altLang="en-US"/>
               <a:t>三级</a:t>
             </a:r>
-            <a:endParaRPr lang="zh-CN" altLang="en-US"/>
           </a:p>
           <a:p>
             <a:pPr lvl="3"/>
@@ -2598,7 +2566,6 @@
               <a:rPr lang="zh-CN" altLang="en-US"/>
               <a:t>四级</a:t>
             </a:r>
-            <a:endParaRPr lang="zh-CN" altLang="en-US"/>
           </a:p>
           <a:p>
             <a:pPr lvl="4"/>
@@ -2627,6 +2594,7 @@
           <a:p>
             <a:fld id="{1DE13C8E-C6AE-4632-B4A4-5BFE243CF5CC}" type="datetimeFigureOut">
               <a:rPr lang="zh-CN" altLang="en-US" smtClean="0"/>
+              <a:t>2020/3/18</a:t>
             </a:fld>
             <a:endParaRPr lang="zh-CN" altLang="en-US"/>
           </a:p>
@@ -2668,6 +2636,7 @@
           <a:p>
             <a:fld id="{6114B45B-4BFA-47DC-BFB9-D6C02A51C277}" type="slidenum">
               <a:rPr lang="zh-CN" altLang="en-US" smtClean="0"/>
+              <a:t>‹#›</a:t>
             </a:fld>
             <a:endParaRPr lang="zh-CN" altLang="en-US"/>
           </a:p>
@@ -2751,7 +2720,6 @@
               <a:rPr lang="zh-CN" altLang="en-US"/>
               <a:t>单击此处编辑母版文本样式</a:t>
             </a:r>
-            <a:endParaRPr lang="zh-CN" altLang="en-US"/>
           </a:p>
           <a:p>
             <a:pPr lvl="1"/>
@@ -2759,7 +2727,6 @@
               <a:rPr lang="zh-CN" altLang="en-US"/>
               <a:t>二级</a:t>
             </a:r>
-            <a:endParaRPr lang="zh-CN" altLang="en-US"/>
           </a:p>
           <a:p>
             <a:pPr lvl="2"/>
@@ -2767,7 +2734,6 @@
               <a:rPr lang="zh-CN" altLang="en-US"/>
               <a:t>三级</a:t>
             </a:r>
-            <a:endParaRPr lang="zh-CN" altLang="en-US"/>
           </a:p>
           <a:p>
             <a:pPr lvl="3"/>
@@ -2775,7 +2741,6 @@
               <a:rPr lang="zh-CN" altLang="en-US"/>
               <a:t>四级</a:t>
             </a:r>
-            <a:endParaRPr lang="zh-CN" altLang="en-US"/>
           </a:p>
           <a:p>
             <a:pPr lvl="4"/>
@@ -2804,6 +2769,7 @@
           <a:p>
             <a:fld id="{1DE13C8E-C6AE-4632-B4A4-5BFE243CF5CC}" type="datetimeFigureOut">
               <a:rPr lang="zh-CN" altLang="en-US" smtClean="0"/>
+              <a:t>2020/3/18</a:t>
             </a:fld>
             <a:endParaRPr lang="zh-CN" altLang="en-US"/>
           </a:p>
@@ -2845,6 +2811,7 @@
           <a:p>
             <a:fld id="{6114B45B-4BFA-47DC-BFB9-D6C02A51C277}" type="slidenum">
               <a:rPr lang="zh-CN" altLang="en-US" smtClean="0"/>
+              <a:t>‹#›</a:t>
             </a:fld>
             <a:endParaRPr lang="zh-CN" altLang="en-US"/>
           </a:p>
@@ -2924,7 +2891,6 @@
               <a:rPr lang="zh-CN" altLang="en-US"/>
               <a:t>单击此处编辑母版文本样式</a:t>
             </a:r>
-            <a:endParaRPr lang="zh-CN" altLang="en-US"/>
           </a:p>
           <a:p>
             <a:pPr lvl="1"/>
@@ -2932,7 +2898,6 @@
               <a:rPr lang="zh-CN" altLang="en-US"/>
               <a:t>二级</a:t>
             </a:r>
-            <a:endParaRPr lang="zh-CN" altLang="en-US"/>
           </a:p>
           <a:p>
             <a:pPr lvl="2"/>
@@ -2940,7 +2905,6 @@
               <a:rPr lang="zh-CN" altLang="en-US"/>
               <a:t>三级</a:t>
             </a:r>
-            <a:endParaRPr lang="zh-CN" altLang="en-US"/>
           </a:p>
           <a:p>
             <a:pPr lvl="3"/>
@@ -2948,7 +2912,6 @@
               <a:rPr lang="zh-CN" altLang="en-US"/>
               <a:t>四级</a:t>
             </a:r>
-            <a:endParaRPr lang="zh-CN" altLang="en-US"/>
           </a:p>
           <a:p>
             <a:pPr lvl="4"/>
@@ -2977,6 +2940,7 @@
           <a:p>
             <a:fld id="{1DE13C8E-C6AE-4632-B4A4-5BFE243CF5CC}" type="datetimeFigureOut">
               <a:rPr lang="zh-CN" altLang="en-US" smtClean="0"/>
+              <a:t>2020/3/18</a:t>
             </a:fld>
             <a:endParaRPr lang="zh-CN" altLang="en-US"/>
           </a:p>
@@ -3018,6 +2982,7 @@
           <a:p>
             <a:fld id="{6114B45B-4BFA-47DC-BFB9-D6C02A51C277}" type="slidenum">
               <a:rPr lang="zh-CN" altLang="en-US" smtClean="0"/>
+              <a:t>‹#›</a:t>
             </a:fld>
             <a:endParaRPr lang="zh-CN" altLang="en-US"/>
           </a:p>
@@ -3197,7 +3162,6 @@
               <a:rPr lang="zh-CN" altLang="en-US"/>
               <a:t>单击此处编辑母版文本样式</a:t>
             </a:r>
-            <a:endParaRPr lang="zh-CN" altLang="en-US"/>
           </a:p>
         </p:txBody>
       </p:sp>
@@ -3218,6 +3182,7 @@
           <a:p>
             <a:fld id="{1DE13C8E-C6AE-4632-B4A4-5BFE243CF5CC}" type="datetimeFigureOut">
               <a:rPr lang="zh-CN" altLang="en-US" smtClean="0"/>
+              <a:t>2020/3/18</a:t>
             </a:fld>
             <a:endParaRPr lang="zh-CN" altLang="en-US"/>
           </a:p>
@@ -3259,6 +3224,7 @@
           <a:p>
             <a:fld id="{6114B45B-4BFA-47DC-BFB9-D6C02A51C277}" type="slidenum">
               <a:rPr lang="zh-CN" altLang="en-US" smtClean="0"/>
+              <a:t>‹#›</a:t>
             </a:fld>
             <a:endParaRPr lang="zh-CN" altLang="en-US"/>
           </a:p>
@@ -3337,7 +3303,6 @@
               <a:rPr lang="zh-CN" altLang="en-US"/>
               <a:t>单击此处编辑母版文本样式</a:t>
             </a:r>
-            <a:endParaRPr lang="zh-CN" altLang="en-US"/>
           </a:p>
           <a:p>
             <a:pPr lvl="1"/>
@@ -3345,7 +3310,6 @@
               <a:rPr lang="zh-CN" altLang="en-US"/>
               <a:t>二级</a:t>
             </a:r>
-            <a:endParaRPr lang="zh-CN" altLang="en-US"/>
           </a:p>
           <a:p>
             <a:pPr lvl="2"/>
@@ -3353,7 +3317,6 @@
               <a:rPr lang="zh-CN" altLang="en-US"/>
               <a:t>三级</a:t>
             </a:r>
-            <a:endParaRPr lang="zh-CN" altLang="en-US"/>
           </a:p>
           <a:p>
             <a:pPr lvl="3"/>
@@ -3361,7 +3324,6 @@
               <a:rPr lang="zh-CN" altLang="en-US"/>
               <a:t>四级</a:t>
             </a:r>
-            <a:endParaRPr lang="zh-CN" altLang="en-US"/>
           </a:p>
           <a:p>
             <a:pPr lvl="4"/>
@@ -3398,7 +3360,6 @@
               <a:rPr lang="zh-CN" altLang="en-US"/>
               <a:t>单击此处编辑母版文本样式</a:t>
             </a:r>
-            <a:endParaRPr lang="zh-CN" altLang="en-US"/>
           </a:p>
           <a:p>
             <a:pPr lvl="1"/>
@@ -3406,7 +3367,6 @@
               <a:rPr lang="zh-CN" altLang="en-US"/>
               <a:t>二级</a:t>
             </a:r>
-            <a:endParaRPr lang="zh-CN" altLang="en-US"/>
           </a:p>
           <a:p>
             <a:pPr lvl="2"/>
@@ -3414,7 +3374,6 @@
               <a:rPr lang="zh-CN" altLang="en-US"/>
               <a:t>三级</a:t>
             </a:r>
-            <a:endParaRPr lang="zh-CN" altLang="en-US"/>
           </a:p>
           <a:p>
             <a:pPr lvl="3"/>
@@ -3422,7 +3381,6 @@
               <a:rPr lang="zh-CN" altLang="en-US"/>
               <a:t>四级</a:t>
             </a:r>
-            <a:endParaRPr lang="zh-CN" altLang="en-US"/>
           </a:p>
           <a:p>
             <a:pPr lvl="4"/>
@@ -3451,6 +3409,7 @@
           <a:p>
             <a:fld id="{1DE13C8E-C6AE-4632-B4A4-5BFE243CF5CC}" type="datetimeFigureOut">
               <a:rPr lang="zh-CN" altLang="en-US" smtClean="0"/>
+              <a:t>2020/3/18</a:t>
             </a:fld>
             <a:endParaRPr lang="zh-CN" altLang="en-US"/>
           </a:p>
@@ -3492,6 +3451,7 @@
           <a:p>
             <a:fld id="{6114B45B-4BFA-47DC-BFB9-D6C02A51C277}" type="slidenum">
               <a:rPr lang="zh-CN" altLang="en-US" smtClean="0"/>
+              <a:t>‹#›</a:t>
             </a:fld>
             <a:endParaRPr lang="zh-CN" altLang="en-US"/>
           </a:p>
@@ -3613,7 +3573,6 @@
               <a:rPr lang="zh-CN" altLang="en-US"/>
               <a:t>单击此处编辑母版文本样式</a:t>
             </a:r>
-            <a:endParaRPr lang="zh-CN" altLang="en-US"/>
           </a:p>
         </p:txBody>
       </p:sp>
@@ -3644,7 +3603,6 @@
               <a:rPr lang="zh-CN" altLang="en-US"/>
               <a:t>单击此处编辑母版文本样式</a:t>
             </a:r>
-            <a:endParaRPr lang="zh-CN" altLang="en-US"/>
           </a:p>
           <a:p>
             <a:pPr lvl="1"/>
@@ -3652,7 +3610,6 @@
               <a:rPr lang="zh-CN" altLang="en-US"/>
               <a:t>二级</a:t>
             </a:r>
-            <a:endParaRPr lang="zh-CN" altLang="en-US"/>
           </a:p>
           <a:p>
             <a:pPr lvl="2"/>
@@ -3660,7 +3617,6 @@
               <a:rPr lang="zh-CN" altLang="en-US"/>
               <a:t>三级</a:t>
             </a:r>
-            <a:endParaRPr lang="zh-CN" altLang="en-US"/>
           </a:p>
           <a:p>
             <a:pPr lvl="3"/>
@@ -3668,7 +3624,6 @@
               <a:rPr lang="zh-CN" altLang="en-US"/>
               <a:t>四级</a:t>
             </a:r>
-            <a:endParaRPr lang="zh-CN" altLang="en-US"/>
           </a:p>
           <a:p>
             <a:pPr lvl="4"/>
@@ -3744,7 +3699,6 @@
               <a:rPr lang="zh-CN" altLang="en-US"/>
               <a:t>单击此处编辑母版文本样式</a:t>
             </a:r>
-            <a:endParaRPr lang="zh-CN" altLang="en-US"/>
           </a:p>
         </p:txBody>
       </p:sp>
@@ -3775,7 +3729,6 @@
               <a:rPr lang="zh-CN" altLang="en-US"/>
               <a:t>单击此处编辑母版文本样式</a:t>
             </a:r>
-            <a:endParaRPr lang="zh-CN" altLang="en-US"/>
           </a:p>
           <a:p>
             <a:pPr lvl="1"/>
@@ -3783,7 +3736,6 @@
               <a:rPr lang="zh-CN" altLang="en-US"/>
               <a:t>二级</a:t>
             </a:r>
-            <a:endParaRPr lang="zh-CN" altLang="en-US"/>
           </a:p>
           <a:p>
             <a:pPr lvl="2"/>
@@ -3791,7 +3743,6 @@
               <a:rPr lang="zh-CN" altLang="en-US"/>
               <a:t>三级</a:t>
             </a:r>
-            <a:endParaRPr lang="zh-CN" altLang="en-US"/>
           </a:p>
           <a:p>
             <a:pPr lvl="3"/>
@@ -3799,7 +3750,6 @@
               <a:rPr lang="zh-CN" altLang="en-US"/>
               <a:t>四级</a:t>
             </a:r>
-            <a:endParaRPr lang="zh-CN" altLang="en-US"/>
           </a:p>
           <a:p>
             <a:pPr lvl="4"/>
@@ -3828,6 +3778,7 @@
           <a:p>
             <a:fld id="{1DE13C8E-C6AE-4632-B4A4-5BFE243CF5CC}" type="datetimeFigureOut">
               <a:rPr lang="zh-CN" altLang="en-US" smtClean="0"/>
+              <a:t>2020/3/18</a:t>
             </a:fld>
             <a:endParaRPr lang="zh-CN" altLang="en-US"/>
           </a:p>
@@ -3869,6 +3820,7 @@
           <a:p>
             <a:fld id="{6114B45B-4BFA-47DC-BFB9-D6C02A51C277}" type="slidenum">
               <a:rPr lang="zh-CN" altLang="en-US" smtClean="0"/>
+              <a:t>‹#›</a:t>
             </a:fld>
             <a:endParaRPr lang="zh-CN" altLang="en-US"/>
           </a:p>
@@ -3944,6 +3896,7 @@
           <a:p>
             <a:fld id="{1DE13C8E-C6AE-4632-B4A4-5BFE243CF5CC}" type="datetimeFigureOut">
               <a:rPr lang="zh-CN" altLang="en-US" smtClean="0"/>
+              <a:t>2020/3/18</a:t>
             </a:fld>
             <a:endParaRPr lang="zh-CN" altLang="en-US"/>
           </a:p>
@@ -3985,6 +3938,7 @@
           <a:p>
             <a:fld id="{6114B45B-4BFA-47DC-BFB9-D6C02A51C277}" type="slidenum">
               <a:rPr lang="zh-CN" altLang="en-US" smtClean="0"/>
+              <a:t>‹#›</a:t>
             </a:fld>
             <a:endParaRPr lang="zh-CN" altLang="en-US"/>
           </a:p>
@@ -4032,6 +3986,7 @@
           <a:p>
             <a:fld id="{1DE13C8E-C6AE-4632-B4A4-5BFE243CF5CC}" type="datetimeFigureOut">
               <a:rPr lang="zh-CN" altLang="en-US" smtClean="0"/>
+              <a:t>2020/3/18</a:t>
             </a:fld>
             <a:endParaRPr lang="zh-CN" altLang="en-US"/>
           </a:p>
@@ -4073,6 +4028,7 @@
           <a:p>
             <a:fld id="{6114B45B-4BFA-47DC-BFB9-D6C02A51C277}" type="slidenum">
               <a:rPr lang="zh-CN" altLang="en-US" smtClean="0"/>
+              <a:t>‹#›</a:t>
             </a:fld>
             <a:endParaRPr lang="zh-CN" altLang="en-US"/>
           </a:p>
@@ -4164,7 +4120,6 @@
               <a:rPr lang="zh-CN" altLang="en-US"/>
               <a:t>单击此处编辑母版文本样式</a:t>
             </a:r>
-            <a:endParaRPr lang="zh-CN" altLang="en-US"/>
           </a:p>
           <a:p>
             <a:pPr lvl="1"/>
@@ -4172,7 +4127,6 @@
               <a:rPr lang="zh-CN" altLang="en-US"/>
               <a:t>二级</a:t>
             </a:r>
-            <a:endParaRPr lang="zh-CN" altLang="en-US"/>
           </a:p>
           <a:p>
             <a:pPr lvl="2"/>
@@ -4180,7 +4134,6 @@
               <a:rPr lang="zh-CN" altLang="en-US"/>
               <a:t>三级</a:t>
             </a:r>
-            <a:endParaRPr lang="zh-CN" altLang="en-US"/>
           </a:p>
           <a:p>
             <a:pPr lvl="3"/>
@@ -4188,7 +4141,6 @@
               <a:rPr lang="zh-CN" altLang="en-US"/>
               <a:t>四级</a:t>
             </a:r>
-            <a:endParaRPr lang="zh-CN" altLang="en-US"/>
           </a:p>
           <a:p>
             <a:pPr lvl="4"/>
@@ -4264,7 +4216,6 @@
               <a:rPr lang="zh-CN" altLang="en-US"/>
               <a:t>单击此处编辑母版文本样式</a:t>
             </a:r>
-            <a:endParaRPr lang="zh-CN" altLang="en-US"/>
           </a:p>
         </p:txBody>
       </p:sp>
@@ -4285,6 +4236,7 @@
           <a:p>
             <a:fld id="{1DE13C8E-C6AE-4632-B4A4-5BFE243CF5CC}" type="datetimeFigureOut">
               <a:rPr lang="zh-CN" altLang="en-US" smtClean="0"/>
+              <a:t>2020/3/18</a:t>
             </a:fld>
             <a:endParaRPr lang="zh-CN" altLang="en-US"/>
           </a:p>
@@ -4326,6 +4278,7 @@
           <a:p>
             <a:fld id="{6114B45B-4BFA-47DC-BFB9-D6C02A51C277}" type="slidenum">
               <a:rPr lang="zh-CN" altLang="en-US" smtClean="0"/>
+              <a:t>‹#›</a:t>
             </a:fld>
             <a:endParaRPr lang="zh-CN" altLang="en-US"/>
           </a:p>
@@ -4521,7 +4474,6 @@
               <a:rPr lang="zh-CN" altLang="en-US"/>
               <a:t>单击此处编辑母版文本样式</a:t>
             </a:r>
-            <a:endParaRPr lang="zh-CN" altLang="en-US"/>
           </a:p>
         </p:txBody>
       </p:sp>
@@ -4542,6 +4494,7 @@
           <a:p>
             <a:fld id="{1DE13C8E-C6AE-4632-B4A4-5BFE243CF5CC}" type="datetimeFigureOut">
               <a:rPr lang="zh-CN" altLang="en-US" smtClean="0"/>
+              <a:t>2020/3/18</a:t>
             </a:fld>
             <a:endParaRPr lang="zh-CN" altLang="en-US"/>
           </a:p>
@@ -4583,6 +4536,7 @@
           <a:p>
             <a:fld id="{6114B45B-4BFA-47DC-BFB9-D6C02A51C277}" type="slidenum">
               <a:rPr lang="zh-CN" altLang="en-US" smtClean="0"/>
+              <a:t>‹#›</a:t>
             </a:fld>
             <a:endParaRPr lang="zh-CN" altLang="en-US"/>
           </a:p>
@@ -5211,7 +5165,6 @@
               <a:rPr lang="zh-CN" altLang="en-US"/>
               <a:t>单击此处编辑母版文本样式</a:t>
             </a:r>
-            <a:endParaRPr lang="zh-CN" altLang="en-US"/>
           </a:p>
           <a:p>
             <a:pPr lvl="1"/>
@@ -5219,7 +5172,6 @@
               <a:rPr lang="zh-CN" altLang="en-US"/>
               <a:t>二级</a:t>
             </a:r>
-            <a:endParaRPr lang="zh-CN" altLang="en-US"/>
           </a:p>
           <a:p>
             <a:pPr lvl="2"/>
@@ -5227,7 +5179,6 @@
               <a:rPr lang="zh-CN" altLang="en-US"/>
               <a:t>三级</a:t>
             </a:r>
-            <a:endParaRPr lang="zh-CN" altLang="en-US"/>
           </a:p>
           <a:p>
             <a:pPr lvl="3"/>
@@ -5235,7 +5186,6 @@
               <a:rPr lang="zh-CN" altLang="en-US"/>
               <a:t>四级</a:t>
             </a:r>
-            <a:endParaRPr lang="zh-CN" altLang="en-US"/>
           </a:p>
           <a:p>
             <a:pPr lvl="4"/>
@@ -5282,6 +5232,7 @@
           <a:p>
             <a:fld id="{1DE13C8E-C6AE-4632-B4A4-5BFE243CF5CC}" type="datetimeFigureOut">
               <a:rPr lang="zh-CN" altLang="en-US" smtClean="0"/>
+              <a:t>2020/3/18</a:t>
             </a:fld>
             <a:endParaRPr lang="zh-CN" altLang="en-US"/>
           </a:p>
@@ -5357,6 +5308,7 @@
           <a:p>
             <a:fld id="{6114B45B-4BFA-47DC-BFB9-D6C02A51C277}" type="slidenum">
               <a:rPr lang="zh-CN" altLang="en-US" smtClean="0"/>
+              <a:t>‹#›</a:t>
             </a:fld>
             <a:endParaRPr lang="zh-CN" altLang="en-US"/>
           </a:p>
@@ -5824,7 +5776,6 @@
               <a:rPr lang="zh-CN" altLang="en-US" dirty="0"/>
               <a:t>设计模式</a:t>
             </a:r>
-            <a:endParaRPr lang="zh-CN" altLang="en-US" dirty="0"/>
           </a:p>
         </p:txBody>
       </p:sp>
@@ -5872,7 +5823,6 @@
               <a:rPr lang="zh-CN" altLang="en-US" dirty="0"/>
               <a:t>一、分类</a:t>
             </a:r>
-            <a:endParaRPr lang="zh-CN" altLang="en-US" dirty="0"/>
           </a:p>
         </p:txBody>
       </p:sp>
@@ -5989,7 +5939,6 @@
               <a:rPr lang="zh-CN" altLang="en-US" dirty="0"/>
               <a:t>二、设计原则</a:t>
             </a:r>
-            <a:endParaRPr lang="zh-CN" altLang="en-US" dirty="0"/>
           </a:p>
         </p:txBody>
       </p:sp>
@@ -6102,7 +6051,6 @@
               <a:rPr lang="zh-CN" altLang="en-US" dirty="0"/>
               <a:t>三、模式介绍</a:t>
             </a:r>
-            <a:endParaRPr lang="zh-CN" altLang="en-US" dirty="0"/>
           </a:p>
         </p:txBody>
       </p:sp>
@@ -6128,7 +6076,6 @@
               <a:rPr lang="zh-CN" altLang="en-US" dirty="0"/>
               <a:t>接下来的章节将逐一介绍各个设计模式</a:t>
             </a:r>
-            <a:endParaRPr lang="zh-CN" altLang="en-US" dirty="0"/>
           </a:p>
         </p:txBody>
       </p:sp>
@@ -6149,7 +6096,14 @@
         <p:cNvGrpSpPr/>
         <p:nvPr/>
       </p:nvGrpSpPr>
-      <p:grpSpPr/>
+      <p:grpSpPr>
+        <a:xfrm>
+          <a:off x="0" y="0"/>
+          <a:ext cx="0" cy="0"/>
+          <a:chOff x="0" y="0"/>
+          <a:chExt cx="0" cy="0"/>
+        </a:xfrm>
+      </p:grpSpPr>
       <p:pic>
         <p:nvPicPr>
           <p:cNvPr id="4" name="图片 3"/>
@@ -6163,14 +6117,14 @@
           </p:nvPr>
         </p:nvPicPr>
         <p:blipFill>
-          <a:blip r:embed="rId2"/>
+          <a:blip r:embed="rId3"/>
           <a:stretch>
             <a:fillRect/>
           </a:stretch>
         </p:blipFill>
         <p:spPr>
           <a:xfrm>
-            <a:off x="677545" y="2272665"/>
+            <a:off x="4851625" y="2399670"/>
             <a:ext cx="7206615" cy="4345305"/>
           </a:xfrm>
           <a:prstGeom prst="rect">
@@ -6196,6 +6150,7 @@
         </p:spPr>
         <p:txBody>
           <a:bodyPr/>
+          <a:lstStyle/>
           <a:p>
             <a:r>
               <a:rPr lang="zh-CN" altLang="en-US"/>
@@ -6203,13 +6158,8 @@
             </a:r>
             <a:r>
               <a:rPr lang="en-US" altLang="zh-CN"/>
-              <a:t>(</a:t>
-            </a:r>
-            <a:r>
-              <a:rPr lang="en-US" altLang="zh-CN"/>
-              <a:t>Facade)</a:t>
-            </a:r>
-            <a:endParaRPr lang="en-US" altLang="zh-CN"/>
+              <a:t>(Facade)</a:t>
+            </a:r>
           </a:p>
         </p:txBody>
       </p:sp>
@@ -6231,6 +6181,7 @@
         </p:spPr>
         <p:txBody>
           <a:bodyPr/>
+          <a:lstStyle/>
           <a:p>
             <a:pPr marL="0" indent="0">
               <a:buNone/>
@@ -6239,7 +6190,6 @@
               <a:rPr lang="zh-CN" altLang="en-US" sz="2000"/>
               <a:t>定义：为子系统中给的一组接口提供一个一致的界面，此模式定义了一个高层接口，这个接口使得这一子系统更加容易使用。</a:t>
             </a:r>
-            <a:endParaRPr lang="zh-CN" altLang="en-US" sz="2000"/>
           </a:p>
         </p:txBody>
       </p:sp>
@@ -6268,6 +6218,36 @@
           <a:chExt cx="0" cy="0"/>
         </a:xfrm>
       </p:grpSpPr>
+      <p:pic>
+        <p:nvPicPr>
+          <p:cNvPr id="5" name="图片 4">
+            <a:extLst>
+              <a:ext uri="{FF2B5EF4-FFF2-40B4-BE49-F238E27FC236}">
+                <a16:creationId xmlns:a16="http://schemas.microsoft.com/office/drawing/2014/main" id="{FD9C9104-E439-4E26-B687-09B8E54EFA85}"/>
+              </a:ext>
+            </a:extLst>
+          </p:cNvPr>
+          <p:cNvPicPr>
+            <a:picLocks noChangeAspect="1"/>
+          </p:cNvPicPr>
+          <p:nvPr/>
+        </p:nvPicPr>
+        <p:blipFill>
+          <a:blip r:embed="rId2"/>
+          <a:stretch>
+            <a:fillRect/>
+          </a:stretch>
+        </p:blipFill>
+        <p:spPr>
+          <a:xfrm>
+            <a:off x="3954145" y="2291063"/>
+            <a:ext cx="8107666" cy="4472974"/>
+          </a:xfrm>
+          <a:prstGeom prst="rect">
+            <a:avLst/>
+          </a:prstGeom>
+        </p:spPr>
+      </p:pic>
       <p:sp>
         <p:nvSpPr>
           <p:cNvPr id="2" name="标题 1"/>
@@ -6278,56 +6258,75 @@
             <p:ph type="title"/>
           </p:nvPr>
         </p:nvSpPr>
-        <p:spPr/>
+        <p:spPr>
+          <a:xfrm>
+            <a:off x="677545" y="609600"/>
+            <a:ext cx="8596630" cy="742315"/>
+          </a:xfrm>
+        </p:spPr>
+        <p:txBody>
+          <a:bodyPr/>
+          <a:lstStyle/>
+          <a:p>
+            <a:r>
+              <a:rPr lang="zh-CN" altLang="en-US" dirty="0"/>
+              <a:t>代理模式</a:t>
+            </a:r>
+            <a:r>
+              <a:rPr lang="en-US" altLang="zh-CN" dirty="0"/>
+              <a:t>(Proxy)</a:t>
+            </a:r>
+          </a:p>
+        </p:txBody>
+      </p:sp>
+      <p:sp>
+        <p:nvSpPr>
+          <p:cNvPr id="3" name="内容占位符 2"/>
+          <p:cNvSpPr>
+            <a:spLocks noGrp="1"/>
+          </p:cNvSpPr>
+          <p:nvPr>
+            <p:ph idx="1"/>
+          </p:nvPr>
+        </p:nvSpPr>
+        <p:spPr>
+          <a:xfrm>
+            <a:off x="677545" y="1483359"/>
+            <a:ext cx="9020175" cy="1336041"/>
+          </a:xfrm>
+        </p:spPr>
         <p:txBody>
           <a:bodyPr>
-            <a:normAutofit fontScale="90000"/>
+            <a:normAutofit/>
           </a:bodyPr>
           <a:lstStyle/>
           <a:p>
-            <a:r>
-              <a:rPr lang="zh-CN" altLang="en-US" dirty="0"/>
-              <a:t>享元模式（</a:t>
-            </a:r>
-            <a:r>
-              <a:rPr lang="en-US" altLang="zh-CN" dirty="0"/>
-              <a:t>Flyweight</a:t>
-            </a:r>
-            <a:r>
-              <a:rPr lang="zh-CN" altLang="en-US" dirty="0"/>
-              <a:t>）</a:t>
-            </a:r>
-            <a:r>
-              <a:rPr lang="zh-CN" altLang="en-US" sz="1800" dirty="0"/>
-              <a:t>  运用共享技术有效地支持大量细粒度的对象</a:t>
-            </a:r>
-            <a:br>
-              <a:rPr lang="zh-CN" altLang="en-US" dirty="0"/>
-            </a:br>
-            <a:endParaRPr lang="zh-CN" altLang="en-US" dirty="0"/>
-          </a:p>
-        </p:txBody>
-      </p:sp>
-      <p:sp>
-        <p:nvSpPr>
-          <p:cNvPr id="3" name="内容占位符 2"/>
-          <p:cNvSpPr>
-            <a:spLocks noGrp="1"/>
-          </p:cNvSpPr>
-          <p:nvPr>
-            <p:ph idx="1"/>
-          </p:nvPr>
-        </p:nvSpPr>
-        <p:spPr/>
-        <p:txBody>
-          <a:bodyPr/>
-          <a:lstStyle/>
-          <a:p>
-            <a:endParaRPr lang="zh-CN" altLang="en-US" dirty="0"/>
+            <a:pPr marL="0" indent="0">
+              <a:buNone/>
+            </a:pPr>
+            <a:r>
+              <a:rPr lang="zh-CN" altLang="en-US" sz="2000" dirty="0"/>
+              <a:t>定义：为其他对象提供一种代理以控制对这个对象的访问。</a:t>
+            </a:r>
+            <a:endParaRPr lang="en-US" altLang="zh-CN" sz="2000" dirty="0"/>
+          </a:p>
+          <a:p>
+            <a:pPr marL="0" indent="0">
+              <a:buNone/>
+            </a:pPr>
+            <a:r>
+              <a:rPr lang="zh-CN" altLang="en-US" sz="2000" dirty="0"/>
+              <a:t>代理模式可以在访问对象时引入一定程度的间接性，因为这种间接性，可以附加多种用途。</a:t>
+            </a:r>
           </a:p>
         </p:txBody>
       </p:sp>
     </p:spTree>
+    <p:extLst>
+      <p:ext uri="{BB962C8B-B14F-4D97-AF65-F5344CB8AC3E}">
+        <p14:creationId xmlns:p14="http://schemas.microsoft.com/office/powerpoint/2010/main" val="67508352"/>
+      </p:ext>
+    </p:extLst>
   </p:cSld>
   <p:clrMapOvr>
     <a:masterClrMapping/>
@@ -6364,6 +6363,90 @@
         </p:nvSpPr>
         <p:spPr/>
         <p:txBody>
+          <a:bodyPr>
+            <a:normAutofit fontScale="90000"/>
+          </a:bodyPr>
+          <a:lstStyle/>
+          <a:p>
+            <a:r>
+              <a:rPr lang="zh-CN" altLang="en-US" dirty="0"/>
+              <a:t>享元模式（</a:t>
+            </a:r>
+            <a:r>
+              <a:rPr lang="en-US" altLang="zh-CN" dirty="0"/>
+              <a:t>Flyweight</a:t>
+            </a:r>
+            <a:r>
+              <a:rPr lang="zh-CN" altLang="en-US" dirty="0"/>
+              <a:t>）</a:t>
+            </a:r>
+            <a:r>
+              <a:rPr lang="zh-CN" altLang="en-US" sz="1800" dirty="0"/>
+              <a:t>  运用共享技术有效地支持大量细粒度的对象</a:t>
+            </a:r>
+            <a:br>
+              <a:rPr lang="zh-CN" altLang="en-US" dirty="0"/>
+            </a:br>
+            <a:endParaRPr lang="zh-CN" altLang="en-US" dirty="0"/>
+          </a:p>
+        </p:txBody>
+      </p:sp>
+      <p:sp>
+        <p:nvSpPr>
+          <p:cNvPr id="3" name="内容占位符 2"/>
+          <p:cNvSpPr>
+            <a:spLocks noGrp="1"/>
+          </p:cNvSpPr>
+          <p:nvPr>
+            <p:ph idx="1"/>
+          </p:nvPr>
+        </p:nvSpPr>
+        <p:spPr/>
+        <p:txBody>
+          <a:bodyPr/>
+          <a:lstStyle/>
+          <a:p>
+            <a:endParaRPr lang="zh-CN" altLang="en-US" dirty="0"/>
+          </a:p>
+        </p:txBody>
+      </p:sp>
+    </p:spTree>
+  </p:cSld>
+  <p:clrMapOvr>
+    <a:masterClrMapping/>
+  </p:clrMapOvr>
+</p:sld>
+</file>
+
+<file path=ppt/slides/slide8.xml><?xml version="1.0" encoding="utf-8"?>
+<p:sld xmlns:a="http://schemas.openxmlformats.org/drawingml/2006/main" xmlns:r="http://schemas.openxmlformats.org/officeDocument/2006/relationships" xmlns:p="http://schemas.openxmlformats.org/presentationml/2006/main">
+  <p:cSld>
+    <p:spTree>
+      <p:nvGrpSpPr>
+        <p:cNvPr id="1" name=""/>
+        <p:cNvGrpSpPr/>
+        <p:nvPr/>
+      </p:nvGrpSpPr>
+      <p:grpSpPr>
+        <a:xfrm>
+          <a:off x="0" y="0"/>
+          <a:ext cx="0" cy="0"/>
+          <a:chOff x="0" y="0"/>
+          <a:chExt cx="0" cy="0"/>
+        </a:xfrm>
+      </p:grpSpPr>
+      <p:sp>
+        <p:nvSpPr>
+          <p:cNvPr id="2" name="标题 1"/>
+          <p:cNvSpPr>
+            <a:spLocks noGrp="1"/>
+          </p:cNvSpPr>
+          <p:nvPr>
+            <p:ph type="title"/>
+          </p:nvPr>
+        </p:nvSpPr>
+        <p:spPr/>
+        <p:txBody>
           <a:bodyPr/>
           <a:lstStyle/>
           <a:p>
@@ -6383,7 +6466,6 @@
               <a:rPr lang="zh-CN" altLang="en-US" sz="1600" dirty="0"/>
               <a:t>表示一个作用于某对象结构中的各元素的操作。它使你可以在不改变各元素的类的前提下定义作用于这些元素的新操作。</a:t>
             </a:r>
-            <a:endParaRPr lang="zh-CN" altLang="en-US" sz="1600" dirty="0"/>
           </a:p>
         </p:txBody>
       </p:sp>
@@ -6443,7 +6525,7 @@
 </file>
 
 <file path=ppt/tags/tag1.xml><?xml version="1.0" encoding="utf-8"?>
-<p:tagLst xmlns:p="http://schemas.openxmlformats.org/presentationml/2006/main">
+<p:tagLst xmlns:a="http://schemas.openxmlformats.org/drawingml/2006/main" xmlns:r="http://schemas.openxmlformats.org/officeDocument/2006/relationships" xmlns:p="http://schemas.openxmlformats.org/presentationml/2006/main">
   <p:tag name="REFSHAPE" val="497523772"/>
   <p:tag name="KSO_WM_UNIT_PLACING_PICTURE_USER_VIEWPORT" val="{&quot;height&quot;:7245,&quot;width&quot;:12015}"/>
 </p:tagLst>
@@ -6696,6 +6778,8 @@
       </a:bgFillStyleLst>
     </a:fmtScheme>
   </a:themeElements>
+  <a:objectDefaults/>
+  <a:extraClrSchemeLst/>
   <a:extLst>
     <a:ext uri="{05A4C25C-085E-4340-85A3-A5531E510DB2}">
       <thm15:themeFamily xmlns:thm15="http://schemas.microsoft.com/office/thememl/2012/main" name="Office Theme" id="{62F939B6-93AF-4DB8-9C6B-D6C7DFDC589F}" vid="{4A3C46E8-61CC-4603-A589-7422A47A8E4A}"/>

--- a/Design Pattern.pptx
+++ b/Design Pattern.pptx
@@ -5,14 +5,15 @@
     <p:sldMasterId id="2147483648" r:id="rId1"/>
   </p:sldMasterIdLst>
   <p:sldIdLst>
-    <p:sldId id="256" r:id="rId2"/>
-    <p:sldId id="257" r:id="rId3"/>
-    <p:sldId id="258" r:id="rId4"/>
-    <p:sldId id="260" r:id="rId5"/>
-    <p:sldId id="264" r:id="rId6"/>
-    <p:sldId id="265" r:id="rId7"/>
-    <p:sldId id="259" r:id="rId8"/>
-    <p:sldId id="261" r:id="rId9"/>
+    <p:sldId id="256" r:id="rId3"/>
+    <p:sldId id="257" r:id="rId4"/>
+    <p:sldId id="258" r:id="rId5"/>
+    <p:sldId id="260" r:id="rId6"/>
+    <p:sldId id="264" r:id="rId7"/>
+    <p:sldId id="265" r:id="rId8"/>
+    <p:sldId id="268" r:id="rId9"/>
+    <p:sldId id="259" r:id="rId10"/>
+    <p:sldId id="261" r:id="rId11"/>
   </p:sldIdLst>
   <p:sldSz cx="12192000" cy="6858000"/>
   <p:notesSz cx="6858000" cy="9144000"/>
@@ -111,16 +112,11 @@
       </a:defRPr>
     </a:lvl9pPr>
   </p:defaultTextStyle>
-  <p:extLst>
-    <p:ext uri="{EFAFB233-063F-42B5-8137-9DF3F51BA10A}">
-      <p15:sldGuideLst xmlns:p15="http://schemas.microsoft.com/office/powerpoint/2012/main"/>
-    </p:ext>
-  </p:extLst>
 </p:presentation>
 </file>
 
 <file path=ppt/slideLayouts/slideLayout1.xml><?xml version="1.0" encoding="utf-8"?>
-<p:sldLayout xmlns:a="http://schemas.openxmlformats.org/drawingml/2006/main" xmlns:r="http://schemas.openxmlformats.org/officeDocument/2006/relationships" xmlns:p="http://schemas.openxmlformats.org/presentationml/2006/main" showMasterSp="0" type="title" preserve="1">
+<p:sldLayout xmlns:a="http://schemas.openxmlformats.org/drawingml/2006/main" xmlns:r="http://schemas.openxmlformats.org/officeDocument/2006/relationships" xmlns:p="http://schemas.openxmlformats.org/presentationml/2006/main" type="title" preserve="1" showMasterSp="0">
   <p:cSld name="标题幻灯片">
     <p:spTree>
       <p:nvGrpSpPr>
@@ -841,7 +837,6 @@
           <a:p>
             <a:fld id="{1DE13C8E-C6AE-4632-B4A4-5BFE243CF5CC}" type="datetimeFigureOut">
               <a:rPr lang="zh-CN" altLang="en-US" smtClean="0"/>
-              <a:t>2020/3/18</a:t>
             </a:fld>
             <a:endParaRPr lang="zh-CN" altLang="en-US"/>
           </a:p>
@@ -883,7 +878,6 @@
           <a:p>
             <a:fld id="{6114B45B-4BFA-47DC-BFB9-D6C02A51C277}" type="slidenum">
               <a:rPr lang="zh-CN" altLang="en-US" smtClean="0"/>
-              <a:t>‹#›</a:t>
             </a:fld>
             <a:endParaRPr lang="zh-CN" altLang="en-US"/>
           </a:p>
@@ -1067,6 +1061,7 @@
               <a:rPr lang="zh-CN" altLang="en-US"/>
               <a:t>单击此处编辑母版文本样式</a:t>
             </a:r>
+            <a:endParaRPr lang="zh-CN" altLang="en-US"/>
           </a:p>
         </p:txBody>
       </p:sp>
@@ -1087,7 +1082,6 @@
           <a:p>
             <a:fld id="{1DE13C8E-C6AE-4632-B4A4-5BFE243CF5CC}" type="datetimeFigureOut">
               <a:rPr lang="zh-CN" altLang="en-US" smtClean="0"/>
-              <a:t>2020/3/18</a:t>
             </a:fld>
             <a:endParaRPr lang="zh-CN" altLang="en-US"/>
           </a:p>
@@ -1129,7 +1123,6 @@
           <a:p>
             <a:fld id="{6114B45B-4BFA-47DC-BFB9-D6C02A51C277}" type="slidenum">
               <a:rPr lang="zh-CN" altLang="en-US" smtClean="0"/>
-              <a:t>‹#›</a:t>
             </a:fld>
             <a:endParaRPr lang="zh-CN" altLang="en-US"/>
           </a:p>
@@ -1254,6 +1247,7 @@
               <a:rPr lang="zh-CN" altLang="en-US"/>
               <a:t>单击此处编辑母版文本样式</a:t>
             </a:r>
+            <a:endParaRPr lang="zh-CN" altLang="en-US"/>
           </a:p>
         </p:txBody>
       </p:sp>
@@ -1376,6 +1370,7 @@
               <a:rPr lang="zh-CN" altLang="en-US"/>
               <a:t>单击此处编辑母版文本样式</a:t>
             </a:r>
+            <a:endParaRPr lang="zh-CN" altLang="en-US"/>
           </a:p>
         </p:txBody>
       </p:sp>
@@ -1396,7 +1391,6 @@
           <a:p>
             <a:fld id="{1DE13C8E-C6AE-4632-B4A4-5BFE243CF5CC}" type="datetimeFigureOut">
               <a:rPr lang="zh-CN" altLang="en-US" smtClean="0"/>
-              <a:t>2020/3/18</a:t>
             </a:fld>
             <a:endParaRPr lang="zh-CN" altLang="en-US"/>
           </a:p>
@@ -1438,7 +1432,6 @@
           <a:p>
             <a:fld id="{6114B45B-4BFA-47DC-BFB9-D6C02A51C277}" type="slidenum">
               <a:rPr lang="zh-CN" altLang="en-US" smtClean="0"/>
-              <a:t>‹#›</a:t>
             </a:fld>
             <a:endParaRPr lang="zh-CN" altLang="en-US"/>
           </a:p>
@@ -1482,6 +1475,19 @@
               </a:rPr>
               <a:t>“</a:t>
             </a:r>
+            <a:endParaRPr lang="en-US" sz="8000" baseline="0" dirty="0">
+              <a:ln w="3175" cmpd="sng">
+                <a:noFill/>
+              </a:ln>
+              <a:solidFill>
+                <a:schemeClr val="accent1">
+                  <a:lumMod val="60000"/>
+                  <a:lumOff val="40000"/>
+                </a:schemeClr>
+              </a:solidFill>
+              <a:effectLst/>
+              <a:latin typeface="Arial" panose="020B0604020202020204"/>
+            </a:endParaRPr>
           </a:p>
         </p:txBody>
       </p:sp>
@@ -1712,6 +1718,7 @@
               <a:rPr lang="zh-CN" altLang="en-US"/>
               <a:t>单击此处编辑母版文本样式</a:t>
             </a:r>
+            <a:endParaRPr lang="zh-CN" altLang="en-US"/>
           </a:p>
         </p:txBody>
       </p:sp>
@@ -1732,7 +1739,6 @@
           <a:p>
             <a:fld id="{1DE13C8E-C6AE-4632-B4A4-5BFE243CF5CC}" type="datetimeFigureOut">
               <a:rPr lang="zh-CN" altLang="en-US" smtClean="0"/>
-              <a:t>2020/3/18</a:t>
             </a:fld>
             <a:endParaRPr lang="zh-CN" altLang="en-US"/>
           </a:p>
@@ -1774,7 +1780,6 @@
           <a:p>
             <a:fld id="{6114B45B-4BFA-47DC-BFB9-D6C02A51C277}" type="slidenum">
               <a:rPr lang="zh-CN" altLang="en-US" smtClean="0"/>
-              <a:t>‹#›</a:t>
             </a:fld>
             <a:endParaRPr lang="zh-CN" altLang="en-US"/>
           </a:p>
@@ -1899,6 +1904,7 @@
               <a:rPr lang="zh-CN" altLang="en-US"/>
               <a:t>单击此处编辑母版文本样式</a:t>
             </a:r>
+            <a:endParaRPr lang="zh-CN" altLang="en-US"/>
           </a:p>
         </p:txBody>
       </p:sp>
@@ -2021,6 +2027,7 @@
               <a:rPr lang="zh-CN" altLang="en-US"/>
               <a:t>单击此处编辑母版文本样式</a:t>
             </a:r>
+            <a:endParaRPr lang="zh-CN" altLang="en-US"/>
           </a:p>
         </p:txBody>
       </p:sp>
@@ -2041,7 +2048,6 @@
           <a:p>
             <a:fld id="{1DE13C8E-C6AE-4632-B4A4-5BFE243CF5CC}" type="datetimeFigureOut">
               <a:rPr lang="zh-CN" altLang="en-US" smtClean="0"/>
-              <a:t>2020/3/18</a:t>
             </a:fld>
             <a:endParaRPr lang="zh-CN" altLang="en-US"/>
           </a:p>
@@ -2083,7 +2089,6 @@
           <a:p>
             <a:fld id="{6114B45B-4BFA-47DC-BFB9-D6C02A51C277}" type="slidenum">
               <a:rPr lang="zh-CN" altLang="en-US" smtClean="0"/>
-              <a:t>‹#›</a:t>
             </a:fld>
             <a:endParaRPr lang="zh-CN" altLang="en-US"/>
           </a:p>
@@ -2127,6 +2132,19 @@
               </a:rPr>
               <a:t>“</a:t>
             </a:r>
+            <a:endParaRPr lang="en-US" sz="8000" baseline="0" dirty="0">
+              <a:ln w="3175" cmpd="sng">
+                <a:noFill/>
+              </a:ln>
+              <a:solidFill>
+                <a:schemeClr val="accent1">
+                  <a:lumMod val="60000"/>
+                  <a:lumOff val="40000"/>
+                </a:schemeClr>
+              </a:solidFill>
+              <a:effectLst/>
+              <a:latin typeface="Arial" panose="020B0604020202020204"/>
+            </a:endParaRPr>
           </a:p>
         </p:txBody>
       </p:sp>
@@ -2168,6 +2186,19 @@
               </a:rPr>
               <a:t>”</a:t>
             </a:r>
+            <a:endParaRPr lang="en-US" sz="8000" baseline="0" dirty="0">
+              <a:ln w="3175" cmpd="sng">
+                <a:noFill/>
+              </a:ln>
+              <a:solidFill>
+                <a:schemeClr val="accent1">
+                  <a:lumMod val="60000"/>
+                  <a:lumOff val="40000"/>
+                </a:schemeClr>
+              </a:solidFill>
+              <a:effectLst/>
+              <a:latin typeface="Arial" panose="020B0604020202020204"/>
+            </a:endParaRPr>
           </a:p>
         </p:txBody>
       </p:sp>
@@ -2287,6 +2318,7 @@
               <a:rPr lang="zh-CN" altLang="en-US"/>
               <a:t>单击此处编辑母版文本样式</a:t>
             </a:r>
+            <a:endParaRPr lang="zh-CN" altLang="en-US"/>
           </a:p>
         </p:txBody>
       </p:sp>
@@ -2409,6 +2441,7 @@
               <a:rPr lang="zh-CN" altLang="en-US"/>
               <a:t>单击此处编辑母版文本样式</a:t>
             </a:r>
+            <a:endParaRPr lang="zh-CN" altLang="en-US"/>
           </a:p>
         </p:txBody>
       </p:sp>
@@ -2429,7 +2462,6 @@
           <a:p>
             <a:fld id="{1DE13C8E-C6AE-4632-B4A4-5BFE243CF5CC}" type="datetimeFigureOut">
               <a:rPr lang="zh-CN" altLang="en-US" smtClean="0"/>
-              <a:t>2020/3/18</a:t>
             </a:fld>
             <a:endParaRPr lang="zh-CN" altLang="en-US"/>
           </a:p>
@@ -2471,7 +2503,6 @@
           <a:p>
             <a:fld id="{6114B45B-4BFA-47DC-BFB9-D6C02A51C277}" type="slidenum">
               <a:rPr lang="zh-CN" altLang="en-US" smtClean="0"/>
-              <a:t>‹#›</a:t>
             </a:fld>
             <a:endParaRPr lang="zh-CN" altLang="en-US"/>
           </a:p>
@@ -2545,6 +2576,7 @@
               <a:rPr lang="zh-CN" altLang="en-US"/>
               <a:t>单击此处编辑母版文本样式</a:t>
             </a:r>
+            <a:endParaRPr lang="zh-CN" altLang="en-US"/>
           </a:p>
           <a:p>
             <a:pPr lvl="1"/>
@@ -2552,6 +2584,7 @@
               <a:rPr lang="zh-CN" altLang="en-US"/>
               <a:t>二级</a:t>
             </a:r>
+            <a:endParaRPr lang="zh-CN" altLang="en-US"/>
           </a:p>
           <a:p>
             <a:pPr lvl="2"/>
@@ -2559,6 +2592,7 @@
               <a:rPr lang="zh-CN" altLang="en-US"/>
               <a:t>三级</a:t>
             </a:r>
+            <a:endParaRPr lang="zh-CN" altLang="en-US"/>
           </a:p>
           <a:p>
             <a:pPr lvl="3"/>
@@ -2566,6 +2600,7 @@
               <a:rPr lang="zh-CN" altLang="en-US"/>
               <a:t>四级</a:t>
             </a:r>
+            <a:endParaRPr lang="zh-CN" altLang="en-US"/>
           </a:p>
           <a:p>
             <a:pPr lvl="4"/>
@@ -2594,7 +2629,6 @@
           <a:p>
             <a:fld id="{1DE13C8E-C6AE-4632-B4A4-5BFE243CF5CC}" type="datetimeFigureOut">
               <a:rPr lang="zh-CN" altLang="en-US" smtClean="0"/>
-              <a:t>2020/3/18</a:t>
             </a:fld>
             <a:endParaRPr lang="zh-CN" altLang="en-US"/>
           </a:p>
@@ -2636,7 +2670,6 @@
           <a:p>
             <a:fld id="{6114B45B-4BFA-47DC-BFB9-D6C02A51C277}" type="slidenum">
               <a:rPr lang="zh-CN" altLang="en-US" smtClean="0"/>
-              <a:t>‹#›</a:t>
             </a:fld>
             <a:endParaRPr lang="zh-CN" altLang="en-US"/>
           </a:p>
@@ -2720,6 +2753,7 @@
               <a:rPr lang="zh-CN" altLang="en-US"/>
               <a:t>单击此处编辑母版文本样式</a:t>
             </a:r>
+            <a:endParaRPr lang="zh-CN" altLang="en-US"/>
           </a:p>
           <a:p>
             <a:pPr lvl="1"/>
@@ -2727,6 +2761,7 @@
               <a:rPr lang="zh-CN" altLang="en-US"/>
               <a:t>二级</a:t>
             </a:r>
+            <a:endParaRPr lang="zh-CN" altLang="en-US"/>
           </a:p>
           <a:p>
             <a:pPr lvl="2"/>
@@ -2734,6 +2769,7 @@
               <a:rPr lang="zh-CN" altLang="en-US"/>
               <a:t>三级</a:t>
             </a:r>
+            <a:endParaRPr lang="zh-CN" altLang="en-US"/>
           </a:p>
           <a:p>
             <a:pPr lvl="3"/>
@@ -2741,6 +2777,7 @@
               <a:rPr lang="zh-CN" altLang="en-US"/>
               <a:t>四级</a:t>
             </a:r>
+            <a:endParaRPr lang="zh-CN" altLang="en-US"/>
           </a:p>
           <a:p>
             <a:pPr lvl="4"/>
@@ -2769,7 +2806,6 @@
           <a:p>
             <a:fld id="{1DE13C8E-C6AE-4632-B4A4-5BFE243CF5CC}" type="datetimeFigureOut">
               <a:rPr lang="zh-CN" altLang="en-US" smtClean="0"/>
-              <a:t>2020/3/18</a:t>
             </a:fld>
             <a:endParaRPr lang="zh-CN" altLang="en-US"/>
           </a:p>
@@ -2811,7 +2847,6 @@
           <a:p>
             <a:fld id="{6114B45B-4BFA-47DC-BFB9-D6C02A51C277}" type="slidenum">
               <a:rPr lang="zh-CN" altLang="en-US" smtClean="0"/>
-              <a:t>‹#›</a:t>
             </a:fld>
             <a:endParaRPr lang="zh-CN" altLang="en-US"/>
           </a:p>
@@ -2891,6 +2926,7 @@
               <a:rPr lang="zh-CN" altLang="en-US"/>
               <a:t>单击此处编辑母版文本样式</a:t>
             </a:r>
+            <a:endParaRPr lang="zh-CN" altLang="en-US"/>
           </a:p>
           <a:p>
             <a:pPr lvl="1"/>
@@ -2898,6 +2934,7 @@
               <a:rPr lang="zh-CN" altLang="en-US"/>
               <a:t>二级</a:t>
             </a:r>
+            <a:endParaRPr lang="zh-CN" altLang="en-US"/>
           </a:p>
           <a:p>
             <a:pPr lvl="2"/>
@@ -2905,6 +2942,7 @@
               <a:rPr lang="zh-CN" altLang="en-US"/>
               <a:t>三级</a:t>
             </a:r>
+            <a:endParaRPr lang="zh-CN" altLang="en-US"/>
           </a:p>
           <a:p>
             <a:pPr lvl="3"/>
@@ -2912,6 +2950,7 @@
               <a:rPr lang="zh-CN" altLang="en-US"/>
               <a:t>四级</a:t>
             </a:r>
+            <a:endParaRPr lang="zh-CN" altLang="en-US"/>
           </a:p>
           <a:p>
             <a:pPr lvl="4"/>
@@ -2940,7 +2979,6 @@
           <a:p>
             <a:fld id="{1DE13C8E-C6AE-4632-B4A4-5BFE243CF5CC}" type="datetimeFigureOut">
               <a:rPr lang="zh-CN" altLang="en-US" smtClean="0"/>
-              <a:t>2020/3/18</a:t>
             </a:fld>
             <a:endParaRPr lang="zh-CN" altLang="en-US"/>
           </a:p>
@@ -2982,7 +3020,6 @@
           <a:p>
             <a:fld id="{6114B45B-4BFA-47DC-BFB9-D6C02A51C277}" type="slidenum">
               <a:rPr lang="zh-CN" altLang="en-US" smtClean="0"/>
-              <a:t>‹#›</a:t>
             </a:fld>
             <a:endParaRPr lang="zh-CN" altLang="en-US"/>
           </a:p>
@@ -3162,6 +3199,7 @@
               <a:rPr lang="zh-CN" altLang="en-US"/>
               <a:t>单击此处编辑母版文本样式</a:t>
             </a:r>
+            <a:endParaRPr lang="zh-CN" altLang="en-US"/>
           </a:p>
         </p:txBody>
       </p:sp>
@@ -3182,7 +3220,6 @@
           <a:p>
             <a:fld id="{1DE13C8E-C6AE-4632-B4A4-5BFE243CF5CC}" type="datetimeFigureOut">
               <a:rPr lang="zh-CN" altLang="en-US" smtClean="0"/>
-              <a:t>2020/3/18</a:t>
             </a:fld>
             <a:endParaRPr lang="zh-CN" altLang="en-US"/>
           </a:p>
@@ -3224,7 +3261,6 @@
           <a:p>
             <a:fld id="{6114B45B-4BFA-47DC-BFB9-D6C02A51C277}" type="slidenum">
               <a:rPr lang="zh-CN" altLang="en-US" smtClean="0"/>
-              <a:t>‹#›</a:t>
             </a:fld>
             <a:endParaRPr lang="zh-CN" altLang="en-US"/>
           </a:p>
@@ -3303,6 +3339,7 @@
               <a:rPr lang="zh-CN" altLang="en-US"/>
               <a:t>单击此处编辑母版文本样式</a:t>
             </a:r>
+            <a:endParaRPr lang="zh-CN" altLang="en-US"/>
           </a:p>
           <a:p>
             <a:pPr lvl="1"/>
@@ -3310,6 +3347,7 @@
               <a:rPr lang="zh-CN" altLang="en-US"/>
               <a:t>二级</a:t>
             </a:r>
+            <a:endParaRPr lang="zh-CN" altLang="en-US"/>
           </a:p>
           <a:p>
             <a:pPr lvl="2"/>
@@ -3317,6 +3355,7 @@
               <a:rPr lang="zh-CN" altLang="en-US"/>
               <a:t>三级</a:t>
             </a:r>
+            <a:endParaRPr lang="zh-CN" altLang="en-US"/>
           </a:p>
           <a:p>
             <a:pPr lvl="3"/>
@@ -3324,6 +3363,7 @@
               <a:rPr lang="zh-CN" altLang="en-US"/>
               <a:t>四级</a:t>
             </a:r>
+            <a:endParaRPr lang="zh-CN" altLang="en-US"/>
           </a:p>
           <a:p>
             <a:pPr lvl="4"/>
@@ -3360,6 +3400,7 @@
               <a:rPr lang="zh-CN" altLang="en-US"/>
               <a:t>单击此处编辑母版文本样式</a:t>
             </a:r>
+            <a:endParaRPr lang="zh-CN" altLang="en-US"/>
           </a:p>
           <a:p>
             <a:pPr lvl="1"/>
@@ -3367,6 +3408,7 @@
               <a:rPr lang="zh-CN" altLang="en-US"/>
               <a:t>二级</a:t>
             </a:r>
+            <a:endParaRPr lang="zh-CN" altLang="en-US"/>
           </a:p>
           <a:p>
             <a:pPr lvl="2"/>
@@ -3374,6 +3416,7 @@
               <a:rPr lang="zh-CN" altLang="en-US"/>
               <a:t>三级</a:t>
             </a:r>
+            <a:endParaRPr lang="zh-CN" altLang="en-US"/>
           </a:p>
           <a:p>
             <a:pPr lvl="3"/>
@@ -3381,6 +3424,7 @@
               <a:rPr lang="zh-CN" altLang="en-US"/>
               <a:t>四级</a:t>
             </a:r>
+            <a:endParaRPr lang="zh-CN" altLang="en-US"/>
           </a:p>
           <a:p>
             <a:pPr lvl="4"/>
@@ -3409,7 +3453,6 @@
           <a:p>
             <a:fld id="{1DE13C8E-C6AE-4632-B4A4-5BFE243CF5CC}" type="datetimeFigureOut">
               <a:rPr lang="zh-CN" altLang="en-US" smtClean="0"/>
-              <a:t>2020/3/18</a:t>
             </a:fld>
             <a:endParaRPr lang="zh-CN" altLang="en-US"/>
           </a:p>
@@ -3451,7 +3494,6 @@
           <a:p>
             <a:fld id="{6114B45B-4BFA-47DC-BFB9-D6C02A51C277}" type="slidenum">
               <a:rPr lang="zh-CN" altLang="en-US" smtClean="0"/>
-              <a:t>‹#›</a:t>
             </a:fld>
             <a:endParaRPr lang="zh-CN" altLang="en-US"/>
           </a:p>
@@ -3573,6 +3615,7 @@
               <a:rPr lang="zh-CN" altLang="en-US"/>
               <a:t>单击此处编辑母版文本样式</a:t>
             </a:r>
+            <a:endParaRPr lang="zh-CN" altLang="en-US"/>
           </a:p>
         </p:txBody>
       </p:sp>
@@ -3603,6 +3646,7 @@
               <a:rPr lang="zh-CN" altLang="en-US"/>
               <a:t>单击此处编辑母版文本样式</a:t>
             </a:r>
+            <a:endParaRPr lang="zh-CN" altLang="en-US"/>
           </a:p>
           <a:p>
             <a:pPr lvl="1"/>
@@ -3610,6 +3654,7 @@
               <a:rPr lang="zh-CN" altLang="en-US"/>
               <a:t>二级</a:t>
             </a:r>
+            <a:endParaRPr lang="zh-CN" altLang="en-US"/>
           </a:p>
           <a:p>
             <a:pPr lvl="2"/>
@@ -3617,6 +3662,7 @@
               <a:rPr lang="zh-CN" altLang="en-US"/>
               <a:t>三级</a:t>
             </a:r>
+            <a:endParaRPr lang="zh-CN" altLang="en-US"/>
           </a:p>
           <a:p>
             <a:pPr lvl="3"/>
@@ -3624,6 +3670,7 @@
               <a:rPr lang="zh-CN" altLang="en-US"/>
               <a:t>四级</a:t>
             </a:r>
+            <a:endParaRPr lang="zh-CN" altLang="en-US"/>
           </a:p>
           <a:p>
             <a:pPr lvl="4"/>
@@ -3699,6 +3746,7 @@
               <a:rPr lang="zh-CN" altLang="en-US"/>
               <a:t>单击此处编辑母版文本样式</a:t>
             </a:r>
+            <a:endParaRPr lang="zh-CN" altLang="en-US"/>
           </a:p>
         </p:txBody>
       </p:sp>
@@ -3729,6 +3777,7 @@
               <a:rPr lang="zh-CN" altLang="en-US"/>
               <a:t>单击此处编辑母版文本样式</a:t>
             </a:r>
+            <a:endParaRPr lang="zh-CN" altLang="en-US"/>
           </a:p>
           <a:p>
             <a:pPr lvl="1"/>
@@ -3736,6 +3785,7 @@
               <a:rPr lang="zh-CN" altLang="en-US"/>
               <a:t>二级</a:t>
             </a:r>
+            <a:endParaRPr lang="zh-CN" altLang="en-US"/>
           </a:p>
           <a:p>
             <a:pPr lvl="2"/>
@@ -3743,6 +3793,7 @@
               <a:rPr lang="zh-CN" altLang="en-US"/>
               <a:t>三级</a:t>
             </a:r>
+            <a:endParaRPr lang="zh-CN" altLang="en-US"/>
           </a:p>
           <a:p>
             <a:pPr lvl="3"/>
@@ -3750,6 +3801,7 @@
               <a:rPr lang="zh-CN" altLang="en-US"/>
               <a:t>四级</a:t>
             </a:r>
+            <a:endParaRPr lang="zh-CN" altLang="en-US"/>
           </a:p>
           <a:p>
             <a:pPr lvl="4"/>
@@ -3778,7 +3830,6 @@
           <a:p>
             <a:fld id="{1DE13C8E-C6AE-4632-B4A4-5BFE243CF5CC}" type="datetimeFigureOut">
               <a:rPr lang="zh-CN" altLang="en-US" smtClean="0"/>
-              <a:t>2020/3/18</a:t>
             </a:fld>
             <a:endParaRPr lang="zh-CN" altLang="en-US"/>
           </a:p>
@@ -3820,7 +3871,6 @@
           <a:p>
             <a:fld id="{6114B45B-4BFA-47DC-BFB9-D6C02A51C277}" type="slidenum">
               <a:rPr lang="zh-CN" altLang="en-US" smtClean="0"/>
-              <a:t>‹#›</a:t>
             </a:fld>
             <a:endParaRPr lang="zh-CN" altLang="en-US"/>
           </a:p>
@@ -3896,7 +3946,6 @@
           <a:p>
             <a:fld id="{1DE13C8E-C6AE-4632-B4A4-5BFE243CF5CC}" type="datetimeFigureOut">
               <a:rPr lang="zh-CN" altLang="en-US" smtClean="0"/>
-              <a:t>2020/3/18</a:t>
             </a:fld>
             <a:endParaRPr lang="zh-CN" altLang="en-US"/>
           </a:p>
@@ -3938,7 +3987,6 @@
           <a:p>
             <a:fld id="{6114B45B-4BFA-47DC-BFB9-D6C02A51C277}" type="slidenum">
               <a:rPr lang="zh-CN" altLang="en-US" smtClean="0"/>
-              <a:t>‹#›</a:t>
             </a:fld>
             <a:endParaRPr lang="zh-CN" altLang="en-US"/>
           </a:p>
@@ -3986,7 +4034,6 @@
           <a:p>
             <a:fld id="{1DE13C8E-C6AE-4632-B4A4-5BFE243CF5CC}" type="datetimeFigureOut">
               <a:rPr lang="zh-CN" altLang="en-US" smtClean="0"/>
-              <a:t>2020/3/18</a:t>
             </a:fld>
             <a:endParaRPr lang="zh-CN" altLang="en-US"/>
           </a:p>
@@ -4028,7 +4075,6 @@
           <a:p>
             <a:fld id="{6114B45B-4BFA-47DC-BFB9-D6C02A51C277}" type="slidenum">
               <a:rPr lang="zh-CN" altLang="en-US" smtClean="0"/>
-              <a:t>‹#›</a:t>
             </a:fld>
             <a:endParaRPr lang="zh-CN" altLang="en-US"/>
           </a:p>
@@ -4120,6 +4166,7 @@
               <a:rPr lang="zh-CN" altLang="en-US"/>
               <a:t>单击此处编辑母版文本样式</a:t>
             </a:r>
+            <a:endParaRPr lang="zh-CN" altLang="en-US"/>
           </a:p>
           <a:p>
             <a:pPr lvl="1"/>
@@ -4127,6 +4174,7 @@
               <a:rPr lang="zh-CN" altLang="en-US"/>
               <a:t>二级</a:t>
             </a:r>
+            <a:endParaRPr lang="zh-CN" altLang="en-US"/>
           </a:p>
           <a:p>
             <a:pPr lvl="2"/>
@@ -4134,6 +4182,7 @@
               <a:rPr lang="zh-CN" altLang="en-US"/>
               <a:t>三级</a:t>
             </a:r>
+            <a:endParaRPr lang="zh-CN" altLang="en-US"/>
           </a:p>
           <a:p>
             <a:pPr lvl="3"/>
@@ -4141,6 +4190,7 @@
               <a:rPr lang="zh-CN" altLang="en-US"/>
               <a:t>四级</a:t>
             </a:r>
+            <a:endParaRPr lang="zh-CN" altLang="en-US"/>
           </a:p>
           <a:p>
             <a:pPr lvl="4"/>
@@ -4216,6 +4266,7 @@
               <a:rPr lang="zh-CN" altLang="en-US"/>
               <a:t>单击此处编辑母版文本样式</a:t>
             </a:r>
+            <a:endParaRPr lang="zh-CN" altLang="en-US"/>
           </a:p>
         </p:txBody>
       </p:sp>
@@ -4236,7 +4287,6 @@
           <a:p>
             <a:fld id="{1DE13C8E-C6AE-4632-B4A4-5BFE243CF5CC}" type="datetimeFigureOut">
               <a:rPr lang="zh-CN" altLang="en-US" smtClean="0"/>
-              <a:t>2020/3/18</a:t>
             </a:fld>
             <a:endParaRPr lang="zh-CN" altLang="en-US"/>
           </a:p>
@@ -4278,7 +4328,6 @@
           <a:p>
             <a:fld id="{6114B45B-4BFA-47DC-BFB9-D6C02A51C277}" type="slidenum">
               <a:rPr lang="zh-CN" altLang="en-US" smtClean="0"/>
-              <a:t>‹#›</a:t>
             </a:fld>
             <a:endParaRPr lang="zh-CN" altLang="en-US"/>
           </a:p>
@@ -4474,6 +4523,7 @@
               <a:rPr lang="zh-CN" altLang="en-US"/>
               <a:t>单击此处编辑母版文本样式</a:t>
             </a:r>
+            <a:endParaRPr lang="zh-CN" altLang="en-US"/>
           </a:p>
         </p:txBody>
       </p:sp>
@@ -4494,7 +4544,6 @@
           <a:p>
             <a:fld id="{1DE13C8E-C6AE-4632-B4A4-5BFE243CF5CC}" type="datetimeFigureOut">
               <a:rPr lang="zh-CN" altLang="en-US" smtClean="0"/>
-              <a:t>2020/3/18</a:t>
             </a:fld>
             <a:endParaRPr lang="zh-CN" altLang="en-US"/>
           </a:p>
@@ -4536,7 +4585,6 @@
           <a:p>
             <a:fld id="{6114B45B-4BFA-47DC-BFB9-D6C02A51C277}" type="slidenum">
               <a:rPr lang="zh-CN" altLang="en-US" smtClean="0"/>
-              <a:t>‹#›</a:t>
             </a:fld>
             <a:endParaRPr lang="zh-CN" altLang="en-US"/>
           </a:p>
@@ -5165,6 +5213,7 @@
               <a:rPr lang="zh-CN" altLang="en-US"/>
               <a:t>单击此处编辑母版文本样式</a:t>
             </a:r>
+            <a:endParaRPr lang="zh-CN" altLang="en-US"/>
           </a:p>
           <a:p>
             <a:pPr lvl="1"/>
@@ -5172,6 +5221,7 @@
               <a:rPr lang="zh-CN" altLang="en-US"/>
               <a:t>二级</a:t>
             </a:r>
+            <a:endParaRPr lang="zh-CN" altLang="en-US"/>
           </a:p>
           <a:p>
             <a:pPr lvl="2"/>
@@ -5179,6 +5229,7 @@
               <a:rPr lang="zh-CN" altLang="en-US"/>
               <a:t>三级</a:t>
             </a:r>
+            <a:endParaRPr lang="zh-CN" altLang="en-US"/>
           </a:p>
           <a:p>
             <a:pPr lvl="3"/>
@@ -5186,6 +5237,7 @@
               <a:rPr lang="zh-CN" altLang="en-US"/>
               <a:t>四级</a:t>
             </a:r>
+            <a:endParaRPr lang="zh-CN" altLang="en-US"/>
           </a:p>
           <a:p>
             <a:pPr lvl="4"/>
@@ -5232,7 +5284,6 @@
           <a:p>
             <a:fld id="{1DE13C8E-C6AE-4632-B4A4-5BFE243CF5CC}" type="datetimeFigureOut">
               <a:rPr lang="zh-CN" altLang="en-US" smtClean="0"/>
-              <a:t>2020/3/18</a:t>
             </a:fld>
             <a:endParaRPr lang="zh-CN" altLang="en-US"/>
           </a:p>
@@ -5308,7 +5359,6 @@
           <a:p>
             <a:fld id="{6114B45B-4BFA-47DC-BFB9-D6C02A51C277}" type="slidenum">
               <a:rPr lang="zh-CN" altLang="en-US" smtClean="0"/>
-              <a:t>‹#›</a:t>
             </a:fld>
             <a:endParaRPr lang="zh-CN" altLang="en-US"/>
           </a:p>
@@ -5776,6 +5826,7 @@
               <a:rPr lang="zh-CN" altLang="en-US" dirty="0"/>
               <a:t>设计模式</a:t>
             </a:r>
+            <a:endParaRPr lang="zh-CN" altLang="en-US" dirty="0"/>
           </a:p>
         </p:txBody>
       </p:sp>
@@ -5823,6 +5874,7 @@
               <a:rPr lang="zh-CN" altLang="en-US" dirty="0"/>
               <a:t>一、分类</a:t>
             </a:r>
+            <a:endParaRPr lang="zh-CN" altLang="en-US" dirty="0"/>
           </a:p>
         </p:txBody>
       </p:sp>
@@ -5939,6 +5991,7 @@
               <a:rPr lang="zh-CN" altLang="en-US" dirty="0"/>
               <a:t>二、设计原则</a:t>
             </a:r>
+            <a:endParaRPr lang="zh-CN" altLang="en-US" dirty="0"/>
           </a:p>
         </p:txBody>
       </p:sp>
@@ -6051,6 +6104,7 @@
               <a:rPr lang="zh-CN" altLang="en-US" dirty="0"/>
               <a:t>三、模式介绍</a:t>
             </a:r>
+            <a:endParaRPr lang="zh-CN" altLang="en-US" dirty="0"/>
           </a:p>
         </p:txBody>
       </p:sp>
@@ -6076,6 +6130,7 @@
               <a:rPr lang="zh-CN" altLang="en-US" dirty="0"/>
               <a:t>接下来的章节将逐一介绍各个设计模式</a:t>
             </a:r>
+            <a:endParaRPr lang="zh-CN" altLang="en-US" dirty="0"/>
           </a:p>
         </p:txBody>
       </p:sp>
@@ -6117,7 +6172,7 @@
           </p:nvPr>
         </p:nvPicPr>
         <p:blipFill>
-          <a:blip r:embed="rId3"/>
+          <a:blip r:embed="rId2"/>
           <a:stretch>
             <a:fillRect/>
           </a:stretch>
@@ -6160,6 +6215,7 @@
               <a:rPr lang="en-US" altLang="zh-CN"/>
               <a:t>(Facade)</a:t>
             </a:r>
+            <a:endParaRPr lang="en-US" altLang="zh-CN"/>
           </a:p>
         </p:txBody>
       </p:sp>
@@ -6190,6 +6246,7 @@
               <a:rPr lang="zh-CN" altLang="en-US" sz="2000"/>
               <a:t>定义：为子系统中给的一组接口提供一个一致的界面，此模式定义了一个高层接口，这个接口使得这一子系统更加容易使用。</a:t>
             </a:r>
+            <a:endParaRPr lang="zh-CN" altLang="en-US" sz="2000"/>
           </a:p>
         </p:txBody>
       </p:sp>
@@ -6220,20 +6277,14 @@
       </p:grpSpPr>
       <p:pic>
         <p:nvPicPr>
-          <p:cNvPr id="5" name="图片 4">
-            <a:extLst>
-              <a:ext uri="{FF2B5EF4-FFF2-40B4-BE49-F238E27FC236}">
-                <a16:creationId xmlns:a16="http://schemas.microsoft.com/office/drawing/2014/main" id="{FD9C9104-E439-4E26-B687-09B8E54EFA85}"/>
-              </a:ext>
-            </a:extLst>
-          </p:cNvPr>
+          <p:cNvPr id="5" name="图片 4"/>
           <p:cNvPicPr>
             <a:picLocks noChangeAspect="1"/>
           </p:cNvPicPr>
           <p:nvPr/>
         </p:nvPicPr>
         <p:blipFill>
-          <a:blip r:embed="rId2"/>
+          <a:blip r:embed="rId1"/>
           <a:stretch>
             <a:fillRect/>
           </a:stretch>
@@ -6276,6 +6327,7 @@
               <a:rPr lang="en-US" altLang="zh-CN" dirty="0"/>
               <a:t>(Proxy)</a:t>
             </a:r>
+            <a:endParaRPr lang="en-US" altLang="zh-CN" dirty="0"/>
           </a:p>
         </p:txBody>
       </p:sp>
@@ -6318,15 +6370,11 @@
               <a:rPr lang="zh-CN" altLang="en-US" sz="2000" dirty="0"/>
               <a:t>代理模式可以在访问对象时引入一定程度的间接性，因为这种间接性，可以附加多种用途。</a:t>
             </a:r>
+            <a:endParaRPr lang="zh-CN" altLang="en-US" sz="2000" dirty="0"/>
           </a:p>
         </p:txBody>
       </p:sp>
     </p:spTree>
-    <p:extLst>
-      <p:ext uri="{BB962C8B-B14F-4D97-AF65-F5344CB8AC3E}">
-        <p14:creationId xmlns:p14="http://schemas.microsoft.com/office/powerpoint/2010/main" val="67508352"/>
-      </p:ext>
-    </p:extLst>
   </p:cSld>
   <p:clrMapOvr>
     <a:masterClrMapping/>
@@ -6343,17 +6391,76 @@
         <p:cNvGrpSpPr/>
         <p:nvPr/>
       </p:nvGrpSpPr>
-      <p:grpSpPr>
-        <a:xfrm>
-          <a:off x="0" y="0"/>
-          <a:ext cx="0" cy="0"/>
-          <a:chOff x="0" y="0"/>
-          <a:chExt cx="0" cy="0"/>
-        </a:xfrm>
-      </p:grpSpPr>
-      <p:sp>
-        <p:nvSpPr>
-          <p:cNvPr id="2" name="标题 1"/>
+      <p:grpSpPr/>
+      <p:pic>
+        <p:nvPicPr>
+          <p:cNvPr id="5" name="图片 4"/>
+          <p:cNvPicPr>
+            <a:picLocks noChangeAspect="1"/>
+          </p:cNvPicPr>
+          <p:nvPr>
+            <p:custDataLst>
+              <p:tags r:id="rId1"/>
+            </p:custDataLst>
+          </p:nvPr>
+        </p:nvPicPr>
+        <p:blipFill>
+          <a:blip r:embed="rId2"/>
+          <a:stretch>
+            <a:fillRect/>
+          </a:stretch>
+        </p:blipFill>
+        <p:spPr>
+          <a:xfrm>
+            <a:off x="4753610" y="3098165"/>
+            <a:ext cx="7058025" cy="3476625"/>
+          </a:xfrm>
+          <a:prstGeom prst="rect">
+            <a:avLst/>
+          </a:prstGeom>
+        </p:spPr>
+      </p:pic>
+      <p:sp>
+        <p:nvSpPr>
+          <p:cNvPr id="3" name="内容占位符 2"/>
+          <p:cNvSpPr>
+            <a:spLocks noGrp="1"/>
+          </p:cNvSpPr>
+          <p:nvPr>
+            <p:ph idx="1"/>
+          </p:nvPr>
+        </p:nvSpPr>
+        <p:spPr>
+          <a:xfrm>
+            <a:off x="677545" y="1489075"/>
+            <a:ext cx="8228330" cy="2074545"/>
+          </a:xfrm>
+        </p:spPr>
+        <p:txBody>
+          <a:bodyPr/>
+          <a:p>
+            <a:pPr marL="0" indent="0">
+              <a:buNone/>
+            </a:pPr>
+            <a:r>
+              <a:rPr lang="zh-CN" altLang="en-US" sz="2000"/>
+              <a:t>定义：将一个类的接口转换成客户希望的另一个接口。</a:t>
+            </a:r>
+            <a:r>
+              <a:rPr lang="en-US" altLang="zh-CN" sz="2000"/>
+              <a:t>Adapter</a:t>
+            </a:r>
+            <a:r>
+              <a:rPr lang="zh-CN" altLang="en-US" sz="2000"/>
+              <a:t>模式使得原本由于接口不兼容而不能一起工作的那些类可以一起工作。</a:t>
+            </a:r>
+            <a:endParaRPr lang="zh-CN" altLang="en-US" sz="2000"/>
+          </a:p>
+        </p:txBody>
+      </p:sp>
+      <p:sp>
+        <p:nvSpPr>
+          <p:cNvPr id="4" name="标题 3"/>
           <p:cNvSpPr>
             <a:spLocks noGrp="1"/>
           </p:cNvSpPr>
@@ -6361,52 +6468,24 @@
             <p:ph type="title"/>
           </p:nvPr>
         </p:nvSpPr>
-        <p:spPr/>
-        <p:txBody>
-          <a:bodyPr>
-            <a:normAutofit fontScale="90000"/>
-          </a:bodyPr>
-          <a:lstStyle/>
+        <p:spPr>
+          <a:xfrm>
+            <a:off x="677545" y="609600"/>
+            <a:ext cx="8596630" cy="742315"/>
+          </a:xfrm>
+        </p:spPr>
+        <p:txBody>
+          <a:bodyPr/>
           <a:p>
             <a:r>
               <a:rPr lang="zh-CN" altLang="en-US" dirty="0"/>
-              <a:t>享元模式（</a:t>
+              <a:t>适配器模式</a:t>
             </a:r>
             <a:r>
               <a:rPr lang="en-US" altLang="zh-CN" dirty="0"/>
-              <a:t>Flyweight</a:t>
-            </a:r>
-            <a:r>
-              <a:rPr lang="zh-CN" altLang="en-US" dirty="0"/>
-              <a:t>）</a:t>
-            </a:r>
-            <a:r>
-              <a:rPr lang="zh-CN" altLang="en-US" sz="1800" dirty="0"/>
-              <a:t>  运用共享技术有效地支持大量细粒度的对象</a:t>
-            </a:r>
-            <a:br>
-              <a:rPr lang="zh-CN" altLang="en-US" dirty="0"/>
-            </a:br>
-            <a:endParaRPr lang="zh-CN" altLang="en-US" dirty="0"/>
-          </a:p>
-        </p:txBody>
-      </p:sp>
-      <p:sp>
-        <p:nvSpPr>
-          <p:cNvPr id="3" name="内容占位符 2"/>
-          <p:cNvSpPr>
-            <a:spLocks noGrp="1"/>
-          </p:cNvSpPr>
-          <p:nvPr>
-            <p:ph idx="1"/>
-          </p:nvPr>
-        </p:nvSpPr>
-        <p:spPr/>
-        <p:txBody>
-          <a:bodyPr/>
-          <a:lstStyle/>
-          <a:p>
-            <a:endParaRPr lang="zh-CN" altLang="en-US" dirty="0"/>
+              <a:t>(Adapter)</a:t>
+            </a:r>
+            <a:endParaRPr lang="en-US" altLang="zh-CN" dirty="0"/>
           </a:p>
         </p:txBody>
       </p:sp>
@@ -6447,6 +6526,90 @@
         </p:nvSpPr>
         <p:spPr/>
         <p:txBody>
+          <a:bodyPr>
+            <a:normAutofit fontScale="90000"/>
+          </a:bodyPr>
+          <a:lstStyle/>
+          <a:p>
+            <a:r>
+              <a:rPr lang="zh-CN" altLang="en-US" dirty="0"/>
+              <a:t>享元模式（</a:t>
+            </a:r>
+            <a:r>
+              <a:rPr lang="en-US" altLang="zh-CN" dirty="0"/>
+              <a:t>Flyweight</a:t>
+            </a:r>
+            <a:r>
+              <a:rPr lang="zh-CN" altLang="en-US" dirty="0"/>
+              <a:t>）</a:t>
+            </a:r>
+            <a:r>
+              <a:rPr lang="zh-CN" altLang="en-US" sz="1800" dirty="0"/>
+              <a:t>  运用共享技术有效地支持大量细粒度的对象</a:t>
+            </a:r>
+            <a:br>
+              <a:rPr lang="zh-CN" altLang="en-US" dirty="0"/>
+            </a:br>
+            <a:endParaRPr lang="zh-CN" altLang="en-US" dirty="0"/>
+          </a:p>
+        </p:txBody>
+      </p:sp>
+      <p:sp>
+        <p:nvSpPr>
+          <p:cNvPr id="3" name="内容占位符 2"/>
+          <p:cNvSpPr>
+            <a:spLocks noGrp="1"/>
+          </p:cNvSpPr>
+          <p:nvPr>
+            <p:ph idx="1"/>
+          </p:nvPr>
+        </p:nvSpPr>
+        <p:spPr/>
+        <p:txBody>
+          <a:bodyPr/>
+          <a:lstStyle/>
+          <a:p>
+            <a:endParaRPr lang="zh-CN" altLang="en-US" dirty="0"/>
+          </a:p>
+        </p:txBody>
+      </p:sp>
+    </p:spTree>
+  </p:cSld>
+  <p:clrMapOvr>
+    <a:masterClrMapping/>
+  </p:clrMapOvr>
+</p:sld>
+</file>
+
+<file path=ppt/slides/slide9.xml><?xml version="1.0" encoding="utf-8"?>
+<p:sld xmlns:a="http://schemas.openxmlformats.org/drawingml/2006/main" xmlns:r="http://schemas.openxmlformats.org/officeDocument/2006/relationships" xmlns:p="http://schemas.openxmlformats.org/presentationml/2006/main">
+  <p:cSld>
+    <p:spTree>
+      <p:nvGrpSpPr>
+        <p:cNvPr id="1" name=""/>
+        <p:cNvGrpSpPr/>
+        <p:nvPr/>
+      </p:nvGrpSpPr>
+      <p:grpSpPr>
+        <a:xfrm>
+          <a:off x="0" y="0"/>
+          <a:ext cx="0" cy="0"/>
+          <a:chOff x="0" y="0"/>
+          <a:chExt cx="0" cy="0"/>
+        </a:xfrm>
+      </p:grpSpPr>
+      <p:sp>
+        <p:nvSpPr>
+          <p:cNvPr id="2" name="标题 1"/>
+          <p:cNvSpPr>
+            <a:spLocks noGrp="1"/>
+          </p:cNvSpPr>
+          <p:nvPr>
+            <p:ph type="title"/>
+          </p:nvPr>
+        </p:nvSpPr>
+        <p:spPr/>
+        <p:txBody>
           <a:bodyPr/>
           <a:lstStyle/>
           <a:p>
@@ -6466,6 +6629,7 @@
               <a:rPr lang="zh-CN" altLang="en-US" sz="1600" dirty="0"/>
               <a:t>表示一个作用于某对象结构中的各元素的操作。它使你可以在不改变各元素的类的前提下定义作用于这些元素的新操作。</a:t>
             </a:r>
+            <a:endParaRPr lang="zh-CN" altLang="en-US" sz="1600" dirty="0"/>
           </a:p>
         </p:txBody>
       </p:sp>
@@ -6525,9 +6689,16 @@
 </file>
 
 <file path=ppt/tags/tag1.xml><?xml version="1.0" encoding="utf-8"?>
-<p:tagLst xmlns:a="http://schemas.openxmlformats.org/drawingml/2006/main" xmlns:r="http://schemas.openxmlformats.org/officeDocument/2006/relationships" xmlns:p="http://schemas.openxmlformats.org/presentationml/2006/main">
+<p:tagLst xmlns:p="http://schemas.openxmlformats.org/presentationml/2006/main">
   <p:tag name="REFSHAPE" val="497523772"/>
   <p:tag name="KSO_WM_UNIT_PLACING_PICTURE_USER_VIEWPORT" val="{&quot;height&quot;:7245,&quot;width&quot;:12015}"/>
+</p:tagLst>
+</file>
+
+<file path=ppt/tags/tag2.xml><?xml version="1.0" encoding="utf-8"?>
+<p:tagLst xmlns:p="http://schemas.openxmlformats.org/presentationml/2006/main">
+  <p:tag name="REFSHAPE" val="542960260"/>
+  <p:tag name="KSO_WM_UNIT_PLACING_PICTURE_USER_VIEWPORT" val="{&quot;height&quot;:5475,&quot;width&quot;:11115}"/>
 </p:tagLst>
 </file>
 
@@ -6778,8 +6949,6 @@
       </a:bgFillStyleLst>
     </a:fmtScheme>
   </a:themeElements>
-  <a:objectDefaults/>
-  <a:extraClrSchemeLst/>
   <a:extLst>
     <a:ext uri="{05A4C25C-085E-4340-85A3-A5531E510DB2}">
       <thm15:themeFamily xmlns:thm15="http://schemas.microsoft.com/office/thememl/2012/main" name="Office Theme" id="{62F939B6-93AF-4DB8-9C6B-D6C7DFDC589F}" vid="{4A3C46E8-61CC-4603-A589-7422A47A8E4A}"/>

--- a/Design Pattern.pptx
+++ b/Design Pattern.pptx
@@ -6433,11 +6433,13 @@
         <p:spPr>
           <a:xfrm>
             <a:off x="677545" y="1489075"/>
-            <a:ext cx="8228330" cy="2074545"/>
+            <a:ext cx="8228330" cy="3865245"/>
           </a:xfrm>
         </p:spPr>
         <p:txBody>
-          <a:bodyPr/>
+          <a:bodyPr>
+            <a:normAutofit lnSpcReduction="20000"/>
+          </a:bodyPr>
           <a:p>
             <a:pPr marL="0" indent="0">
               <a:buNone/>
@@ -6453,6 +6455,78 @@
             <a:r>
               <a:rPr lang="zh-CN" altLang="en-US" sz="2000"/>
               <a:t>模式使得原本由于接口不兼容而不能一起工作的那些类可以一起工作。</a:t>
+            </a:r>
+            <a:endParaRPr lang="zh-CN" altLang="en-US" sz="2000"/>
+          </a:p>
+          <a:p>
+            <a:pPr marL="0" indent="0">
+              <a:buNone/>
+            </a:pPr>
+            <a:endParaRPr lang="zh-CN" altLang="en-US" sz="2000"/>
+          </a:p>
+          <a:p>
+            <a:pPr marL="0" indent="0">
+              <a:buNone/>
+            </a:pPr>
+            <a:r>
+              <a:rPr lang="zh-CN" altLang="en-US" sz="2000"/>
+              <a:t>适配器模式不可乱用。在我们使用第三方开发组件，</a:t>
+            </a:r>
+            <a:endParaRPr lang="zh-CN" altLang="en-US" sz="2000"/>
+          </a:p>
+          <a:p>
+            <a:pPr marL="0" indent="0">
+              <a:buNone/>
+            </a:pPr>
+            <a:r>
+              <a:rPr lang="zh-CN" altLang="en-US" sz="2000"/>
+              <a:t>而其与我们系统定义的接口不一样，</a:t>
+            </a:r>
+            <a:endParaRPr lang="zh-CN" altLang="en-US" sz="2000"/>
+          </a:p>
+          <a:p>
+            <a:pPr marL="0" indent="0">
+              <a:buNone/>
+            </a:pPr>
+            <a:r>
+              <a:rPr lang="zh-CN" altLang="en-US" sz="2000"/>
+              <a:t>这个时候就可以使用此模式了。</a:t>
+            </a:r>
+            <a:endParaRPr lang="zh-CN" altLang="en-US" sz="2000"/>
+          </a:p>
+          <a:p>
+            <a:pPr marL="0" indent="0">
+              <a:buNone/>
+            </a:pPr>
+            <a:endParaRPr lang="en-US" altLang="zh-CN" sz="2000"/>
+          </a:p>
+          <a:p>
+            <a:pPr marL="0" indent="0">
+              <a:buNone/>
+            </a:pPr>
+            <a:r>
+              <a:rPr lang="zh-CN" altLang="en-US" sz="2000"/>
+              <a:t>在公司内部，当有接口不同时，</a:t>
+            </a:r>
+            <a:endParaRPr lang="zh-CN" altLang="en-US" sz="2000"/>
+          </a:p>
+          <a:p>
+            <a:pPr marL="0" indent="0">
+              <a:buNone/>
+            </a:pPr>
+            <a:r>
+              <a:rPr lang="zh-CN" altLang="en-US" sz="2000"/>
+              <a:t>我们首先考虑的是重构，</a:t>
+            </a:r>
+            <a:endParaRPr lang="zh-CN" altLang="en-US" sz="2000"/>
+          </a:p>
+          <a:p>
+            <a:pPr marL="0" indent="0">
+              <a:buNone/>
+            </a:pPr>
+            <a:r>
+              <a:rPr lang="zh-CN" altLang="en-US" sz="2000"/>
+              <a:t>而不是适配器模式。</a:t>
             </a:r>
             <a:endParaRPr lang="zh-CN" altLang="en-US" sz="2000"/>
           </a:p>

--- a/Design Pattern.pptx
+++ b/Design Pattern.pptx
@@ -5,13 +5,14 @@
     <p:sldMasterId id="2147483648" r:id="rId1"/>
   </p:sldMasterIdLst>
   <p:sldIdLst>
-    <p:sldId id="256" r:id="rId3"/>
-    <p:sldId id="257" r:id="rId4"/>
-    <p:sldId id="258" r:id="rId5"/>
-    <p:sldId id="260" r:id="rId6"/>
-    <p:sldId id="264" r:id="rId7"/>
-    <p:sldId id="265" r:id="rId8"/>
-    <p:sldId id="268" r:id="rId9"/>
+    <p:sldId id="256" r:id="rId2"/>
+    <p:sldId id="257" r:id="rId3"/>
+    <p:sldId id="258" r:id="rId4"/>
+    <p:sldId id="260" r:id="rId5"/>
+    <p:sldId id="264" r:id="rId6"/>
+    <p:sldId id="265" r:id="rId7"/>
+    <p:sldId id="268" r:id="rId8"/>
+    <p:sldId id="269" r:id="rId9"/>
     <p:sldId id="259" r:id="rId10"/>
     <p:sldId id="261" r:id="rId11"/>
   </p:sldIdLst>
@@ -112,11 +113,16 @@
       </a:defRPr>
     </a:lvl9pPr>
   </p:defaultTextStyle>
+  <p:extLst>
+    <p:ext uri="{EFAFB233-063F-42B5-8137-9DF3F51BA10A}">
+      <p15:sldGuideLst xmlns:p15="http://schemas.microsoft.com/office/powerpoint/2012/main"/>
+    </p:ext>
+  </p:extLst>
 </p:presentation>
 </file>
 
 <file path=ppt/slideLayouts/slideLayout1.xml><?xml version="1.0" encoding="utf-8"?>
-<p:sldLayout xmlns:a="http://schemas.openxmlformats.org/drawingml/2006/main" xmlns:r="http://schemas.openxmlformats.org/officeDocument/2006/relationships" xmlns:p="http://schemas.openxmlformats.org/presentationml/2006/main" type="title" preserve="1" showMasterSp="0">
+<p:sldLayout xmlns:a="http://schemas.openxmlformats.org/drawingml/2006/main" xmlns:r="http://schemas.openxmlformats.org/officeDocument/2006/relationships" xmlns:p="http://schemas.openxmlformats.org/presentationml/2006/main" showMasterSp="0" type="title" preserve="1">
   <p:cSld name="标题幻灯片">
     <p:spTree>
       <p:nvGrpSpPr>
@@ -837,6 +843,7 @@
           <a:p>
             <a:fld id="{1DE13C8E-C6AE-4632-B4A4-5BFE243CF5CC}" type="datetimeFigureOut">
               <a:rPr lang="zh-CN" altLang="en-US" smtClean="0"/>
+              <a:t>2020/3/30</a:t>
             </a:fld>
             <a:endParaRPr lang="zh-CN" altLang="en-US"/>
           </a:p>
@@ -878,6 +885,7 @@
           <a:p>
             <a:fld id="{6114B45B-4BFA-47DC-BFB9-D6C02A51C277}" type="slidenum">
               <a:rPr lang="zh-CN" altLang="en-US" smtClean="0"/>
+              <a:t>‹#›</a:t>
             </a:fld>
             <a:endParaRPr lang="zh-CN" altLang="en-US"/>
           </a:p>
@@ -1061,7 +1069,6 @@
               <a:rPr lang="zh-CN" altLang="en-US"/>
               <a:t>单击此处编辑母版文本样式</a:t>
             </a:r>
-            <a:endParaRPr lang="zh-CN" altLang="en-US"/>
           </a:p>
         </p:txBody>
       </p:sp>
@@ -1082,6 +1089,7 @@
           <a:p>
             <a:fld id="{1DE13C8E-C6AE-4632-B4A4-5BFE243CF5CC}" type="datetimeFigureOut">
               <a:rPr lang="zh-CN" altLang="en-US" smtClean="0"/>
+              <a:t>2020/3/30</a:t>
             </a:fld>
             <a:endParaRPr lang="zh-CN" altLang="en-US"/>
           </a:p>
@@ -1123,6 +1131,7 @@
           <a:p>
             <a:fld id="{6114B45B-4BFA-47DC-BFB9-D6C02A51C277}" type="slidenum">
               <a:rPr lang="zh-CN" altLang="en-US" smtClean="0"/>
+              <a:t>‹#›</a:t>
             </a:fld>
             <a:endParaRPr lang="zh-CN" altLang="en-US"/>
           </a:p>
@@ -1247,7 +1256,6 @@
               <a:rPr lang="zh-CN" altLang="en-US"/>
               <a:t>单击此处编辑母版文本样式</a:t>
             </a:r>
-            <a:endParaRPr lang="zh-CN" altLang="en-US"/>
           </a:p>
         </p:txBody>
       </p:sp>
@@ -1370,7 +1378,6 @@
               <a:rPr lang="zh-CN" altLang="en-US"/>
               <a:t>单击此处编辑母版文本样式</a:t>
             </a:r>
-            <a:endParaRPr lang="zh-CN" altLang="en-US"/>
           </a:p>
         </p:txBody>
       </p:sp>
@@ -1391,6 +1398,7 @@
           <a:p>
             <a:fld id="{1DE13C8E-C6AE-4632-B4A4-5BFE243CF5CC}" type="datetimeFigureOut">
               <a:rPr lang="zh-CN" altLang="en-US" smtClean="0"/>
+              <a:t>2020/3/30</a:t>
             </a:fld>
             <a:endParaRPr lang="zh-CN" altLang="en-US"/>
           </a:p>
@@ -1432,6 +1440,7 @@
           <a:p>
             <a:fld id="{6114B45B-4BFA-47DC-BFB9-D6C02A51C277}" type="slidenum">
               <a:rPr lang="zh-CN" altLang="en-US" smtClean="0"/>
+              <a:t>‹#›</a:t>
             </a:fld>
             <a:endParaRPr lang="zh-CN" altLang="en-US"/>
           </a:p>
@@ -1475,19 +1484,6 @@
               </a:rPr>
               <a:t>“</a:t>
             </a:r>
-            <a:endParaRPr lang="en-US" sz="8000" baseline="0" dirty="0">
-              <a:ln w="3175" cmpd="sng">
-                <a:noFill/>
-              </a:ln>
-              <a:solidFill>
-                <a:schemeClr val="accent1">
-                  <a:lumMod val="60000"/>
-                  <a:lumOff val="40000"/>
-                </a:schemeClr>
-              </a:solidFill>
-              <a:effectLst/>
-              <a:latin typeface="Arial" panose="020B0604020202020204"/>
-            </a:endParaRPr>
           </a:p>
         </p:txBody>
       </p:sp>
@@ -1718,7 +1714,6 @@
               <a:rPr lang="zh-CN" altLang="en-US"/>
               <a:t>单击此处编辑母版文本样式</a:t>
             </a:r>
-            <a:endParaRPr lang="zh-CN" altLang="en-US"/>
           </a:p>
         </p:txBody>
       </p:sp>
@@ -1739,6 +1734,7 @@
           <a:p>
             <a:fld id="{1DE13C8E-C6AE-4632-B4A4-5BFE243CF5CC}" type="datetimeFigureOut">
               <a:rPr lang="zh-CN" altLang="en-US" smtClean="0"/>
+              <a:t>2020/3/30</a:t>
             </a:fld>
             <a:endParaRPr lang="zh-CN" altLang="en-US"/>
           </a:p>
@@ -1780,6 +1776,7 @@
           <a:p>
             <a:fld id="{6114B45B-4BFA-47DC-BFB9-D6C02A51C277}" type="slidenum">
               <a:rPr lang="zh-CN" altLang="en-US" smtClean="0"/>
+              <a:t>‹#›</a:t>
             </a:fld>
             <a:endParaRPr lang="zh-CN" altLang="en-US"/>
           </a:p>
@@ -1904,7 +1901,6 @@
               <a:rPr lang="zh-CN" altLang="en-US"/>
               <a:t>单击此处编辑母版文本样式</a:t>
             </a:r>
-            <a:endParaRPr lang="zh-CN" altLang="en-US"/>
           </a:p>
         </p:txBody>
       </p:sp>
@@ -2027,7 +2023,6 @@
               <a:rPr lang="zh-CN" altLang="en-US"/>
               <a:t>单击此处编辑母版文本样式</a:t>
             </a:r>
-            <a:endParaRPr lang="zh-CN" altLang="en-US"/>
           </a:p>
         </p:txBody>
       </p:sp>
@@ -2048,6 +2043,7 @@
           <a:p>
             <a:fld id="{1DE13C8E-C6AE-4632-B4A4-5BFE243CF5CC}" type="datetimeFigureOut">
               <a:rPr lang="zh-CN" altLang="en-US" smtClean="0"/>
+              <a:t>2020/3/30</a:t>
             </a:fld>
             <a:endParaRPr lang="zh-CN" altLang="en-US"/>
           </a:p>
@@ -2089,6 +2085,7 @@
           <a:p>
             <a:fld id="{6114B45B-4BFA-47DC-BFB9-D6C02A51C277}" type="slidenum">
               <a:rPr lang="zh-CN" altLang="en-US" smtClean="0"/>
+              <a:t>‹#›</a:t>
             </a:fld>
             <a:endParaRPr lang="zh-CN" altLang="en-US"/>
           </a:p>
@@ -2132,19 +2129,6 @@
               </a:rPr>
               <a:t>“</a:t>
             </a:r>
-            <a:endParaRPr lang="en-US" sz="8000" baseline="0" dirty="0">
-              <a:ln w="3175" cmpd="sng">
-                <a:noFill/>
-              </a:ln>
-              <a:solidFill>
-                <a:schemeClr val="accent1">
-                  <a:lumMod val="60000"/>
-                  <a:lumOff val="40000"/>
-                </a:schemeClr>
-              </a:solidFill>
-              <a:effectLst/>
-              <a:latin typeface="Arial" panose="020B0604020202020204"/>
-            </a:endParaRPr>
           </a:p>
         </p:txBody>
       </p:sp>
@@ -2186,19 +2170,6 @@
               </a:rPr>
               <a:t>”</a:t>
             </a:r>
-            <a:endParaRPr lang="en-US" sz="8000" baseline="0" dirty="0">
-              <a:ln w="3175" cmpd="sng">
-                <a:noFill/>
-              </a:ln>
-              <a:solidFill>
-                <a:schemeClr val="accent1">
-                  <a:lumMod val="60000"/>
-                  <a:lumOff val="40000"/>
-                </a:schemeClr>
-              </a:solidFill>
-              <a:effectLst/>
-              <a:latin typeface="Arial" panose="020B0604020202020204"/>
-            </a:endParaRPr>
           </a:p>
         </p:txBody>
       </p:sp>
@@ -2318,7 +2289,6 @@
               <a:rPr lang="zh-CN" altLang="en-US"/>
               <a:t>单击此处编辑母版文本样式</a:t>
             </a:r>
-            <a:endParaRPr lang="zh-CN" altLang="en-US"/>
           </a:p>
         </p:txBody>
       </p:sp>
@@ -2441,7 +2411,6 @@
               <a:rPr lang="zh-CN" altLang="en-US"/>
               <a:t>单击此处编辑母版文本样式</a:t>
             </a:r>
-            <a:endParaRPr lang="zh-CN" altLang="en-US"/>
           </a:p>
         </p:txBody>
       </p:sp>
@@ -2462,6 +2431,7 @@
           <a:p>
             <a:fld id="{1DE13C8E-C6AE-4632-B4A4-5BFE243CF5CC}" type="datetimeFigureOut">
               <a:rPr lang="zh-CN" altLang="en-US" smtClean="0"/>
+              <a:t>2020/3/30</a:t>
             </a:fld>
             <a:endParaRPr lang="zh-CN" altLang="en-US"/>
           </a:p>
@@ -2503,6 +2473,7 @@
           <a:p>
             <a:fld id="{6114B45B-4BFA-47DC-BFB9-D6C02A51C277}" type="slidenum">
               <a:rPr lang="zh-CN" altLang="en-US" smtClean="0"/>
+              <a:t>‹#›</a:t>
             </a:fld>
             <a:endParaRPr lang="zh-CN" altLang="en-US"/>
           </a:p>
@@ -2576,7 +2547,6 @@
               <a:rPr lang="zh-CN" altLang="en-US"/>
               <a:t>单击此处编辑母版文本样式</a:t>
             </a:r>
-            <a:endParaRPr lang="zh-CN" altLang="en-US"/>
           </a:p>
           <a:p>
             <a:pPr lvl="1"/>
@@ -2584,7 +2554,6 @@
               <a:rPr lang="zh-CN" altLang="en-US"/>
               <a:t>二级</a:t>
             </a:r>
-            <a:endParaRPr lang="zh-CN" altLang="en-US"/>
           </a:p>
           <a:p>
             <a:pPr lvl="2"/>
@@ -2592,7 +2561,6 @@
               <a:rPr lang="zh-CN" altLang="en-US"/>
               <a:t>三级</a:t>
             </a:r>
-            <a:endParaRPr lang="zh-CN" altLang="en-US"/>
           </a:p>
           <a:p>
             <a:pPr lvl="3"/>
@@ -2600,7 +2568,6 @@
               <a:rPr lang="zh-CN" altLang="en-US"/>
               <a:t>四级</a:t>
             </a:r>
-            <a:endParaRPr lang="zh-CN" altLang="en-US"/>
           </a:p>
           <a:p>
             <a:pPr lvl="4"/>
@@ -2629,6 +2596,7 @@
           <a:p>
             <a:fld id="{1DE13C8E-C6AE-4632-B4A4-5BFE243CF5CC}" type="datetimeFigureOut">
               <a:rPr lang="zh-CN" altLang="en-US" smtClean="0"/>
+              <a:t>2020/3/30</a:t>
             </a:fld>
             <a:endParaRPr lang="zh-CN" altLang="en-US"/>
           </a:p>
@@ -2670,6 +2638,7 @@
           <a:p>
             <a:fld id="{6114B45B-4BFA-47DC-BFB9-D6C02A51C277}" type="slidenum">
               <a:rPr lang="zh-CN" altLang="en-US" smtClean="0"/>
+              <a:t>‹#›</a:t>
             </a:fld>
             <a:endParaRPr lang="zh-CN" altLang="en-US"/>
           </a:p>
@@ -2753,7 +2722,6 @@
               <a:rPr lang="zh-CN" altLang="en-US"/>
               <a:t>单击此处编辑母版文本样式</a:t>
             </a:r>
-            <a:endParaRPr lang="zh-CN" altLang="en-US"/>
           </a:p>
           <a:p>
             <a:pPr lvl="1"/>
@@ -2761,7 +2729,6 @@
               <a:rPr lang="zh-CN" altLang="en-US"/>
               <a:t>二级</a:t>
             </a:r>
-            <a:endParaRPr lang="zh-CN" altLang="en-US"/>
           </a:p>
           <a:p>
             <a:pPr lvl="2"/>
@@ -2769,7 +2736,6 @@
               <a:rPr lang="zh-CN" altLang="en-US"/>
               <a:t>三级</a:t>
             </a:r>
-            <a:endParaRPr lang="zh-CN" altLang="en-US"/>
           </a:p>
           <a:p>
             <a:pPr lvl="3"/>
@@ -2777,7 +2743,6 @@
               <a:rPr lang="zh-CN" altLang="en-US"/>
               <a:t>四级</a:t>
             </a:r>
-            <a:endParaRPr lang="zh-CN" altLang="en-US"/>
           </a:p>
           <a:p>
             <a:pPr lvl="4"/>
@@ -2806,6 +2771,7 @@
           <a:p>
             <a:fld id="{1DE13C8E-C6AE-4632-B4A4-5BFE243CF5CC}" type="datetimeFigureOut">
               <a:rPr lang="zh-CN" altLang="en-US" smtClean="0"/>
+              <a:t>2020/3/30</a:t>
             </a:fld>
             <a:endParaRPr lang="zh-CN" altLang="en-US"/>
           </a:p>
@@ -2847,6 +2813,7 @@
           <a:p>
             <a:fld id="{6114B45B-4BFA-47DC-BFB9-D6C02A51C277}" type="slidenum">
               <a:rPr lang="zh-CN" altLang="en-US" smtClean="0"/>
+              <a:t>‹#›</a:t>
             </a:fld>
             <a:endParaRPr lang="zh-CN" altLang="en-US"/>
           </a:p>
@@ -2926,7 +2893,6 @@
               <a:rPr lang="zh-CN" altLang="en-US"/>
               <a:t>单击此处编辑母版文本样式</a:t>
             </a:r>
-            <a:endParaRPr lang="zh-CN" altLang="en-US"/>
           </a:p>
           <a:p>
             <a:pPr lvl="1"/>
@@ -2934,7 +2900,6 @@
               <a:rPr lang="zh-CN" altLang="en-US"/>
               <a:t>二级</a:t>
             </a:r>
-            <a:endParaRPr lang="zh-CN" altLang="en-US"/>
           </a:p>
           <a:p>
             <a:pPr lvl="2"/>
@@ -2942,7 +2907,6 @@
               <a:rPr lang="zh-CN" altLang="en-US"/>
               <a:t>三级</a:t>
             </a:r>
-            <a:endParaRPr lang="zh-CN" altLang="en-US"/>
           </a:p>
           <a:p>
             <a:pPr lvl="3"/>
@@ -2950,7 +2914,6 @@
               <a:rPr lang="zh-CN" altLang="en-US"/>
               <a:t>四级</a:t>
             </a:r>
-            <a:endParaRPr lang="zh-CN" altLang="en-US"/>
           </a:p>
           <a:p>
             <a:pPr lvl="4"/>
@@ -2979,6 +2942,7 @@
           <a:p>
             <a:fld id="{1DE13C8E-C6AE-4632-B4A4-5BFE243CF5CC}" type="datetimeFigureOut">
               <a:rPr lang="zh-CN" altLang="en-US" smtClean="0"/>
+              <a:t>2020/3/30</a:t>
             </a:fld>
             <a:endParaRPr lang="zh-CN" altLang="en-US"/>
           </a:p>
@@ -3020,6 +2984,7 @@
           <a:p>
             <a:fld id="{6114B45B-4BFA-47DC-BFB9-D6C02A51C277}" type="slidenum">
               <a:rPr lang="zh-CN" altLang="en-US" smtClean="0"/>
+              <a:t>‹#›</a:t>
             </a:fld>
             <a:endParaRPr lang="zh-CN" altLang="en-US"/>
           </a:p>
@@ -3199,7 +3164,6 @@
               <a:rPr lang="zh-CN" altLang="en-US"/>
               <a:t>单击此处编辑母版文本样式</a:t>
             </a:r>
-            <a:endParaRPr lang="zh-CN" altLang="en-US"/>
           </a:p>
         </p:txBody>
       </p:sp>
@@ -3220,6 +3184,7 @@
           <a:p>
             <a:fld id="{1DE13C8E-C6AE-4632-B4A4-5BFE243CF5CC}" type="datetimeFigureOut">
               <a:rPr lang="zh-CN" altLang="en-US" smtClean="0"/>
+              <a:t>2020/3/30</a:t>
             </a:fld>
             <a:endParaRPr lang="zh-CN" altLang="en-US"/>
           </a:p>
@@ -3261,6 +3226,7 @@
           <a:p>
             <a:fld id="{6114B45B-4BFA-47DC-BFB9-D6C02A51C277}" type="slidenum">
               <a:rPr lang="zh-CN" altLang="en-US" smtClean="0"/>
+              <a:t>‹#›</a:t>
             </a:fld>
             <a:endParaRPr lang="zh-CN" altLang="en-US"/>
           </a:p>
@@ -3339,7 +3305,6 @@
               <a:rPr lang="zh-CN" altLang="en-US"/>
               <a:t>单击此处编辑母版文本样式</a:t>
             </a:r>
-            <a:endParaRPr lang="zh-CN" altLang="en-US"/>
           </a:p>
           <a:p>
             <a:pPr lvl="1"/>
@@ -3347,7 +3312,6 @@
               <a:rPr lang="zh-CN" altLang="en-US"/>
               <a:t>二级</a:t>
             </a:r>
-            <a:endParaRPr lang="zh-CN" altLang="en-US"/>
           </a:p>
           <a:p>
             <a:pPr lvl="2"/>
@@ -3355,7 +3319,6 @@
               <a:rPr lang="zh-CN" altLang="en-US"/>
               <a:t>三级</a:t>
             </a:r>
-            <a:endParaRPr lang="zh-CN" altLang="en-US"/>
           </a:p>
           <a:p>
             <a:pPr lvl="3"/>
@@ -3363,7 +3326,6 @@
               <a:rPr lang="zh-CN" altLang="en-US"/>
               <a:t>四级</a:t>
             </a:r>
-            <a:endParaRPr lang="zh-CN" altLang="en-US"/>
           </a:p>
           <a:p>
             <a:pPr lvl="4"/>
@@ -3400,7 +3362,6 @@
               <a:rPr lang="zh-CN" altLang="en-US"/>
               <a:t>单击此处编辑母版文本样式</a:t>
             </a:r>
-            <a:endParaRPr lang="zh-CN" altLang="en-US"/>
           </a:p>
           <a:p>
             <a:pPr lvl="1"/>
@@ -3408,7 +3369,6 @@
               <a:rPr lang="zh-CN" altLang="en-US"/>
               <a:t>二级</a:t>
             </a:r>
-            <a:endParaRPr lang="zh-CN" altLang="en-US"/>
           </a:p>
           <a:p>
             <a:pPr lvl="2"/>
@@ -3416,7 +3376,6 @@
               <a:rPr lang="zh-CN" altLang="en-US"/>
               <a:t>三级</a:t>
             </a:r>
-            <a:endParaRPr lang="zh-CN" altLang="en-US"/>
           </a:p>
           <a:p>
             <a:pPr lvl="3"/>
@@ -3424,7 +3383,6 @@
               <a:rPr lang="zh-CN" altLang="en-US"/>
               <a:t>四级</a:t>
             </a:r>
-            <a:endParaRPr lang="zh-CN" altLang="en-US"/>
           </a:p>
           <a:p>
             <a:pPr lvl="4"/>
@@ -3453,6 +3411,7 @@
           <a:p>
             <a:fld id="{1DE13C8E-C6AE-4632-B4A4-5BFE243CF5CC}" type="datetimeFigureOut">
               <a:rPr lang="zh-CN" altLang="en-US" smtClean="0"/>
+              <a:t>2020/3/30</a:t>
             </a:fld>
             <a:endParaRPr lang="zh-CN" altLang="en-US"/>
           </a:p>
@@ -3494,6 +3453,7 @@
           <a:p>
             <a:fld id="{6114B45B-4BFA-47DC-BFB9-D6C02A51C277}" type="slidenum">
               <a:rPr lang="zh-CN" altLang="en-US" smtClean="0"/>
+              <a:t>‹#›</a:t>
             </a:fld>
             <a:endParaRPr lang="zh-CN" altLang="en-US"/>
           </a:p>
@@ -3615,7 +3575,6 @@
               <a:rPr lang="zh-CN" altLang="en-US"/>
               <a:t>单击此处编辑母版文本样式</a:t>
             </a:r>
-            <a:endParaRPr lang="zh-CN" altLang="en-US"/>
           </a:p>
         </p:txBody>
       </p:sp>
@@ -3646,7 +3605,6 @@
               <a:rPr lang="zh-CN" altLang="en-US"/>
               <a:t>单击此处编辑母版文本样式</a:t>
             </a:r>
-            <a:endParaRPr lang="zh-CN" altLang="en-US"/>
           </a:p>
           <a:p>
             <a:pPr lvl="1"/>
@@ -3654,7 +3612,6 @@
               <a:rPr lang="zh-CN" altLang="en-US"/>
               <a:t>二级</a:t>
             </a:r>
-            <a:endParaRPr lang="zh-CN" altLang="en-US"/>
           </a:p>
           <a:p>
             <a:pPr lvl="2"/>
@@ -3662,7 +3619,6 @@
               <a:rPr lang="zh-CN" altLang="en-US"/>
               <a:t>三级</a:t>
             </a:r>
-            <a:endParaRPr lang="zh-CN" altLang="en-US"/>
           </a:p>
           <a:p>
             <a:pPr lvl="3"/>
@@ -3670,7 +3626,6 @@
               <a:rPr lang="zh-CN" altLang="en-US"/>
               <a:t>四级</a:t>
             </a:r>
-            <a:endParaRPr lang="zh-CN" altLang="en-US"/>
           </a:p>
           <a:p>
             <a:pPr lvl="4"/>
@@ -3746,7 +3701,6 @@
               <a:rPr lang="zh-CN" altLang="en-US"/>
               <a:t>单击此处编辑母版文本样式</a:t>
             </a:r>
-            <a:endParaRPr lang="zh-CN" altLang="en-US"/>
           </a:p>
         </p:txBody>
       </p:sp>
@@ -3777,7 +3731,6 @@
               <a:rPr lang="zh-CN" altLang="en-US"/>
               <a:t>单击此处编辑母版文本样式</a:t>
             </a:r>
-            <a:endParaRPr lang="zh-CN" altLang="en-US"/>
           </a:p>
           <a:p>
             <a:pPr lvl="1"/>
@@ -3785,7 +3738,6 @@
               <a:rPr lang="zh-CN" altLang="en-US"/>
               <a:t>二级</a:t>
             </a:r>
-            <a:endParaRPr lang="zh-CN" altLang="en-US"/>
           </a:p>
           <a:p>
             <a:pPr lvl="2"/>
@@ -3793,7 +3745,6 @@
               <a:rPr lang="zh-CN" altLang="en-US"/>
               <a:t>三级</a:t>
             </a:r>
-            <a:endParaRPr lang="zh-CN" altLang="en-US"/>
           </a:p>
           <a:p>
             <a:pPr lvl="3"/>
@@ -3801,7 +3752,6 @@
               <a:rPr lang="zh-CN" altLang="en-US"/>
               <a:t>四级</a:t>
             </a:r>
-            <a:endParaRPr lang="zh-CN" altLang="en-US"/>
           </a:p>
           <a:p>
             <a:pPr lvl="4"/>
@@ -3830,6 +3780,7 @@
           <a:p>
             <a:fld id="{1DE13C8E-C6AE-4632-B4A4-5BFE243CF5CC}" type="datetimeFigureOut">
               <a:rPr lang="zh-CN" altLang="en-US" smtClean="0"/>
+              <a:t>2020/3/30</a:t>
             </a:fld>
             <a:endParaRPr lang="zh-CN" altLang="en-US"/>
           </a:p>
@@ -3871,6 +3822,7 @@
           <a:p>
             <a:fld id="{6114B45B-4BFA-47DC-BFB9-D6C02A51C277}" type="slidenum">
               <a:rPr lang="zh-CN" altLang="en-US" smtClean="0"/>
+              <a:t>‹#›</a:t>
             </a:fld>
             <a:endParaRPr lang="zh-CN" altLang="en-US"/>
           </a:p>
@@ -3946,6 +3898,7 @@
           <a:p>
             <a:fld id="{1DE13C8E-C6AE-4632-B4A4-5BFE243CF5CC}" type="datetimeFigureOut">
               <a:rPr lang="zh-CN" altLang="en-US" smtClean="0"/>
+              <a:t>2020/3/30</a:t>
             </a:fld>
             <a:endParaRPr lang="zh-CN" altLang="en-US"/>
           </a:p>
@@ -3987,6 +3940,7 @@
           <a:p>
             <a:fld id="{6114B45B-4BFA-47DC-BFB9-D6C02A51C277}" type="slidenum">
               <a:rPr lang="zh-CN" altLang="en-US" smtClean="0"/>
+              <a:t>‹#›</a:t>
             </a:fld>
             <a:endParaRPr lang="zh-CN" altLang="en-US"/>
           </a:p>
@@ -4034,6 +3988,7 @@
           <a:p>
             <a:fld id="{1DE13C8E-C6AE-4632-B4A4-5BFE243CF5CC}" type="datetimeFigureOut">
               <a:rPr lang="zh-CN" altLang="en-US" smtClean="0"/>
+              <a:t>2020/3/30</a:t>
             </a:fld>
             <a:endParaRPr lang="zh-CN" altLang="en-US"/>
           </a:p>
@@ -4075,6 +4030,7 @@
           <a:p>
             <a:fld id="{6114B45B-4BFA-47DC-BFB9-D6C02A51C277}" type="slidenum">
               <a:rPr lang="zh-CN" altLang="en-US" smtClean="0"/>
+              <a:t>‹#›</a:t>
             </a:fld>
             <a:endParaRPr lang="zh-CN" altLang="en-US"/>
           </a:p>
@@ -4166,7 +4122,6 @@
               <a:rPr lang="zh-CN" altLang="en-US"/>
               <a:t>单击此处编辑母版文本样式</a:t>
             </a:r>
-            <a:endParaRPr lang="zh-CN" altLang="en-US"/>
           </a:p>
           <a:p>
             <a:pPr lvl="1"/>
@@ -4174,7 +4129,6 @@
               <a:rPr lang="zh-CN" altLang="en-US"/>
               <a:t>二级</a:t>
             </a:r>
-            <a:endParaRPr lang="zh-CN" altLang="en-US"/>
           </a:p>
           <a:p>
             <a:pPr lvl="2"/>
@@ -4182,7 +4136,6 @@
               <a:rPr lang="zh-CN" altLang="en-US"/>
               <a:t>三级</a:t>
             </a:r>
-            <a:endParaRPr lang="zh-CN" altLang="en-US"/>
           </a:p>
           <a:p>
             <a:pPr lvl="3"/>
@@ -4190,7 +4143,6 @@
               <a:rPr lang="zh-CN" altLang="en-US"/>
               <a:t>四级</a:t>
             </a:r>
-            <a:endParaRPr lang="zh-CN" altLang="en-US"/>
           </a:p>
           <a:p>
             <a:pPr lvl="4"/>
@@ -4266,7 +4218,6 @@
               <a:rPr lang="zh-CN" altLang="en-US"/>
               <a:t>单击此处编辑母版文本样式</a:t>
             </a:r>
-            <a:endParaRPr lang="zh-CN" altLang="en-US"/>
           </a:p>
         </p:txBody>
       </p:sp>
@@ -4287,6 +4238,7 @@
           <a:p>
             <a:fld id="{1DE13C8E-C6AE-4632-B4A4-5BFE243CF5CC}" type="datetimeFigureOut">
               <a:rPr lang="zh-CN" altLang="en-US" smtClean="0"/>
+              <a:t>2020/3/30</a:t>
             </a:fld>
             <a:endParaRPr lang="zh-CN" altLang="en-US"/>
           </a:p>
@@ -4328,6 +4280,7 @@
           <a:p>
             <a:fld id="{6114B45B-4BFA-47DC-BFB9-D6C02A51C277}" type="slidenum">
               <a:rPr lang="zh-CN" altLang="en-US" smtClean="0"/>
+              <a:t>‹#›</a:t>
             </a:fld>
             <a:endParaRPr lang="zh-CN" altLang="en-US"/>
           </a:p>
@@ -4523,7 +4476,6 @@
               <a:rPr lang="zh-CN" altLang="en-US"/>
               <a:t>单击此处编辑母版文本样式</a:t>
             </a:r>
-            <a:endParaRPr lang="zh-CN" altLang="en-US"/>
           </a:p>
         </p:txBody>
       </p:sp>
@@ -4544,6 +4496,7 @@
           <a:p>
             <a:fld id="{1DE13C8E-C6AE-4632-B4A4-5BFE243CF5CC}" type="datetimeFigureOut">
               <a:rPr lang="zh-CN" altLang="en-US" smtClean="0"/>
+              <a:t>2020/3/30</a:t>
             </a:fld>
             <a:endParaRPr lang="zh-CN" altLang="en-US"/>
           </a:p>
@@ -4585,6 +4538,7 @@
           <a:p>
             <a:fld id="{6114B45B-4BFA-47DC-BFB9-D6C02A51C277}" type="slidenum">
               <a:rPr lang="zh-CN" altLang="en-US" smtClean="0"/>
+              <a:t>‹#›</a:t>
             </a:fld>
             <a:endParaRPr lang="zh-CN" altLang="en-US"/>
           </a:p>
@@ -5213,7 +5167,6 @@
               <a:rPr lang="zh-CN" altLang="en-US"/>
               <a:t>单击此处编辑母版文本样式</a:t>
             </a:r>
-            <a:endParaRPr lang="zh-CN" altLang="en-US"/>
           </a:p>
           <a:p>
             <a:pPr lvl="1"/>
@@ -5221,7 +5174,6 @@
               <a:rPr lang="zh-CN" altLang="en-US"/>
               <a:t>二级</a:t>
             </a:r>
-            <a:endParaRPr lang="zh-CN" altLang="en-US"/>
           </a:p>
           <a:p>
             <a:pPr lvl="2"/>
@@ -5229,7 +5181,6 @@
               <a:rPr lang="zh-CN" altLang="en-US"/>
               <a:t>三级</a:t>
             </a:r>
-            <a:endParaRPr lang="zh-CN" altLang="en-US"/>
           </a:p>
           <a:p>
             <a:pPr lvl="3"/>
@@ -5237,7 +5188,6 @@
               <a:rPr lang="zh-CN" altLang="en-US"/>
               <a:t>四级</a:t>
             </a:r>
-            <a:endParaRPr lang="zh-CN" altLang="en-US"/>
           </a:p>
           <a:p>
             <a:pPr lvl="4"/>
@@ -5284,6 +5234,7 @@
           <a:p>
             <a:fld id="{1DE13C8E-C6AE-4632-B4A4-5BFE243CF5CC}" type="datetimeFigureOut">
               <a:rPr lang="zh-CN" altLang="en-US" smtClean="0"/>
+              <a:t>2020/3/30</a:t>
             </a:fld>
             <a:endParaRPr lang="zh-CN" altLang="en-US"/>
           </a:p>
@@ -5359,6 +5310,7 @@
           <a:p>
             <a:fld id="{6114B45B-4BFA-47DC-BFB9-D6C02A51C277}" type="slidenum">
               <a:rPr lang="zh-CN" altLang="en-US" smtClean="0"/>
+              <a:t>‹#›</a:t>
             </a:fld>
             <a:endParaRPr lang="zh-CN" altLang="en-US"/>
           </a:p>
@@ -5826,6 +5778,111 @@
               <a:rPr lang="zh-CN" altLang="en-US" dirty="0"/>
               <a:t>设计模式</a:t>
             </a:r>
+          </a:p>
+        </p:txBody>
+      </p:sp>
+    </p:spTree>
+  </p:cSld>
+  <p:clrMapOvr>
+    <a:masterClrMapping/>
+  </p:clrMapOvr>
+</p:sld>
+</file>
+
+<file path=ppt/slides/slide10.xml><?xml version="1.0" encoding="utf-8"?>
+<p:sld xmlns:a="http://schemas.openxmlformats.org/drawingml/2006/main" xmlns:r="http://schemas.openxmlformats.org/officeDocument/2006/relationships" xmlns:p="http://schemas.openxmlformats.org/presentationml/2006/main">
+  <p:cSld>
+    <p:spTree>
+      <p:nvGrpSpPr>
+        <p:cNvPr id="1" name=""/>
+        <p:cNvGrpSpPr/>
+        <p:nvPr/>
+      </p:nvGrpSpPr>
+      <p:grpSpPr>
+        <a:xfrm>
+          <a:off x="0" y="0"/>
+          <a:ext cx="0" cy="0"/>
+          <a:chOff x="0" y="0"/>
+          <a:chExt cx="0" cy="0"/>
+        </a:xfrm>
+      </p:grpSpPr>
+      <p:sp>
+        <p:nvSpPr>
+          <p:cNvPr id="2" name="标题 1"/>
+          <p:cNvSpPr>
+            <a:spLocks noGrp="1"/>
+          </p:cNvSpPr>
+          <p:nvPr>
+            <p:ph type="title"/>
+          </p:nvPr>
+        </p:nvSpPr>
+        <p:spPr/>
+        <p:txBody>
+          <a:bodyPr/>
+          <a:lstStyle/>
+          <a:p>
+            <a:r>
+              <a:rPr lang="zh-CN" altLang="en-US" dirty="0"/>
+              <a:t>访问者模式（</a:t>
+            </a:r>
+            <a:r>
+              <a:rPr lang="en-US" altLang="zh-CN" dirty="0"/>
+              <a:t>Visitor</a:t>
+            </a:r>
+            <a:r>
+              <a:rPr lang="zh-CN" altLang="en-US" dirty="0"/>
+              <a:t>）</a:t>
+            </a:r>
+            <a:r>
+              <a:rPr lang="zh-CN" altLang="en-US" sz="1600" dirty="0"/>
+              <a:t>表示一个作用于某对象结构中的各元素的操作。它使你可以在不改变各元素的类的前提下定义作用于这些元素的新操作。</a:t>
+            </a:r>
+          </a:p>
+        </p:txBody>
+      </p:sp>
+      <p:sp>
+        <p:nvSpPr>
+          <p:cNvPr id="3" name="内容占位符 2"/>
+          <p:cNvSpPr>
+            <a:spLocks noGrp="1"/>
+          </p:cNvSpPr>
+          <p:nvPr>
+            <p:ph idx="1"/>
+          </p:nvPr>
+        </p:nvSpPr>
+        <p:spPr/>
+        <p:txBody>
+          <a:bodyPr/>
+          <a:lstStyle/>
+          <a:p>
+            <a:r>
+              <a:rPr lang="zh-CN" altLang="en-US" dirty="0"/>
+              <a:t>作用于数据结构相对稳定的系统。</a:t>
+            </a:r>
+            <a:endParaRPr lang="en-US" altLang="zh-CN" dirty="0"/>
+          </a:p>
+          <a:p>
+            <a:r>
+              <a:rPr lang="zh-CN" altLang="en-US" dirty="0"/>
+              <a:t>如男人和女人对于某类行为的不同表现。</a:t>
+            </a:r>
+            <a:endParaRPr lang="en-US" altLang="zh-CN" dirty="0"/>
+          </a:p>
+          <a:p>
+            <a:r>
+              <a:rPr lang="zh-CN" altLang="en-US" dirty="0"/>
+              <a:t>某类行为就是访问者。后期添加对这种行为的不同表现比较容易。</a:t>
+            </a:r>
+            <a:endParaRPr lang="en-US" altLang="zh-CN" dirty="0"/>
+          </a:p>
+          <a:p>
+            <a:r>
+              <a:rPr lang="zh-CN" altLang="en-US" dirty="0"/>
+              <a:t>人的性别这种结构，比较少的类别才适合采用此模式。如果类别较多，不适合采用此模式了。</a:t>
+            </a:r>
+            <a:endParaRPr lang="en-US" altLang="zh-CN" dirty="0"/>
+          </a:p>
+          <a:p>
             <a:endParaRPr lang="zh-CN" altLang="en-US" dirty="0"/>
           </a:p>
         </p:txBody>
@@ -5874,7 +5931,6 @@
               <a:rPr lang="zh-CN" altLang="en-US" dirty="0"/>
               <a:t>一、分类</a:t>
             </a:r>
-            <a:endParaRPr lang="zh-CN" altLang="en-US" dirty="0"/>
           </a:p>
         </p:txBody>
       </p:sp>
@@ -5991,7 +6047,6 @@
               <a:rPr lang="zh-CN" altLang="en-US" dirty="0"/>
               <a:t>二、设计原则</a:t>
             </a:r>
-            <a:endParaRPr lang="zh-CN" altLang="en-US" dirty="0"/>
           </a:p>
         </p:txBody>
       </p:sp>
@@ -6104,7 +6159,6 @@
               <a:rPr lang="zh-CN" altLang="en-US" dirty="0"/>
               <a:t>三、模式介绍</a:t>
             </a:r>
-            <a:endParaRPr lang="zh-CN" altLang="en-US" dirty="0"/>
           </a:p>
         </p:txBody>
       </p:sp>
@@ -6130,7 +6184,6 @@
               <a:rPr lang="zh-CN" altLang="en-US" dirty="0"/>
               <a:t>接下来的章节将逐一介绍各个设计模式</a:t>
             </a:r>
-            <a:endParaRPr lang="zh-CN" altLang="en-US" dirty="0"/>
           </a:p>
         </p:txBody>
       </p:sp>
@@ -6172,7 +6225,7 @@
           </p:nvPr>
         </p:nvPicPr>
         <p:blipFill>
-          <a:blip r:embed="rId2"/>
+          <a:blip r:embed="rId3"/>
           <a:stretch>
             <a:fillRect/>
           </a:stretch>
@@ -6215,7 +6268,6 @@
               <a:rPr lang="en-US" altLang="zh-CN"/>
               <a:t>(Facade)</a:t>
             </a:r>
-            <a:endParaRPr lang="en-US" altLang="zh-CN"/>
           </a:p>
         </p:txBody>
       </p:sp>
@@ -6246,7 +6298,6 @@
               <a:rPr lang="zh-CN" altLang="en-US" sz="2000"/>
               <a:t>定义：为子系统中给的一组接口提供一个一致的界面，此模式定义了一个高层接口，这个接口使得这一子系统更加容易使用。</a:t>
             </a:r>
-            <a:endParaRPr lang="zh-CN" altLang="en-US" sz="2000"/>
           </a:p>
         </p:txBody>
       </p:sp>
@@ -6284,7 +6335,7 @@
           <p:nvPr/>
         </p:nvPicPr>
         <p:blipFill>
-          <a:blip r:embed="rId1"/>
+          <a:blip r:embed="rId2"/>
           <a:stretch>
             <a:fillRect/>
           </a:stretch>
@@ -6327,7 +6378,6 @@
               <a:rPr lang="en-US" altLang="zh-CN" dirty="0"/>
               <a:t>(Proxy)</a:t>
             </a:r>
-            <a:endParaRPr lang="en-US" altLang="zh-CN" dirty="0"/>
           </a:p>
         </p:txBody>
       </p:sp>
@@ -6370,7 +6420,6 @@
               <a:rPr lang="zh-CN" altLang="en-US" sz="2000" dirty="0"/>
               <a:t>代理模式可以在访问对象时引入一定程度的间接性，因为这种间接性，可以附加多种用途。</a:t>
             </a:r>
-            <a:endParaRPr lang="zh-CN" altLang="en-US" sz="2000" dirty="0"/>
           </a:p>
         </p:txBody>
       </p:sp>
@@ -6391,7 +6440,14 @@
         <p:cNvGrpSpPr/>
         <p:nvPr/>
       </p:nvGrpSpPr>
-      <p:grpSpPr/>
+      <p:grpSpPr>
+        <a:xfrm>
+          <a:off x="0" y="0"/>
+          <a:ext cx="0" cy="0"/>
+          <a:chOff x="0" y="0"/>
+          <a:chExt cx="0" cy="0"/>
+        </a:xfrm>
+      </p:grpSpPr>
       <p:pic>
         <p:nvPicPr>
           <p:cNvPr id="5" name="图片 4"/>
@@ -6405,7 +6461,7 @@
           </p:nvPr>
         </p:nvPicPr>
         <p:blipFill>
-          <a:blip r:embed="rId2"/>
+          <a:blip r:embed="rId3"/>
           <a:stretch>
             <a:fillRect/>
           </a:stretch>
@@ -6438,8 +6494,9 @@
         </p:spPr>
         <p:txBody>
           <a:bodyPr>
-            <a:normAutofit lnSpcReduction="20000"/>
+            <a:normAutofit lnSpcReduction="10000"/>
           </a:bodyPr>
+          <a:lstStyle/>
           <a:p>
             <a:pPr marL="0" indent="0">
               <a:buNone/>
@@ -6456,7 +6513,6 @@
               <a:rPr lang="zh-CN" altLang="en-US" sz="2000"/>
               <a:t>模式使得原本由于接口不兼容而不能一起工作的那些类可以一起工作。</a:t>
             </a:r>
-            <a:endParaRPr lang="zh-CN" altLang="en-US" sz="2000"/>
           </a:p>
           <a:p>
             <a:pPr marL="0" indent="0">
@@ -6472,7 +6528,6 @@
               <a:rPr lang="zh-CN" altLang="en-US" sz="2000"/>
               <a:t>适配器模式不可乱用。在我们使用第三方开发组件，</a:t>
             </a:r>
-            <a:endParaRPr lang="zh-CN" altLang="en-US" sz="2000"/>
           </a:p>
           <a:p>
             <a:pPr marL="0" indent="0">
@@ -6482,7 +6537,6 @@
               <a:rPr lang="zh-CN" altLang="en-US" sz="2000"/>
               <a:t>而其与我们系统定义的接口不一样，</a:t>
             </a:r>
-            <a:endParaRPr lang="zh-CN" altLang="en-US" sz="2000"/>
           </a:p>
           <a:p>
             <a:pPr marL="0" indent="0">
@@ -6492,7 +6546,6 @@
               <a:rPr lang="zh-CN" altLang="en-US" sz="2000"/>
               <a:t>这个时候就可以使用此模式了。</a:t>
             </a:r>
-            <a:endParaRPr lang="zh-CN" altLang="en-US" sz="2000"/>
           </a:p>
           <a:p>
             <a:pPr marL="0" indent="0">
@@ -6508,7 +6561,6 @@
               <a:rPr lang="zh-CN" altLang="en-US" sz="2000"/>
               <a:t>在公司内部，当有接口不同时，</a:t>
             </a:r>
-            <a:endParaRPr lang="zh-CN" altLang="en-US" sz="2000"/>
           </a:p>
           <a:p>
             <a:pPr marL="0" indent="0">
@@ -6518,7 +6570,6 @@
               <a:rPr lang="zh-CN" altLang="en-US" sz="2000"/>
               <a:t>我们首先考虑的是重构，</a:t>
             </a:r>
-            <a:endParaRPr lang="zh-CN" altLang="en-US" sz="2000"/>
           </a:p>
           <a:p>
             <a:pPr marL="0" indent="0">
@@ -6528,7 +6579,6 @@
               <a:rPr lang="zh-CN" altLang="en-US" sz="2000"/>
               <a:t>而不是适配器模式。</a:t>
             </a:r>
-            <a:endParaRPr lang="zh-CN" altLang="en-US" sz="2000"/>
           </a:p>
         </p:txBody>
       </p:sp>
@@ -6550,6 +6600,7 @@
         </p:spPr>
         <p:txBody>
           <a:bodyPr/>
+          <a:lstStyle/>
           <a:p>
             <a:r>
               <a:rPr lang="zh-CN" altLang="en-US" dirty="0"/>
@@ -6559,7 +6610,6 @@
               <a:rPr lang="en-US" altLang="zh-CN" dirty="0"/>
               <a:t>(Adapter)</a:t>
             </a:r>
-            <a:endParaRPr lang="en-US" altLang="zh-CN" dirty="0"/>
           </a:p>
         </p:txBody>
       </p:sp>
@@ -6588,9 +6638,133 @@
           <a:chExt cx="0" cy="0"/>
         </a:xfrm>
       </p:grpSpPr>
-      <p:sp>
-        <p:nvSpPr>
-          <p:cNvPr id="2" name="标题 1"/>
+      <p:pic>
+        <p:nvPicPr>
+          <p:cNvPr id="2" name="图片 1">
+            <a:extLst>
+              <a:ext uri="{FF2B5EF4-FFF2-40B4-BE49-F238E27FC236}">
+                <a16:creationId xmlns:a16="http://schemas.microsoft.com/office/drawing/2014/main" id="{334FCE81-C19D-416E-8C24-8F037972917A}"/>
+              </a:ext>
+            </a:extLst>
+          </p:cNvPr>
+          <p:cNvPicPr>
+            <a:picLocks noChangeAspect="1"/>
+          </p:cNvPicPr>
+          <p:nvPr/>
+        </p:nvPicPr>
+        <p:blipFill>
+          <a:blip r:embed="rId2"/>
+          <a:stretch>
+            <a:fillRect/>
+          </a:stretch>
+        </p:blipFill>
+        <p:spPr>
+          <a:xfrm>
+            <a:off x="5282440" y="2980266"/>
+            <a:ext cx="6801587" cy="3772123"/>
+          </a:xfrm>
+          <a:prstGeom prst="rect">
+            <a:avLst/>
+          </a:prstGeom>
+        </p:spPr>
+      </p:pic>
+      <p:sp>
+        <p:nvSpPr>
+          <p:cNvPr id="3" name="内容占位符 2"/>
+          <p:cNvSpPr>
+            <a:spLocks noGrp="1"/>
+          </p:cNvSpPr>
+          <p:nvPr>
+            <p:ph idx="1"/>
+          </p:nvPr>
+        </p:nvSpPr>
+        <p:spPr>
+          <a:xfrm>
+            <a:off x="677545" y="1489075"/>
+            <a:ext cx="8228330" cy="3865245"/>
+          </a:xfrm>
+        </p:spPr>
+        <p:txBody>
+          <a:bodyPr>
+            <a:normAutofit/>
+          </a:bodyPr>
+          <a:lstStyle/>
+          <a:p>
+            <a:pPr marL="0" indent="0">
+              <a:buNone/>
+            </a:pPr>
+            <a:r>
+              <a:rPr lang="zh-CN" altLang="en-US" sz="2000" dirty="0"/>
+              <a:t>定义：将抽象部分和它的实现部分分离，使它们都可以独立的变化。</a:t>
+            </a:r>
+            <a:endParaRPr lang="en-US" altLang="zh-CN" sz="2000" dirty="0"/>
+          </a:p>
+          <a:p>
+            <a:pPr marL="0" indent="0">
+              <a:buNone/>
+            </a:pPr>
+            <a:endParaRPr lang="en-US" altLang="zh-CN" sz="2000" dirty="0"/>
+          </a:p>
+          <a:p>
+            <a:pPr marL="0" indent="0">
+              <a:buNone/>
+            </a:pPr>
+            <a:r>
+              <a:rPr lang="zh-CN" altLang="en-US" sz="2000" dirty="0"/>
+              <a:t>实现指的是抽象类和它的派生类用来实现自己的对象。</a:t>
+            </a:r>
+            <a:endParaRPr lang="en-US" altLang="zh-CN" sz="2000" dirty="0"/>
+          </a:p>
+          <a:p>
+            <a:pPr marL="0" indent="0">
+              <a:buNone/>
+            </a:pPr>
+            <a:endParaRPr lang="en-US" altLang="zh-CN" sz="2000" dirty="0"/>
+          </a:p>
+          <a:p>
+            <a:pPr marL="0" indent="0">
+              <a:buNone/>
+            </a:pPr>
+            <a:r>
+              <a:rPr lang="zh-CN" altLang="en-US" sz="2000" dirty="0"/>
+              <a:t>实现系统可能有多角度分类，</a:t>
+            </a:r>
+            <a:endParaRPr lang="en-US" altLang="zh-CN" sz="2000" dirty="0"/>
+          </a:p>
+          <a:p>
+            <a:pPr marL="0" indent="0">
+              <a:buNone/>
+            </a:pPr>
+            <a:r>
+              <a:rPr lang="zh-CN" altLang="en-US" sz="2000" dirty="0"/>
+              <a:t>每一种分类都有可能变化，</a:t>
+            </a:r>
+            <a:endParaRPr lang="en-US" altLang="zh-CN" sz="2000" dirty="0"/>
+          </a:p>
+          <a:p>
+            <a:pPr marL="0" indent="0">
+              <a:buNone/>
+            </a:pPr>
+            <a:r>
+              <a:rPr lang="zh-CN" altLang="en-US" sz="2000" dirty="0"/>
+              <a:t>那么就把这种多角度分离出来</a:t>
+            </a:r>
+            <a:endParaRPr lang="en-US" altLang="zh-CN" sz="2000" dirty="0"/>
+          </a:p>
+          <a:p>
+            <a:pPr marL="0" indent="0">
+              <a:buNone/>
+            </a:pPr>
+            <a:r>
+              <a:rPr lang="zh-CN" altLang="en-US" sz="2000" dirty="0"/>
+              <a:t>让它们独立变化，减少它们之间的耦合。</a:t>
+            </a:r>
+          </a:p>
+        </p:txBody>
+      </p:sp>
+      <p:sp>
+        <p:nvSpPr>
+          <p:cNvPr id="4" name="标题 3"/>
           <p:cNvSpPr>
             <a:spLocks noGrp="1"/>
           </p:cNvSpPr>
@@ -6598,56 +6772,33 @@
             <p:ph type="title"/>
           </p:nvPr>
         </p:nvSpPr>
-        <p:spPr/>
-        <p:txBody>
-          <a:bodyPr>
-            <a:normAutofit fontScale="90000"/>
-          </a:bodyPr>
+        <p:spPr>
+          <a:xfrm>
+            <a:off x="677545" y="609600"/>
+            <a:ext cx="8596630" cy="742315"/>
+          </a:xfrm>
+        </p:spPr>
+        <p:txBody>
+          <a:bodyPr/>
           <a:lstStyle/>
           <a:p>
             <a:r>
               <a:rPr lang="zh-CN" altLang="en-US" dirty="0"/>
-              <a:t>享元模式（</a:t>
+              <a:t>桥接模式</a:t>
             </a:r>
             <a:r>
               <a:rPr lang="en-US" altLang="zh-CN" dirty="0"/>
-              <a:t>Flyweight</a:t>
-            </a:r>
-            <a:r>
-              <a:rPr lang="zh-CN" altLang="en-US" dirty="0"/>
-              <a:t>）</a:t>
-            </a:r>
-            <a:r>
-              <a:rPr lang="zh-CN" altLang="en-US" sz="1800" dirty="0"/>
-              <a:t>  运用共享技术有效地支持大量细粒度的对象</a:t>
-            </a:r>
-            <a:br>
-              <a:rPr lang="zh-CN" altLang="en-US" dirty="0"/>
-            </a:br>
-            <a:endParaRPr lang="zh-CN" altLang="en-US" dirty="0"/>
-          </a:p>
-        </p:txBody>
-      </p:sp>
-      <p:sp>
-        <p:nvSpPr>
-          <p:cNvPr id="3" name="内容占位符 2"/>
-          <p:cNvSpPr>
-            <a:spLocks noGrp="1"/>
-          </p:cNvSpPr>
-          <p:nvPr>
-            <p:ph idx="1"/>
-          </p:nvPr>
-        </p:nvSpPr>
-        <p:spPr/>
-        <p:txBody>
-          <a:bodyPr/>
-          <a:lstStyle/>
-          <a:p>
-            <a:endParaRPr lang="zh-CN" altLang="en-US" dirty="0"/>
+              <a:t>(Bridge)</a:t>
+            </a:r>
           </a:p>
         </p:txBody>
       </p:sp>
     </p:spTree>
+    <p:extLst>
+      <p:ext uri="{BB962C8B-B14F-4D97-AF65-F5344CB8AC3E}">
+        <p14:creationId xmlns:p14="http://schemas.microsoft.com/office/powerpoint/2010/main" val="3809210839"/>
+      </p:ext>
+    </p:extLst>
   </p:cSld>
   <p:clrMapOvr>
     <a:masterClrMapping/>
@@ -6684,26 +6835,31 @@
         </p:nvSpPr>
         <p:spPr/>
         <p:txBody>
-          <a:bodyPr/>
+          <a:bodyPr>
+            <a:normAutofit fontScale="90000"/>
+          </a:bodyPr>
           <a:lstStyle/>
           <a:p>
             <a:r>
               <a:rPr lang="zh-CN" altLang="en-US" dirty="0"/>
-              <a:t>访问者模式（</a:t>
+              <a:t>享元模式（</a:t>
             </a:r>
             <a:r>
               <a:rPr lang="en-US" altLang="zh-CN" dirty="0"/>
-              <a:t>Visitor</a:t>
+              <a:t>Flyweight</a:t>
             </a:r>
             <a:r>
               <a:rPr lang="zh-CN" altLang="en-US" dirty="0"/>
               <a:t>）</a:t>
             </a:r>
             <a:r>
-              <a:rPr lang="zh-CN" altLang="en-US" sz="1600" dirty="0"/>
-              <a:t>表示一个作用于某对象结构中的各元素的操作。它使你可以在不改变各元素的类的前提下定义作用于这些元素的新操作。</a:t>
-            </a:r>
-            <a:endParaRPr lang="zh-CN" altLang="en-US" sz="1600" dirty="0"/>
+              <a:rPr lang="zh-CN" altLang="en-US" sz="1800" dirty="0"/>
+              <a:t>  运用共享技术有效地支持大量细粒度的对象</a:t>
+            </a:r>
+            <a:br>
+              <a:rPr lang="zh-CN" altLang="en-US" dirty="0"/>
+            </a:br>
+            <a:endParaRPr lang="zh-CN" altLang="en-US" dirty="0"/>
           </a:p>
         </p:txBody>
       </p:sp>
@@ -6721,34 +6877,6 @@
         <p:txBody>
           <a:bodyPr/>
           <a:lstStyle/>
-          <a:p>
-            <a:r>
-              <a:rPr lang="zh-CN" altLang="en-US" dirty="0"/>
-              <a:t>作用于数据结构相对稳定的系统。</a:t>
-            </a:r>
-            <a:endParaRPr lang="en-US" altLang="zh-CN" dirty="0"/>
-          </a:p>
-          <a:p>
-            <a:r>
-              <a:rPr lang="zh-CN" altLang="en-US" dirty="0"/>
-              <a:t>如男人和女人对于某类行为的不同表现。</a:t>
-            </a:r>
-            <a:endParaRPr lang="en-US" altLang="zh-CN" dirty="0"/>
-          </a:p>
-          <a:p>
-            <a:r>
-              <a:rPr lang="zh-CN" altLang="en-US" dirty="0"/>
-              <a:t>某类行为就是访问者。后期添加对这种行为的不同表现比较容易。</a:t>
-            </a:r>
-            <a:endParaRPr lang="en-US" altLang="zh-CN" dirty="0"/>
-          </a:p>
-          <a:p>
-            <a:r>
-              <a:rPr lang="zh-CN" altLang="en-US" dirty="0"/>
-              <a:t>人的性别这种结构，比较少的类别才适合采用此模式。如果类别较多，不适合采用此模式了。</a:t>
-            </a:r>
-            <a:endParaRPr lang="en-US" altLang="zh-CN" dirty="0"/>
-          </a:p>
           <a:p>
             <a:endParaRPr lang="zh-CN" altLang="en-US" dirty="0"/>
           </a:p>
@@ -6763,14 +6891,14 @@
 </file>
 
 <file path=ppt/tags/tag1.xml><?xml version="1.0" encoding="utf-8"?>
-<p:tagLst xmlns:p="http://schemas.openxmlformats.org/presentationml/2006/main">
+<p:tagLst xmlns:a="http://schemas.openxmlformats.org/drawingml/2006/main" xmlns:r="http://schemas.openxmlformats.org/officeDocument/2006/relationships" xmlns:p="http://schemas.openxmlformats.org/presentationml/2006/main">
   <p:tag name="REFSHAPE" val="497523772"/>
   <p:tag name="KSO_WM_UNIT_PLACING_PICTURE_USER_VIEWPORT" val="{&quot;height&quot;:7245,&quot;width&quot;:12015}"/>
 </p:tagLst>
 </file>
 
 <file path=ppt/tags/tag2.xml><?xml version="1.0" encoding="utf-8"?>
-<p:tagLst xmlns:p="http://schemas.openxmlformats.org/presentationml/2006/main">
+<p:tagLst xmlns:a="http://schemas.openxmlformats.org/drawingml/2006/main" xmlns:r="http://schemas.openxmlformats.org/officeDocument/2006/relationships" xmlns:p="http://schemas.openxmlformats.org/presentationml/2006/main">
   <p:tag name="REFSHAPE" val="542960260"/>
   <p:tag name="KSO_WM_UNIT_PLACING_PICTURE_USER_VIEWPORT" val="{&quot;height&quot;:5475,&quot;width&quot;:11115}"/>
 </p:tagLst>
@@ -7023,6 +7151,8 @@
       </a:bgFillStyleLst>
     </a:fmtScheme>
   </a:themeElements>
+  <a:objectDefaults/>
+  <a:extraClrSchemeLst/>
   <a:extLst>
     <a:ext uri="{05A4C25C-085E-4340-85A3-A5531E510DB2}">
       <thm15:themeFamily xmlns:thm15="http://schemas.microsoft.com/office/thememl/2012/main" name="Office Theme" id="{62F939B6-93AF-4DB8-9C6B-D6C7DFDC589F}" vid="{4A3C46E8-61CC-4603-A589-7422A47A8E4A}"/>
